--- a/_lectures/week10/api_visualization.pptx
+++ b/_lectures/week10/api_visualization.pptx
@@ -9,8 +9,13 @@
     <p:sldId id="257" r:id="rId3"/>
     <p:sldId id="258" r:id="rId4"/>
     <p:sldId id="259" r:id="rId5"/>
-    <p:sldId id="260" r:id="rId6"/>
-    <p:sldId id="261" r:id="rId7"/>
+    <p:sldId id="262" r:id="rId6"/>
+    <p:sldId id="260" r:id="rId7"/>
+    <p:sldId id="263" r:id="rId8"/>
+    <p:sldId id="264" r:id="rId9"/>
+    <p:sldId id="265" r:id="rId10"/>
+    <p:sldId id="268" r:id="rId11"/>
+    <p:sldId id="261" r:id="rId12"/>
   </p:sldIdLst>
   <p:sldSz cx="12192000" cy="6858000"/>
   <p:notesSz cx="6858000" cy="9144000"/>
@@ -109,6 +114,11 @@
       </a:defRPr>
     </a:lvl9pPr>
   </p:defaultTextStyle>
+  <p:extLst>
+    <p:ext uri="{EFAFB233-063F-42B5-8137-9DF3F51BA10A}">
+      <p15:sldGuideLst xmlns:p15="http://schemas.microsoft.com/office/powerpoint/2012/main"/>
+    </p:ext>
+  </p:extLst>
 </p:presentation>
 </file>
 
@@ -259,7 +269,7 @@
           <a:p>
             <a:fld id="{90CDDACB-AA34-4501-B984-01C37FDD50C3}" type="datetimeFigureOut">
               <a:rPr lang="en-US" smtClean="0"/>
-              <a:t>10/17/2020</a:t>
+              <a:t>10/25/2023</a:t>
             </a:fld>
             <a:endParaRPr lang="en-US"/>
           </a:p>
@@ -457,7 +467,7 @@
           <a:p>
             <a:fld id="{90CDDACB-AA34-4501-B984-01C37FDD50C3}" type="datetimeFigureOut">
               <a:rPr lang="en-US" smtClean="0"/>
-              <a:t>10/17/2020</a:t>
+              <a:t>10/25/2023</a:t>
             </a:fld>
             <a:endParaRPr lang="en-US"/>
           </a:p>
@@ -665,7 +675,7 @@
           <a:p>
             <a:fld id="{90CDDACB-AA34-4501-B984-01C37FDD50C3}" type="datetimeFigureOut">
               <a:rPr lang="en-US" smtClean="0"/>
-              <a:t>10/17/2020</a:t>
+              <a:t>10/25/2023</a:t>
             </a:fld>
             <a:endParaRPr lang="en-US"/>
           </a:p>
@@ -863,7 +873,7 @@
           <a:p>
             <a:fld id="{90CDDACB-AA34-4501-B984-01C37FDD50C3}" type="datetimeFigureOut">
               <a:rPr lang="en-US" smtClean="0"/>
-              <a:t>10/17/2020</a:t>
+              <a:t>10/25/2023</a:t>
             </a:fld>
             <a:endParaRPr lang="en-US"/>
           </a:p>
@@ -1138,7 +1148,7 @@
           <a:p>
             <a:fld id="{90CDDACB-AA34-4501-B984-01C37FDD50C3}" type="datetimeFigureOut">
               <a:rPr lang="en-US" smtClean="0"/>
-              <a:t>10/17/2020</a:t>
+              <a:t>10/25/2023</a:t>
             </a:fld>
             <a:endParaRPr lang="en-US"/>
           </a:p>
@@ -1403,7 +1413,7 @@
           <a:p>
             <a:fld id="{90CDDACB-AA34-4501-B984-01C37FDD50C3}" type="datetimeFigureOut">
               <a:rPr lang="en-US" smtClean="0"/>
-              <a:t>10/17/2020</a:t>
+              <a:t>10/25/2023</a:t>
             </a:fld>
             <a:endParaRPr lang="en-US"/>
           </a:p>
@@ -1815,7 +1825,7 @@
           <a:p>
             <a:fld id="{90CDDACB-AA34-4501-B984-01C37FDD50C3}" type="datetimeFigureOut">
               <a:rPr lang="en-US" smtClean="0"/>
-              <a:t>10/17/2020</a:t>
+              <a:t>10/25/2023</a:t>
             </a:fld>
             <a:endParaRPr lang="en-US"/>
           </a:p>
@@ -1956,7 +1966,7 @@
           <a:p>
             <a:fld id="{90CDDACB-AA34-4501-B984-01C37FDD50C3}" type="datetimeFigureOut">
               <a:rPr lang="en-US" smtClean="0"/>
-              <a:t>10/17/2020</a:t>
+              <a:t>10/25/2023</a:t>
             </a:fld>
             <a:endParaRPr lang="en-US"/>
           </a:p>
@@ -2069,7 +2079,7 @@
           <a:p>
             <a:fld id="{90CDDACB-AA34-4501-B984-01C37FDD50C3}" type="datetimeFigureOut">
               <a:rPr lang="en-US" smtClean="0"/>
-              <a:t>10/17/2020</a:t>
+              <a:t>10/25/2023</a:t>
             </a:fld>
             <a:endParaRPr lang="en-US"/>
           </a:p>
@@ -2380,7 +2390,7 @@
           <a:p>
             <a:fld id="{90CDDACB-AA34-4501-B984-01C37FDD50C3}" type="datetimeFigureOut">
               <a:rPr lang="en-US" smtClean="0"/>
-              <a:t>10/17/2020</a:t>
+              <a:t>10/25/2023</a:t>
             </a:fld>
             <a:endParaRPr lang="en-US"/>
           </a:p>
@@ -2668,7 +2678,7 @@
           <a:p>
             <a:fld id="{90CDDACB-AA34-4501-B984-01C37FDD50C3}" type="datetimeFigureOut">
               <a:rPr lang="en-US" smtClean="0"/>
-              <a:t>10/17/2020</a:t>
+              <a:t>10/25/2023</a:t>
             </a:fld>
             <a:endParaRPr lang="en-US"/>
           </a:p>
@@ -2909,7 +2919,7 @@
           <a:p>
             <a:fld id="{90CDDACB-AA34-4501-B984-01C37FDD50C3}" type="datetimeFigureOut">
               <a:rPr lang="en-US" smtClean="0"/>
-              <a:t>10/17/2020</a:t>
+              <a:t>10/25/2023</a:t>
             </a:fld>
             <a:endParaRPr lang="en-US"/>
           </a:p>
@@ -3716,7 +3726,7 @@
 </p:sld>
 </file>
 
-<file path=ppt/slides/slide2.xml><?xml version="1.0" encoding="utf-8"?>
+<file path=ppt/slides/slide10.xml><?xml version="1.0" encoding="utf-8"?>
 <p:sld xmlns:a="http://schemas.openxmlformats.org/drawingml/2006/main" xmlns:r="http://schemas.openxmlformats.org/officeDocument/2006/relationships" xmlns:p="http://schemas.openxmlformats.org/presentationml/2006/main">
   <p:cSld>
     <p:spTree>
@@ -4149,12 +4159,47 @@
           </a:p>
         </p:txBody>
       </p:sp>
-      <p:sp>
-        <p:nvSpPr>
-          <p:cNvPr id="4" name="Arc 3">
-            <a:extLst>
-              <a:ext uri="{FF2B5EF4-FFF2-40B4-BE49-F238E27FC236}">
-                <a16:creationId xmlns:a16="http://schemas.microsoft.com/office/drawing/2014/main" id="{BD1EE0FC-033B-42EB-BD4E-A75E1076F0C6}"/>
+      <p:pic>
+        <p:nvPicPr>
+          <p:cNvPr id="6" name="Picture 5">
+            <a:extLst>
+              <a:ext uri="{FF2B5EF4-FFF2-40B4-BE49-F238E27FC236}">
+                <a16:creationId xmlns:a16="http://schemas.microsoft.com/office/drawing/2014/main" id="{11F63FB4-7BB7-5BCD-BD0A-4CA553AA8FF4}"/>
+              </a:ext>
+            </a:extLst>
+          </p:cNvPr>
+          <p:cNvPicPr>
+            <a:picLocks noChangeAspect="1"/>
+          </p:cNvPicPr>
+          <p:nvPr/>
+        </p:nvPicPr>
+        <p:blipFill>
+          <a:blip r:embed="rId11"/>
+          <a:stretch>
+            <a:fillRect/>
+          </a:stretch>
+        </p:blipFill>
+        <p:spPr>
+          <a:xfrm>
+            <a:off x="5614958" y="2324796"/>
+            <a:ext cx="3126219" cy="2339622"/>
+          </a:xfrm>
+          <a:prstGeom prst="rect">
+            <a:avLst/>
+          </a:prstGeom>
+          <a:ln>
+            <a:solidFill>
+              <a:schemeClr val="tx1"/>
+            </a:solidFill>
+          </a:ln>
+        </p:spPr>
+      </p:pic>
+      <p:sp>
+        <p:nvSpPr>
+          <p:cNvPr id="8" name="Rectangle: Rounded Corners 7">
+            <a:extLst>
+              <a:ext uri="{FF2B5EF4-FFF2-40B4-BE49-F238E27FC236}">
+                <a16:creationId xmlns:a16="http://schemas.microsoft.com/office/drawing/2014/main" id="{E3A9AEC4-F071-170A-E336-B8C83FA0EE31}"/>
               </a:ext>
             </a:extLst>
           </p:cNvPr>
@@ -4163,18 +4208,130 @@
         </p:nvSpPr>
         <p:spPr>
           <a:xfrm>
-            <a:off x="1602481" y="1277055"/>
-            <a:ext cx="4595119" cy="1646003"/>
-          </a:xfrm>
-          <a:prstGeom prst="arc">
-            <a:avLst>
-              <a:gd name="adj1" fmla="val 11292682"/>
-              <a:gd name="adj2" fmla="val 16981830"/>
-            </a:avLst>
-          </a:prstGeom>
+            <a:off x="5824694" y="2588747"/>
+            <a:ext cx="2206426" cy="384900"/>
+          </a:xfrm>
+          <a:prstGeom prst="roundRect">
+            <a:avLst/>
+          </a:prstGeom>
+          <a:noFill/>
           <a:ln w="57150">
             <a:solidFill>
               <a:srgbClr val="7030A0"/>
+            </a:solidFill>
+          </a:ln>
+        </p:spPr>
+        <p:style>
+          <a:lnRef idx="2">
+            <a:schemeClr val="accent1">
+              <a:shade val="15000"/>
+            </a:schemeClr>
+          </a:lnRef>
+          <a:fillRef idx="1">
+            <a:schemeClr val="accent1"/>
+          </a:fillRef>
+          <a:effectRef idx="0">
+            <a:schemeClr val="accent1"/>
+          </a:effectRef>
+          <a:fontRef idx="minor">
+            <a:schemeClr val="lt1"/>
+          </a:fontRef>
+        </p:style>
+        <p:txBody>
+          <a:bodyPr rtlCol="0" anchor="ctr"/>
+          <a:lstStyle/>
+          <a:p>
+            <a:pPr algn="ctr"/>
+            <a:endParaRPr lang="en-US"/>
+          </a:p>
+        </p:txBody>
+      </p:sp>
+      <p:sp>
+        <p:nvSpPr>
+          <p:cNvPr id="19" name="TextBox 18">
+            <a:extLst>
+              <a:ext uri="{FF2B5EF4-FFF2-40B4-BE49-F238E27FC236}">
+                <a16:creationId xmlns:a16="http://schemas.microsoft.com/office/drawing/2014/main" id="{EFED0B18-36D5-04CE-05A5-A927FD9F98CA}"/>
+              </a:ext>
+            </a:extLst>
+          </p:cNvPr>
+          <p:cNvSpPr txBox="1"/>
+          <p:nvPr/>
+        </p:nvSpPr>
+        <p:spPr>
+          <a:xfrm>
+            <a:off x="6454376" y="1976082"/>
+            <a:ext cx="2277375" cy="307777"/>
+          </a:xfrm>
+          <a:prstGeom prst="rect">
+            <a:avLst/>
+          </a:prstGeom>
+          <a:solidFill>
+            <a:srgbClr val="FFFF00"/>
+          </a:solidFill>
+          <a:ln>
+            <a:noFill/>
+          </a:ln>
+        </p:spPr>
+        <p:style>
+          <a:lnRef idx="2">
+            <a:schemeClr val="dk1"/>
+          </a:lnRef>
+          <a:fillRef idx="1">
+            <a:schemeClr val="lt1"/>
+          </a:fillRef>
+          <a:effectRef idx="0">
+            <a:schemeClr val="dk1"/>
+          </a:effectRef>
+          <a:fontRef idx="minor">
+            <a:schemeClr val="dk1"/>
+          </a:fontRef>
+        </p:style>
+        <p:txBody>
+          <a:bodyPr wrap="square" rtlCol="0">
+            <a:spAutoFit/>
+          </a:bodyPr>
+          <a:lstStyle/>
+          <a:p>
+            <a:pPr algn="ctr"/>
+            <a:r>
+              <a:rPr lang="en-US" sz="1400" b="1" dirty="0"/>
+              <a:t>JSON from </a:t>
+            </a:r>
+            <a:r>
+              <a:rPr lang="en-US" sz="1400" b="1" dirty="0" err="1"/>
+              <a:t>Weatherstack</a:t>
+            </a:r>
+            <a:endParaRPr lang="en-US" sz="1400" b="1" dirty="0"/>
+          </a:p>
+        </p:txBody>
+      </p:sp>
+      <p:sp>
+        <p:nvSpPr>
+          <p:cNvPr id="24" name="Arc 23">
+            <a:extLst>
+              <a:ext uri="{FF2B5EF4-FFF2-40B4-BE49-F238E27FC236}">
+                <a16:creationId xmlns:a16="http://schemas.microsoft.com/office/drawing/2014/main" id="{B94720B2-15C5-4040-BBAB-CEF7AF33872D}"/>
+              </a:ext>
+            </a:extLst>
+          </p:cNvPr>
+          <p:cNvSpPr/>
+          <p:nvPr/>
+        </p:nvSpPr>
+        <p:spPr>
+          <a:xfrm>
+            <a:off x="6055847" y="1037667"/>
+            <a:ext cx="4595119" cy="1646003"/>
+          </a:xfrm>
+          <a:prstGeom prst="arc">
+            <a:avLst>
+              <a:gd name="adj1" fmla="val 4386021"/>
+              <a:gd name="adj2" fmla="val 10484368"/>
+            </a:avLst>
+          </a:prstGeom>
+          <a:ln w="57150">
+            <a:solidFill>
+              <a:srgbClr val="FF0000"/>
             </a:solidFill>
             <a:tailEnd type="triangle" w="lg" len="med"/>
           </a:ln>
@@ -4204,26 +4361,132 @@
       </p:sp>
       <p:sp>
         <p:nvSpPr>
-          <p:cNvPr id="19" name="TextBox 18">
-            <a:extLst>
-              <a:ext uri="{FF2B5EF4-FFF2-40B4-BE49-F238E27FC236}">
-                <a16:creationId xmlns:a16="http://schemas.microsoft.com/office/drawing/2014/main" id="{2D4149D2-611E-4090-B69A-E92276D44F48}"/>
-              </a:ext>
-            </a:extLst>
-          </p:cNvPr>
-          <p:cNvSpPr txBox="1"/>
-          <p:nvPr/>
-        </p:nvSpPr>
-        <p:spPr>
-          <a:xfrm>
-            <a:off x="1872254" y="243695"/>
-            <a:ext cx="2027786" cy="923330"/>
+          <p:cNvPr id="2" name="Arc 1">
+            <a:extLst>
+              <a:ext uri="{FF2B5EF4-FFF2-40B4-BE49-F238E27FC236}">
+                <a16:creationId xmlns:a16="http://schemas.microsoft.com/office/drawing/2014/main" id="{44918D8E-5C38-0766-CC1D-2CE156E934C4}"/>
+              </a:ext>
+            </a:extLst>
+          </p:cNvPr>
+          <p:cNvSpPr/>
+          <p:nvPr/>
+        </p:nvSpPr>
+        <p:spPr>
+          <a:xfrm>
+            <a:off x="447681" y="1343880"/>
+            <a:ext cx="4595119" cy="1646003"/>
+          </a:xfrm>
+          <a:prstGeom prst="arc">
+            <a:avLst>
+              <a:gd name="adj1" fmla="val 93392"/>
+              <a:gd name="adj2" fmla="val 7647074"/>
+            </a:avLst>
+          </a:prstGeom>
+          <a:ln w="57150">
+            <a:solidFill>
+              <a:srgbClr val="FF0000"/>
+            </a:solidFill>
+            <a:tailEnd type="triangle" w="lg" len="med"/>
+          </a:ln>
+        </p:spPr>
+        <p:style>
+          <a:lnRef idx="1">
+            <a:schemeClr val="accent1"/>
+          </a:lnRef>
+          <a:fillRef idx="0">
+            <a:schemeClr val="accent1"/>
+          </a:fillRef>
+          <a:effectRef idx="0">
+            <a:schemeClr val="accent1"/>
+          </a:effectRef>
+          <a:fontRef idx="minor">
+            <a:schemeClr val="tx1"/>
+          </a:fontRef>
+        </p:style>
+        <p:txBody>
+          <a:bodyPr rtlCol="0" anchor="ctr"/>
+          <a:lstStyle/>
+          <a:p>
+            <a:pPr algn="ctr"/>
+            <a:endParaRPr lang="en-US"/>
+          </a:p>
+        </p:txBody>
+      </p:sp>
+      <p:pic>
+        <p:nvPicPr>
+          <p:cNvPr id="3" name="Picture 2">
+            <a:extLst>
+              <a:ext uri="{FF2B5EF4-FFF2-40B4-BE49-F238E27FC236}">
+                <a16:creationId xmlns:a16="http://schemas.microsoft.com/office/drawing/2014/main" id="{F4E2D449-7331-0F71-EF50-3B380EA1F75B}"/>
+              </a:ext>
+            </a:extLst>
+          </p:cNvPr>
+          <p:cNvPicPr>
+            <a:picLocks noChangeAspect="1"/>
+          </p:cNvPicPr>
+          <p:nvPr/>
+        </p:nvPicPr>
+        <p:blipFill rotWithShape="1">
+          <a:blip r:embed="rId12"/>
+          <a:srcRect t="3148" r="6212" b="11252"/>
+          <a:stretch/>
+        </p:blipFill>
+        <p:spPr>
+          <a:xfrm>
+            <a:off x="2170395" y="3417077"/>
+            <a:ext cx="2689654" cy="678991"/>
           </a:xfrm>
           <a:prstGeom prst="rect">
             <a:avLst/>
           </a:prstGeom>
-          <a:noFill/>
-        </p:spPr>
+          <a:ln>
+            <a:solidFill>
+              <a:schemeClr val="tx1"/>
+            </a:solidFill>
+          </a:ln>
+        </p:spPr>
+      </p:pic>
+      <p:sp>
+        <p:nvSpPr>
+          <p:cNvPr id="4" name="TextBox 3">
+            <a:extLst>
+              <a:ext uri="{FF2B5EF4-FFF2-40B4-BE49-F238E27FC236}">
+                <a16:creationId xmlns:a16="http://schemas.microsoft.com/office/drawing/2014/main" id="{A0043A6C-194E-3E65-9A99-73C28DB7E24C}"/>
+              </a:ext>
+            </a:extLst>
+          </p:cNvPr>
+          <p:cNvSpPr txBox="1"/>
+          <p:nvPr/>
+        </p:nvSpPr>
+        <p:spPr>
+          <a:xfrm>
+            <a:off x="2481069" y="3104544"/>
+            <a:ext cx="2277375" cy="307777"/>
+          </a:xfrm>
+          <a:prstGeom prst="rect">
+            <a:avLst/>
+          </a:prstGeom>
+          <a:solidFill>
+            <a:srgbClr val="FFFF00"/>
+          </a:solidFill>
+          <a:ln>
+            <a:noFill/>
+          </a:ln>
+        </p:spPr>
+        <p:style>
+          <a:lnRef idx="2">
+            <a:schemeClr val="dk1"/>
+          </a:lnRef>
+          <a:fillRef idx="1">
+            <a:schemeClr val="lt1"/>
+          </a:fillRef>
+          <a:effectRef idx="0">
+            <a:schemeClr val="dk1"/>
+          </a:effectRef>
+          <a:fontRef idx="minor">
+            <a:schemeClr val="dk1"/>
+          </a:fontRef>
+        </p:style>
         <p:txBody>
           <a:bodyPr wrap="square" rtlCol="0">
             <a:spAutoFit/>
@@ -4232,16 +4495,8 @@
           <a:p>
             <a:pPr algn="ctr"/>
             <a:r>
-              <a:rPr lang="en-US" b="1" dirty="0"/>
-              <a:t>Send request via </a:t>
-            </a:r>
-            <a:r>
-              <a:rPr lang="en-US" b="1" dirty="0" err="1"/>
-              <a:t>Particle.publish</a:t>
-            </a:r>
-            <a:r>
-              <a:rPr lang="en-US" b="1" dirty="0"/>
-              <a:t>() to webhook</a:t>
+              <a:rPr lang="en-US" sz="1400" b="1" dirty="0"/>
+              <a:t>JSON from Particle Cloud</a:t>
             </a:r>
           </a:p>
         </p:txBody>
@@ -4249,7 +4504,7 @@
     </p:spTree>
     <p:extLst>
       <p:ext uri="{BB962C8B-B14F-4D97-AF65-F5344CB8AC3E}">
-        <p14:creationId xmlns:p14="http://schemas.microsoft.com/office/powerpoint/2010/main" val="4194219760"/>
+        <p14:creationId xmlns:p14="http://schemas.microsoft.com/office/powerpoint/2010/main" val="276576301"/>
       </p:ext>
     </p:extLst>
   </p:cSld>
@@ -4259,7 +4514,7 @@
 </p:sld>
 </file>
 
-<file path=ppt/slides/slide3.xml><?xml version="1.0" encoding="utf-8"?>
+<file path=ppt/slides/slide11.xml><?xml version="1.0" encoding="utf-8"?>
 <p:sld xmlns:a="http://schemas.openxmlformats.org/drawingml/2006/main" xmlns:r="http://schemas.openxmlformats.org/officeDocument/2006/relationships" xmlns:p="http://schemas.openxmlformats.org/presentationml/2006/main">
   <p:cSld>
     <p:spTree>
@@ -4717,9 +4972,7 @@
           </a:prstGeom>
           <a:ln w="57150">
             <a:solidFill>
-              <a:schemeClr val="bg1">
-                <a:lumMod val="85000"/>
-              </a:schemeClr>
+              <a:srgbClr val="7030A0"/>
             </a:solidFill>
             <a:tailEnd type="triangle" w="lg" len="med"/>
           </a:ln>
@@ -4743,13 +4996,7 @@
           <a:lstStyle/>
           <a:p>
             <a:pPr algn="ctr"/>
-            <a:endParaRPr lang="en-US">
-              <a:solidFill>
-                <a:schemeClr val="bg2">
-                  <a:lumMod val="75000"/>
-                </a:schemeClr>
-              </a:solidFill>
-            </a:endParaRPr>
+            <a:endParaRPr lang="en-US"/>
           </a:p>
         </p:txBody>
       </p:sp>
@@ -4774,11 +5021,6 @@
             <a:avLst/>
           </a:prstGeom>
           <a:noFill/>
-          <a:ln>
-            <a:solidFill>
-              <a:schemeClr val="bg1"/>
-            </a:solidFill>
-          </a:ln>
         </p:spPr>
         <p:txBody>
           <a:bodyPr wrap="square" rtlCol="0">
@@ -4788,33 +5030,15 @@
           <a:p>
             <a:pPr algn="ctr"/>
             <a:r>
-              <a:rPr lang="en-US" b="1" dirty="0">
-                <a:solidFill>
-                  <a:schemeClr val="bg1">
-                    <a:lumMod val="85000"/>
-                  </a:schemeClr>
-                </a:solidFill>
-              </a:rPr>
+              <a:rPr lang="en-US" b="1" dirty="0"/>
               <a:t>Send request via </a:t>
             </a:r>
             <a:r>
-              <a:rPr lang="en-US" b="1" dirty="0" err="1">
-                <a:solidFill>
-                  <a:schemeClr val="bg1">
-                    <a:lumMod val="85000"/>
-                  </a:schemeClr>
-                </a:solidFill>
-              </a:rPr>
+              <a:rPr lang="en-US" b="1" dirty="0" err="1"/>
               <a:t>Particle.publish</a:t>
             </a:r>
             <a:r>
-              <a:rPr lang="en-US" b="1" dirty="0">
-                <a:solidFill>
-                  <a:schemeClr val="bg1">
-                    <a:lumMod val="85000"/>
-                  </a:schemeClr>
-                </a:solidFill>
-              </a:rPr>
+              <a:rPr lang="en-US" b="1" dirty="0"/>
               <a:t>() to webhook</a:t>
             </a:r>
           </a:p>
@@ -4909,10 +5133,196 @@
           </a:p>
         </p:txBody>
       </p:sp>
+      <p:sp>
+        <p:nvSpPr>
+          <p:cNvPr id="24" name="Arc 23">
+            <a:extLst>
+              <a:ext uri="{FF2B5EF4-FFF2-40B4-BE49-F238E27FC236}">
+                <a16:creationId xmlns:a16="http://schemas.microsoft.com/office/drawing/2014/main" id="{B94720B2-15C5-4040-BBAB-CEF7AF33872D}"/>
+              </a:ext>
+            </a:extLst>
+          </p:cNvPr>
+          <p:cNvSpPr/>
+          <p:nvPr/>
+        </p:nvSpPr>
+        <p:spPr>
+          <a:xfrm>
+            <a:off x="6055847" y="1037667"/>
+            <a:ext cx="4595119" cy="1646003"/>
+          </a:xfrm>
+          <a:prstGeom prst="arc">
+            <a:avLst>
+              <a:gd name="adj1" fmla="val 4386021"/>
+              <a:gd name="adj2" fmla="val 10484368"/>
+            </a:avLst>
+          </a:prstGeom>
+          <a:ln w="57150">
+            <a:solidFill>
+              <a:srgbClr val="FF0000"/>
+            </a:solidFill>
+            <a:tailEnd type="triangle" w="lg" len="med"/>
+          </a:ln>
+        </p:spPr>
+        <p:style>
+          <a:lnRef idx="1">
+            <a:schemeClr val="accent1"/>
+          </a:lnRef>
+          <a:fillRef idx="0">
+            <a:schemeClr val="accent1"/>
+          </a:fillRef>
+          <a:effectRef idx="0">
+            <a:schemeClr val="accent1"/>
+          </a:effectRef>
+          <a:fontRef idx="minor">
+            <a:schemeClr val="tx1"/>
+          </a:fontRef>
+        </p:style>
+        <p:txBody>
+          <a:bodyPr rtlCol="0" anchor="ctr"/>
+          <a:lstStyle/>
+          <a:p>
+            <a:pPr algn="ctr"/>
+            <a:endParaRPr lang="en-US"/>
+          </a:p>
+        </p:txBody>
+      </p:sp>
+      <p:sp>
+        <p:nvSpPr>
+          <p:cNvPr id="25" name="Arc 24">
+            <a:extLst>
+              <a:ext uri="{FF2B5EF4-FFF2-40B4-BE49-F238E27FC236}">
+                <a16:creationId xmlns:a16="http://schemas.microsoft.com/office/drawing/2014/main" id="{B02ACC8B-4F90-4DA9-BA13-551E4DFE3C35}"/>
+              </a:ext>
+            </a:extLst>
+          </p:cNvPr>
+          <p:cNvSpPr/>
+          <p:nvPr/>
+        </p:nvSpPr>
+        <p:spPr>
+          <a:xfrm>
+            <a:off x="447681" y="1343880"/>
+            <a:ext cx="4595119" cy="1646003"/>
+          </a:xfrm>
+          <a:prstGeom prst="arc">
+            <a:avLst>
+              <a:gd name="adj1" fmla="val 93392"/>
+              <a:gd name="adj2" fmla="val 7647074"/>
+            </a:avLst>
+          </a:prstGeom>
+          <a:ln w="57150">
+            <a:solidFill>
+              <a:srgbClr val="FF0000"/>
+            </a:solidFill>
+            <a:tailEnd type="triangle" w="lg" len="med"/>
+          </a:ln>
+        </p:spPr>
+        <p:style>
+          <a:lnRef idx="1">
+            <a:schemeClr val="accent1"/>
+          </a:lnRef>
+          <a:fillRef idx="0">
+            <a:schemeClr val="accent1"/>
+          </a:fillRef>
+          <a:effectRef idx="0">
+            <a:schemeClr val="accent1"/>
+          </a:effectRef>
+          <a:fontRef idx="minor">
+            <a:schemeClr val="tx1"/>
+          </a:fontRef>
+        </p:style>
+        <p:txBody>
+          <a:bodyPr rtlCol="0" anchor="ctr"/>
+          <a:lstStyle/>
+          <a:p>
+            <a:pPr algn="ctr"/>
+            <a:endParaRPr lang="en-US"/>
+          </a:p>
+        </p:txBody>
+      </p:sp>
+      <p:sp>
+        <p:nvSpPr>
+          <p:cNvPr id="26" name="TextBox 25">
+            <a:extLst>
+              <a:ext uri="{FF2B5EF4-FFF2-40B4-BE49-F238E27FC236}">
+                <a16:creationId xmlns:a16="http://schemas.microsoft.com/office/drawing/2014/main" id="{C616FBDC-574E-4D29-B3F3-541CF31BB759}"/>
+              </a:ext>
+            </a:extLst>
+          </p:cNvPr>
+          <p:cNvSpPr txBox="1"/>
+          <p:nvPr/>
+        </p:nvSpPr>
+        <p:spPr>
+          <a:xfrm>
+            <a:off x="6132035" y="2863548"/>
+            <a:ext cx="2261373" cy="923330"/>
+          </a:xfrm>
+          <a:prstGeom prst="rect">
+            <a:avLst/>
+          </a:prstGeom>
+          <a:noFill/>
+        </p:spPr>
+        <p:txBody>
+          <a:bodyPr wrap="square" rtlCol="0">
+            <a:spAutoFit/>
+          </a:bodyPr>
+          <a:lstStyle/>
+          <a:p>
+            <a:pPr algn="ctr"/>
+            <a:r>
+              <a:rPr lang="en-US" b="1" dirty="0"/>
+              <a:t>API responds with request JSON-formatted data</a:t>
+            </a:r>
+          </a:p>
+        </p:txBody>
+      </p:sp>
+      <p:sp>
+        <p:nvSpPr>
+          <p:cNvPr id="27" name="TextBox 26">
+            <a:extLst>
+              <a:ext uri="{FF2B5EF4-FFF2-40B4-BE49-F238E27FC236}">
+                <a16:creationId xmlns:a16="http://schemas.microsoft.com/office/drawing/2014/main" id="{E567FEA7-6394-4FC3-ABC5-0DE1D3832F99}"/>
+              </a:ext>
+            </a:extLst>
+          </p:cNvPr>
+          <p:cNvSpPr txBox="1"/>
+          <p:nvPr/>
+        </p:nvSpPr>
+        <p:spPr>
+          <a:xfrm>
+            <a:off x="2441190" y="3079995"/>
+            <a:ext cx="2261373" cy="923330"/>
+          </a:xfrm>
+          <a:prstGeom prst="rect">
+            <a:avLst/>
+          </a:prstGeom>
+          <a:noFill/>
+        </p:spPr>
+        <p:txBody>
+          <a:bodyPr wrap="square" rtlCol="0">
+            <a:spAutoFit/>
+          </a:bodyPr>
+          <a:lstStyle/>
+          <a:p>
+            <a:pPr algn="ctr"/>
+            <a:r>
+              <a:rPr lang="en-US" b="1" dirty="0"/>
+              <a:t>Argon receives JSON data via </a:t>
+            </a:r>
+            <a:r>
+              <a:rPr lang="en-US" b="1" dirty="0" err="1"/>
+              <a:t>Particle.subscribe</a:t>
+            </a:r>
+            <a:r>
+              <a:rPr lang="en-US" b="1" dirty="0"/>
+              <a:t>()</a:t>
+            </a:r>
+          </a:p>
+        </p:txBody>
+      </p:sp>
     </p:spTree>
     <p:extLst>
       <p:ext uri="{BB962C8B-B14F-4D97-AF65-F5344CB8AC3E}">
-        <p14:creationId xmlns:p14="http://schemas.microsoft.com/office/powerpoint/2010/main" val="1947142998"/>
+        <p14:creationId xmlns:p14="http://schemas.microsoft.com/office/powerpoint/2010/main" val="1119803911"/>
       </p:ext>
     </p:extLst>
   </p:cSld>
@@ -4922,7 +5332,7 @@
 </p:sld>
 </file>
 
-<file path=ppt/slides/slide4.xml><?xml version="1.0" encoding="utf-8"?>
+<file path=ppt/slides/slide2.xml><?xml version="1.0" encoding="utf-8"?>
 <p:sld xmlns:a="http://schemas.openxmlformats.org/drawingml/2006/main" xmlns:r="http://schemas.openxmlformats.org/officeDocument/2006/relationships" xmlns:p="http://schemas.openxmlformats.org/presentationml/2006/main">
   <p:cSld>
     <p:spTree>
@@ -5380,9 +5790,7 @@
           </a:prstGeom>
           <a:ln w="57150">
             <a:solidFill>
-              <a:schemeClr val="bg1">
-                <a:lumMod val="85000"/>
-              </a:schemeClr>
+              <a:srgbClr val="7030A0"/>
             </a:solidFill>
             <a:tailEnd type="triangle" w="lg" len="med"/>
           </a:ln>
@@ -5402,22 +5810,11 @@
           </a:fontRef>
         </p:style>
         <p:txBody>
-          <a:bodyPr rot="0" spcFirstLastPara="0" vertOverflow="overflow" horzOverflow="overflow" vert="horz" wrap="square" lIns="91440" tIns="45720" rIns="91440" bIns="45720" numCol="1" spcCol="0" rtlCol="0" fromWordArt="0" anchor="ctr" anchorCtr="0" forceAA="0" compatLnSpc="1">
-            <a:prstTxWarp prst="textNoShape">
-              <a:avLst/>
-            </a:prstTxWarp>
-            <a:noAutofit/>
-          </a:bodyPr>
+          <a:bodyPr rtlCol="0" anchor="ctr"/>
           <a:lstStyle/>
           <a:p>
             <a:pPr algn="ctr"/>
-            <a:endParaRPr lang="en-US">
-              <a:solidFill>
-                <a:schemeClr val="bg2">
-                  <a:lumMod val="75000"/>
-                </a:schemeClr>
-              </a:solidFill>
-            </a:endParaRPr>
+            <a:endParaRPr lang="en-US"/>
           </a:p>
         </p:txBody>
       </p:sp>
@@ -5451,231 +5848,16 @@
           <a:p>
             <a:pPr algn="ctr"/>
             <a:r>
-              <a:rPr lang="en-US" b="1" dirty="0">
-                <a:solidFill>
-                  <a:schemeClr val="bg1">
-                    <a:lumMod val="85000"/>
-                  </a:schemeClr>
-                </a:solidFill>
-              </a:rPr>
+              <a:rPr lang="en-US" b="1" dirty="0"/>
               <a:t>Send request via </a:t>
             </a:r>
             <a:r>
-              <a:rPr lang="en-US" b="1" dirty="0" err="1">
-                <a:solidFill>
-                  <a:schemeClr val="bg1">
-                    <a:lumMod val="85000"/>
-                  </a:schemeClr>
-                </a:solidFill>
-              </a:rPr>
+              <a:rPr lang="en-US" b="1" dirty="0" err="1"/>
               <a:t>Particle.publish</a:t>
             </a:r>
             <a:r>
-              <a:rPr lang="en-US" b="1" dirty="0">
-                <a:solidFill>
-                  <a:schemeClr val="bg1">
-                    <a:lumMod val="85000"/>
-                  </a:schemeClr>
-                </a:solidFill>
-              </a:rPr>
+              <a:rPr lang="en-US" b="1" dirty="0"/>
               <a:t>() to webhook</a:t>
-            </a:r>
-          </a:p>
-        </p:txBody>
-      </p:sp>
-      <p:sp>
-        <p:nvSpPr>
-          <p:cNvPr id="20" name="TextBox 19">
-            <a:extLst>
-              <a:ext uri="{FF2B5EF4-FFF2-40B4-BE49-F238E27FC236}">
-                <a16:creationId xmlns:a16="http://schemas.microsoft.com/office/drawing/2014/main" id="{181926D2-6827-4E7F-87F9-59F421A23196}"/>
-              </a:ext>
-            </a:extLst>
-          </p:cNvPr>
-          <p:cNvSpPr txBox="1"/>
-          <p:nvPr/>
-        </p:nvSpPr>
-        <p:spPr>
-          <a:xfrm>
-            <a:off x="7761587" y="520694"/>
-            <a:ext cx="2261373" cy="923330"/>
-          </a:xfrm>
-          <a:prstGeom prst="rect">
-            <a:avLst/>
-          </a:prstGeom>
-          <a:noFill/>
-        </p:spPr>
-        <p:txBody>
-          <a:bodyPr wrap="square" rtlCol="0">
-            <a:spAutoFit/>
-          </a:bodyPr>
-          <a:lstStyle/>
-          <a:p>
-            <a:pPr algn="ctr"/>
-            <a:r>
-              <a:rPr lang="en-US" b="1" dirty="0">
-                <a:solidFill>
-                  <a:schemeClr val="bg1">
-                    <a:lumMod val="85000"/>
-                  </a:schemeClr>
-                </a:solidFill>
-              </a:rPr>
-              <a:t>Particle webhook connects to API endpoint</a:t>
-            </a:r>
-          </a:p>
-        </p:txBody>
-      </p:sp>
-      <p:sp>
-        <p:nvSpPr>
-          <p:cNvPr id="22" name="Arc 21">
-            <a:extLst>
-              <a:ext uri="{FF2B5EF4-FFF2-40B4-BE49-F238E27FC236}">
-                <a16:creationId xmlns:a16="http://schemas.microsoft.com/office/drawing/2014/main" id="{53158D47-55D2-4762-A3BA-61D655491B12}"/>
-              </a:ext>
-            </a:extLst>
-          </p:cNvPr>
-          <p:cNvSpPr/>
-          <p:nvPr/>
-        </p:nvSpPr>
-        <p:spPr>
-          <a:xfrm>
-            <a:off x="4751981" y="1277055"/>
-            <a:ext cx="4595119" cy="1646003"/>
-          </a:xfrm>
-          <a:prstGeom prst="arc">
-            <a:avLst>
-              <a:gd name="adj1" fmla="val 15081720"/>
-              <a:gd name="adj2" fmla="val 21236164"/>
-            </a:avLst>
-          </a:prstGeom>
-          <a:ln w="57150">
-            <a:solidFill>
-              <a:schemeClr val="bg1">
-                <a:lumMod val="85000"/>
-              </a:schemeClr>
-            </a:solidFill>
-            <a:tailEnd type="triangle" w="lg" len="med"/>
-          </a:ln>
-        </p:spPr>
-        <p:style>
-          <a:lnRef idx="1">
-            <a:schemeClr val="accent1"/>
-          </a:lnRef>
-          <a:fillRef idx="0">
-            <a:schemeClr val="accent1"/>
-          </a:fillRef>
-          <a:effectRef idx="0">
-            <a:schemeClr val="accent1"/>
-          </a:effectRef>
-          <a:fontRef idx="minor">
-            <a:schemeClr val="tx1"/>
-          </a:fontRef>
-        </p:style>
-        <p:txBody>
-          <a:bodyPr rot="0" spcFirstLastPara="0" vertOverflow="overflow" horzOverflow="overflow" vert="horz" wrap="square" lIns="91440" tIns="45720" rIns="91440" bIns="45720" numCol="1" spcCol="0" rtlCol="0" fromWordArt="0" anchor="ctr" anchorCtr="0" forceAA="0" compatLnSpc="1">
-            <a:prstTxWarp prst="textNoShape">
-              <a:avLst/>
-            </a:prstTxWarp>
-            <a:noAutofit/>
-          </a:bodyPr>
-          <a:lstStyle/>
-          <a:p>
-            <a:pPr algn="ctr"/>
-            <a:endParaRPr lang="en-US">
-              <a:solidFill>
-                <a:schemeClr val="bg2">
-                  <a:lumMod val="75000"/>
-                </a:schemeClr>
-              </a:solidFill>
-            </a:endParaRPr>
-          </a:p>
-        </p:txBody>
-      </p:sp>
-      <p:sp>
-        <p:nvSpPr>
-          <p:cNvPr id="24" name="Arc 23">
-            <a:extLst>
-              <a:ext uri="{FF2B5EF4-FFF2-40B4-BE49-F238E27FC236}">
-                <a16:creationId xmlns:a16="http://schemas.microsoft.com/office/drawing/2014/main" id="{B94720B2-15C5-4040-BBAB-CEF7AF33872D}"/>
-              </a:ext>
-            </a:extLst>
-          </p:cNvPr>
-          <p:cNvSpPr/>
-          <p:nvPr/>
-        </p:nvSpPr>
-        <p:spPr>
-          <a:xfrm>
-            <a:off x="6055847" y="1037667"/>
-            <a:ext cx="4595119" cy="1646003"/>
-          </a:xfrm>
-          <a:prstGeom prst="arc">
-            <a:avLst>
-              <a:gd name="adj1" fmla="val 4386021"/>
-              <a:gd name="adj2" fmla="val 10484368"/>
-            </a:avLst>
-          </a:prstGeom>
-          <a:ln w="57150">
-            <a:solidFill>
-              <a:srgbClr val="FF0000"/>
-            </a:solidFill>
-            <a:tailEnd type="triangle" w="lg" len="med"/>
-          </a:ln>
-        </p:spPr>
-        <p:style>
-          <a:lnRef idx="1">
-            <a:schemeClr val="accent1"/>
-          </a:lnRef>
-          <a:fillRef idx="0">
-            <a:schemeClr val="accent1"/>
-          </a:fillRef>
-          <a:effectRef idx="0">
-            <a:schemeClr val="accent1"/>
-          </a:effectRef>
-          <a:fontRef idx="minor">
-            <a:schemeClr val="tx1"/>
-          </a:fontRef>
-        </p:style>
-        <p:txBody>
-          <a:bodyPr rtlCol="0" anchor="ctr"/>
-          <a:lstStyle/>
-          <a:p>
-            <a:pPr algn="ctr"/>
-            <a:endParaRPr lang="en-US"/>
-          </a:p>
-        </p:txBody>
-      </p:sp>
-      <p:sp>
-        <p:nvSpPr>
-          <p:cNvPr id="26" name="TextBox 25">
-            <a:extLst>
-              <a:ext uri="{FF2B5EF4-FFF2-40B4-BE49-F238E27FC236}">
-                <a16:creationId xmlns:a16="http://schemas.microsoft.com/office/drawing/2014/main" id="{C616FBDC-574E-4D29-B3F3-541CF31BB759}"/>
-              </a:ext>
-            </a:extLst>
-          </p:cNvPr>
-          <p:cNvSpPr txBox="1"/>
-          <p:nvPr/>
-        </p:nvSpPr>
-        <p:spPr>
-          <a:xfrm>
-            <a:off x="6132035" y="2863548"/>
-            <a:ext cx="2261373" cy="923330"/>
-          </a:xfrm>
-          <a:prstGeom prst="rect">
-            <a:avLst/>
-          </a:prstGeom>
-          <a:noFill/>
-        </p:spPr>
-        <p:txBody>
-          <a:bodyPr wrap="square" rtlCol="0">
-            <a:spAutoFit/>
-          </a:bodyPr>
-          <a:lstStyle/>
-          <a:p>
-            <a:pPr algn="ctr"/>
-            <a:r>
-              <a:rPr lang="en-US" b="1" dirty="0"/>
-              <a:t>API responds with request JSON-formatted data</a:t>
             </a:r>
           </a:p>
         </p:txBody>
@@ -5683,7 +5865,7 @@
     </p:spTree>
     <p:extLst>
       <p:ext uri="{BB962C8B-B14F-4D97-AF65-F5344CB8AC3E}">
-        <p14:creationId xmlns:p14="http://schemas.microsoft.com/office/powerpoint/2010/main" val="3893865506"/>
+        <p14:creationId xmlns:p14="http://schemas.microsoft.com/office/powerpoint/2010/main" val="4194219760"/>
       </p:ext>
     </p:extLst>
   </p:cSld>
@@ -5693,7 +5875,7 @@
 </p:sld>
 </file>
 
-<file path=ppt/slides/slide5.xml><?xml version="1.0" encoding="utf-8"?>
+<file path=ppt/slides/slide3.xml><?xml version="1.0" encoding="utf-8"?>
 <p:sld xmlns:a="http://schemas.openxmlformats.org/drawingml/2006/main" xmlns:r="http://schemas.openxmlformats.org/officeDocument/2006/relationships" xmlns:p="http://schemas.openxmlformats.org/presentationml/2006/main">
   <p:cSld>
     <p:spTree>
@@ -6173,12 +6355,7 @@
           </a:fontRef>
         </p:style>
         <p:txBody>
-          <a:bodyPr rot="0" spcFirstLastPara="0" vertOverflow="overflow" horzOverflow="overflow" vert="horz" wrap="square" lIns="91440" tIns="45720" rIns="91440" bIns="45720" numCol="1" spcCol="0" rtlCol="0" fromWordArt="0" anchor="ctr" anchorCtr="0" forceAA="0" compatLnSpc="1">
-            <a:prstTxWarp prst="textNoShape">
-              <a:avLst/>
-            </a:prstTxWarp>
-            <a:noAutofit/>
-          </a:bodyPr>
+          <a:bodyPr rtlCol="0" anchor="ctr"/>
           <a:lstStyle/>
           <a:p>
             <a:pPr algn="ctr"/>
@@ -6213,84 +6390,83 @@
             <a:avLst/>
           </a:prstGeom>
           <a:noFill/>
+          <a:ln>
+            <a:solidFill>
+              <a:schemeClr val="bg1"/>
+            </a:solidFill>
+          </a:ln>
         </p:spPr>
         <p:txBody>
           <a:bodyPr wrap="square" rtlCol="0">
             <a:spAutoFit/>
           </a:bodyPr>
-          <a:lstStyle>
-            <a:defPPr>
-              <a:defRPr lang="en-US"/>
-            </a:defPPr>
-            <a:lvl1pPr algn="ctr">
-              <a:defRPr b="1">
+          <a:lstStyle/>
+          <a:p>
+            <a:pPr algn="ctr"/>
+            <a:r>
+              <a:rPr lang="en-US" b="1" dirty="0">
                 <a:solidFill>
                   <a:schemeClr val="bg1">
                     <a:lumMod val="85000"/>
                   </a:schemeClr>
                 </a:solidFill>
-              </a:defRPr>
-            </a:lvl1pPr>
-          </a:lstStyle>
-          <a:p>
-            <a:r>
-              <a:rPr lang="en-US" dirty="0"/>
+              </a:rPr>
               <a:t>Send request via </a:t>
             </a:r>
             <a:r>
-              <a:rPr lang="en-US" dirty="0" err="1"/>
-              <a:t>Particle.publish</a:t>
-            </a:r>
-            <a:r>
-              <a:rPr lang="en-US" dirty="0"/>
-              <a:t>() to webhook</a:t>
-            </a:r>
-          </a:p>
-        </p:txBody>
-      </p:sp>
-      <p:sp>
-        <p:nvSpPr>
-          <p:cNvPr id="20" name="TextBox 19">
-            <a:extLst>
-              <a:ext uri="{FF2B5EF4-FFF2-40B4-BE49-F238E27FC236}">
-                <a16:creationId xmlns:a16="http://schemas.microsoft.com/office/drawing/2014/main" id="{181926D2-6827-4E7F-87F9-59F421A23196}"/>
-              </a:ext>
-            </a:extLst>
-          </p:cNvPr>
-          <p:cNvSpPr txBox="1"/>
-          <p:nvPr/>
-        </p:nvSpPr>
-        <p:spPr>
-          <a:xfrm>
-            <a:off x="7761587" y="520694"/>
-            <a:ext cx="2261373" cy="923330"/>
-          </a:xfrm>
-          <a:prstGeom prst="rect">
-            <a:avLst/>
-          </a:prstGeom>
-          <a:noFill/>
-        </p:spPr>
-        <p:txBody>
-          <a:bodyPr wrap="square" rtlCol="0">
-            <a:spAutoFit/>
-          </a:bodyPr>
-          <a:lstStyle>
-            <a:defPPr>
-              <a:defRPr lang="en-US"/>
-            </a:defPPr>
-            <a:lvl1pPr algn="ctr">
-              <a:defRPr b="1">
+              <a:rPr lang="en-US" b="1" dirty="0" err="1">
                 <a:solidFill>
                   <a:schemeClr val="bg1">
                     <a:lumMod val="85000"/>
                   </a:schemeClr>
                 </a:solidFill>
-              </a:defRPr>
-            </a:lvl1pPr>
-          </a:lstStyle>
-          <a:p>
-            <a:r>
-              <a:rPr lang="en-US" dirty="0"/>
+              </a:rPr>
+              <a:t>Particle.publish</a:t>
+            </a:r>
+            <a:r>
+              <a:rPr lang="en-US" b="1" dirty="0">
+                <a:solidFill>
+                  <a:schemeClr val="bg1">
+                    <a:lumMod val="85000"/>
+                  </a:schemeClr>
+                </a:solidFill>
+              </a:rPr>
+              <a:t>() to webhook</a:t>
+            </a:r>
+          </a:p>
+        </p:txBody>
+      </p:sp>
+      <p:sp>
+        <p:nvSpPr>
+          <p:cNvPr id="20" name="TextBox 19">
+            <a:extLst>
+              <a:ext uri="{FF2B5EF4-FFF2-40B4-BE49-F238E27FC236}">
+                <a16:creationId xmlns:a16="http://schemas.microsoft.com/office/drawing/2014/main" id="{181926D2-6827-4E7F-87F9-59F421A23196}"/>
+              </a:ext>
+            </a:extLst>
+          </p:cNvPr>
+          <p:cNvSpPr txBox="1"/>
+          <p:nvPr/>
+        </p:nvSpPr>
+        <p:spPr>
+          <a:xfrm>
+            <a:off x="7761587" y="520694"/>
+            <a:ext cx="2261373" cy="923330"/>
+          </a:xfrm>
+          <a:prstGeom prst="rect">
+            <a:avLst/>
+          </a:prstGeom>
+          <a:noFill/>
+        </p:spPr>
+        <p:txBody>
+          <a:bodyPr wrap="square" rtlCol="0">
+            <a:spAutoFit/>
+          </a:bodyPr>
+          <a:lstStyle/>
+          <a:p>
+            <a:pPr algn="ctr"/>
+            <a:r>
+              <a:rPr lang="en-US" b="1" dirty="0"/>
               <a:t>Particle webhook connects to API endpoint</a:t>
             </a:r>
           </a:p>
@@ -6321,9 +6497,7 @@
           </a:prstGeom>
           <a:ln w="57150">
             <a:solidFill>
-              <a:schemeClr val="bg1">
-                <a:lumMod val="85000"/>
-              </a:schemeClr>
+              <a:srgbClr val="7030A0"/>
             </a:solidFill>
             <a:tailEnd type="triangle" w="lg" len="med"/>
           </a:ln>
@@ -6343,240 +6517,18 @@
           </a:fontRef>
         </p:style>
         <p:txBody>
-          <a:bodyPr rot="0" spcFirstLastPara="0" vertOverflow="overflow" horzOverflow="overflow" vert="horz" wrap="square" lIns="91440" tIns="45720" rIns="91440" bIns="45720" numCol="1" spcCol="0" rtlCol="0" fromWordArt="0" anchor="ctr" anchorCtr="0" forceAA="0" compatLnSpc="1">
-            <a:prstTxWarp prst="textNoShape">
-              <a:avLst/>
-            </a:prstTxWarp>
-            <a:noAutofit/>
-          </a:bodyPr>
-          <a:lstStyle/>
-          <a:p>
-            <a:pPr algn="ctr"/>
-            <a:endParaRPr lang="en-US">
-              <a:solidFill>
-                <a:schemeClr val="bg2">
-                  <a:lumMod val="75000"/>
-                </a:schemeClr>
-              </a:solidFill>
-            </a:endParaRPr>
-          </a:p>
-        </p:txBody>
-      </p:sp>
-      <p:sp>
-        <p:nvSpPr>
-          <p:cNvPr id="24" name="Arc 23">
-            <a:extLst>
-              <a:ext uri="{FF2B5EF4-FFF2-40B4-BE49-F238E27FC236}">
-                <a16:creationId xmlns:a16="http://schemas.microsoft.com/office/drawing/2014/main" id="{B94720B2-15C5-4040-BBAB-CEF7AF33872D}"/>
-              </a:ext>
-            </a:extLst>
-          </p:cNvPr>
-          <p:cNvSpPr/>
-          <p:nvPr/>
-        </p:nvSpPr>
-        <p:spPr>
-          <a:xfrm>
-            <a:off x="6055847" y="1037667"/>
-            <a:ext cx="4595119" cy="1646003"/>
-          </a:xfrm>
-          <a:prstGeom prst="arc">
-            <a:avLst>
-              <a:gd name="adj1" fmla="val 4386021"/>
-              <a:gd name="adj2" fmla="val 10484368"/>
-            </a:avLst>
-          </a:prstGeom>
-          <a:ln w="57150">
-            <a:solidFill>
-              <a:schemeClr val="bg1">
-                <a:lumMod val="85000"/>
-              </a:schemeClr>
-            </a:solidFill>
-            <a:tailEnd type="triangle" w="lg" len="med"/>
-          </a:ln>
-        </p:spPr>
-        <p:style>
-          <a:lnRef idx="1">
-            <a:schemeClr val="accent1"/>
-          </a:lnRef>
-          <a:fillRef idx="0">
-            <a:schemeClr val="accent1"/>
-          </a:fillRef>
-          <a:effectRef idx="0">
-            <a:schemeClr val="accent1"/>
-          </a:effectRef>
-          <a:fontRef idx="minor">
-            <a:schemeClr val="tx1"/>
-          </a:fontRef>
-        </p:style>
-        <p:txBody>
-          <a:bodyPr rot="0" spcFirstLastPara="0" vertOverflow="overflow" horzOverflow="overflow" vert="horz" wrap="square" lIns="91440" tIns="45720" rIns="91440" bIns="45720" numCol="1" spcCol="0" rtlCol="0" fromWordArt="0" anchor="ctr" anchorCtr="0" forceAA="0" compatLnSpc="1">
-            <a:prstTxWarp prst="textNoShape">
-              <a:avLst/>
-            </a:prstTxWarp>
-            <a:noAutofit/>
-          </a:bodyPr>
-          <a:lstStyle/>
-          <a:p>
-            <a:pPr algn="ctr"/>
-            <a:endParaRPr lang="en-US">
-              <a:solidFill>
-                <a:schemeClr val="bg2">
-                  <a:lumMod val="75000"/>
-                </a:schemeClr>
-              </a:solidFill>
-            </a:endParaRPr>
-          </a:p>
-        </p:txBody>
-      </p:sp>
-      <p:sp>
-        <p:nvSpPr>
-          <p:cNvPr id="25" name="Arc 24">
-            <a:extLst>
-              <a:ext uri="{FF2B5EF4-FFF2-40B4-BE49-F238E27FC236}">
-                <a16:creationId xmlns:a16="http://schemas.microsoft.com/office/drawing/2014/main" id="{B02ACC8B-4F90-4DA9-BA13-551E4DFE3C35}"/>
-              </a:ext>
-            </a:extLst>
-          </p:cNvPr>
-          <p:cNvSpPr/>
-          <p:nvPr/>
-        </p:nvSpPr>
-        <p:spPr>
-          <a:xfrm>
-            <a:off x="447681" y="1343880"/>
-            <a:ext cx="4595119" cy="1646003"/>
-          </a:xfrm>
-          <a:prstGeom prst="arc">
-            <a:avLst>
-              <a:gd name="adj1" fmla="val 93392"/>
-              <a:gd name="adj2" fmla="val 7647074"/>
-            </a:avLst>
-          </a:prstGeom>
-          <a:ln w="57150">
-            <a:solidFill>
-              <a:srgbClr val="FF0000"/>
-            </a:solidFill>
-            <a:tailEnd type="triangle" w="lg" len="med"/>
-          </a:ln>
-        </p:spPr>
-        <p:style>
-          <a:lnRef idx="1">
-            <a:schemeClr val="accent1"/>
-          </a:lnRef>
-          <a:fillRef idx="0">
-            <a:schemeClr val="accent1"/>
-          </a:fillRef>
-          <a:effectRef idx="0">
-            <a:schemeClr val="accent1"/>
-          </a:effectRef>
-          <a:fontRef idx="minor">
-            <a:schemeClr val="tx1"/>
-          </a:fontRef>
-        </p:style>
-        <p:txBody>
           <a:bodyPr rtlCol="0" anchor="ctr"/>
           <a:lstStyle/>
           <a:p>
             <a:pPr algn="ctr"/>
             <a:endParaRPr lang="en-US"/>
-          </a:p>
-        </p:txBody>
-      </p:sp>
-      <p:sp>
-        <p:nvSpPr>
-          <p:cNvPr id="26" name="TextBox 25">
-            <a:extLst>
-              <a:ext uri="{FF2B5EF4-FFF2-40B4-BE49-F238E27FC236}">
-                <a16:creationId xmlns:a16="http://schemas.microsoft.com/office/drawing/2014/main" id="{C616FBDC-574E-4D29-B3F3-541CF31BB759}"/>
-              </a:ext>
-            </a:extLst>
-          </p:cNvPr>
-          <p:cNvSpPr txBox="1"/>
-          <p:nvPr/>
-        </p:nvSpPr>
-        <p:spPr>
-          <a:xfrm>
-            <a:off x="6132035" y="2863548"/>
-            <a:ext cx="2261373" cy="923330"/>
-          </a:xfrm>
-          <a:prstGeom prst="rect">
-            <a:avLst/>
-          </a:prstGeom>
-          <a:noFill/>
-        </p:spPr>
-        <p:txBody>
-          <a:bodyPr wrap="square" rtlCol="0">
-            <a:spAutoFit/>
-          </a:bodyPr>
-          <a:lstStyle>
-            <a:defPPr>
-              <a:defRPr lang="en-US"/>
-            </a:defPPr>
-            <a:lvl1pPr algn="ctr">
-              <a:defRPr b="1">
-                <a:solidFill>
-                  <a:schemeClr val="bg1">
-                    <a:lumMod val="85000"/>
-                  </a:schemeClr>
-                </a:solidFill>
-              </a:defRPr>
-            </a:lvl1pPr>
-          </a:lstStyle>
-          <a:p>
-            <a:r>
-              <a:rPr lang="en-US" dirty="0"/>
-              <a:t>API responds with request JSON-formatted data</a:t>
-            </a:r>
-          </a:p>
-        </p:txBody>
-      </p:sp>
-      <p:sp>
-        <p:nvSpPr>
-          <p:cNvPr id="27" name="TextBox 26">
-            <a:extLst>
-              <a:ext uri="{FF2B5EF4-FFF2-40B4-BE49-F238E27FC236}">
-                <a16:creationId xmlns:a16="http://schemas.microsoft.com/office/drawing/2014/main" id="{E567FEA7-6394-4FC3-ABC5-0DE1D3832F99}"/>
-              </a:ext>
-            </a:extLst>
-          </p:cNvPr>
-          <p:cNvSpPr txBox="1"/>
-          <p:nvPr/>
-        </p:nvSpPr>
-        <p:spPr>
-          <a:xfrm>
-            <a:off x="2441190" y="3079995"/>
-            <a:ext cx="2261373" cy="923330"/>
-          </a:xfrm>
-          <a:prstGeom prst="rect">
-            <a:avLst/>
-          </a:prstGeom>
-          <a:noFill/>
-        </p:spPr>
-        <p:txBody>
-          <a:bodyPr wrap="square" rtlCol="0">
-            <a:spAutoFit/>
-          </a:bodyPr>
-          <a:lstStyle/>
-          <a:p>
-            <a:pPr algn="ctr"/>
-            <a:r>
-              <a:rPr lang="en-US" b="1" dirty="0"/>
-              <a:t>Argon receives JSON data via </a:t>
-            </a:r>
-            <a:r>
-              <a:rPr lang="en-US" b="1" dirty="0" err="1"/>
-              <a:t>Particle.subscribe</a:t>
-            </a:r>
-            <a:r>
-              <a:rPr lang="en-US" b="1" dirty="0"/>
-              <a:t>()</a:t>
-            </a:r>
           </a:p>
         </p:txBody>
       </p:sp>
     </p:spTree>
     <p:extLst>
       <p:ext uri="{BB962C8B-B14F-4D97-AF65-F5344CB8AC3E}">
-        <p14:creationId xmlns:p14="http://schemas.microsoft.com/office/powerpoint/2010/main" val="4158077721"/>
+        <p14:creationId xmlns:p14="http://schemas.microsoft.com/office/powerpoint/2010/main" val="1947142998"/>
       </p:ext>
     </p:extLst>
   </p:cSld>
@@ -6586,7 +6538,7 @@
 </p:sld>
 </file>
 
-<file path=ppt/slides/slide6.xml><?xml version="1.0" encoding="utf-8"?>
+<file path=ppt/slides/slide4.xml><?xml version="1.0" encoding="utf-8"?>
 <p:sld xmlns:a="http://schemas.openxmlformats.org/drawingml/2006/main" xmlns:r="http://schemas.openxmlformats.org/officeDocument/2006/relationships" xmlns:p="http://schemas.openxmlformats.org/presentationml/2006/main">
   <p:cSld>
     <p:spTree>
@@ -7044,7 +6996,9 @@
           </a:prstGeom>
           <a:ln w="57150">
             <a:solidFill>
-              <a:srgbClr val="7030A0"/>
+              <a:schemeClr val="bg1">
+                <a:lumMod val="85000"/>
+              </a:schemeClr>
             </a:solidFill>
             <a:tailEnd type="triangle" w="lg" len="med"/>
           </a:ln>
@@ -7064,11 +7018,22 @@
           </a:fontRef>
         </p:style>
         <p:txBody>
-          <a:bodyPr rtlCol="0" anchor="ctr"/>
+          <a:bodyPr rot="0" spcFirstLastPara="0" vertOverflow="overflow" horzOverflow="overflow" vert="horz" wrap="square" lIns="91440" tIns="45720" rIns="91440" bIns="45720" numCol="1" spcCol="0" rtlCol="0" fromWordArt="0" anchor="ctr" anchorCtr="0" forceAA="0" compatLnSpc="1">
+            <a:prstTxWarp prst="textNoShape">
+              <a:avLst/>
+            </a:prstTxWarp>
+            <a:noAutofit/>
+          </a:bodyPr>
           <a:lstStyle/>
           <a:p>
             <a:pPr algn="ctr"/>
-            <a:endParaRPr lang="en-US"/>
+            <a:endParaRPr lang="en-US">
+              <a:solidFill>
+                <a:schemeClr val="bg2">
+                  <a:lumMod val="75000"/>
+                </a:schemeClr>
+              </a:solidFill>
+            </a:endParaRPr>
           </a:p>
         </p:txBody>
       </p:sp>
@@ -7102,15 +7067,33 @@
           <a:p>
             <a:pPr algn="ctr"/>
             <a:r>
-              <a:rPr lang="en-US" b="1" dirty="0"/>
+              <a:rPr lang="en-US" b="1" dirty="0">
+                <a:solidFill>
+                  <a:schemeClr val="bg1">
+                    <a:lumMod val="85000"/>
+                  </a:schemeClr>
+                </a:solidFill>
+              </a:rPr>
               <a:t>Send request via </a:t>
             </a:r>
             <a:r>
-              <a:rPr lang="en-US" b="1" dirty="0" err="1"/>
+              <a:rPr lang="en-US" b="1" dirty="0" err="1">
+                <a:solidFill>
+                  <a:schemeClr val="bg1">
+                    <a:lumMod val="85000"/>
+                  </a:schemeClr>
+                </a:solidFill>
+              </a:rPr>
               <a:t>Particle.publish</a:t>
             </a:r>
             <a:r>
-              <a:rPr lang="en-US" b="1" dirty="0"/>
+              <a:rPr lang="en-US" b="1" dirty="0">
+                <a:solidFill>
+                  <a:schemeClr val="bg1">
+                    <a:lumMod val="85000"/>
+                  </a:schemeClr>
+                </a:solidFill>
+              </a:rPr>
               <a:t>() to webhook</a:t>
             </a:r>
           </a:p>
@@ -7146,7 +7129,13 @@
           <a:p>
             <a:pPr algn="ctr"/>
             <a:r>
-              <a:rPr lang="en-US" b="1" dirty="0"/>
+              <a:rPr lang="en-US" b="1" dirty="0">
+                <a:solidFill>
+                  <a:schemeClr val="bg1">
+                    <a:lumMod val="85000"/>
+                  </a:schemeClr>
+                </a:solidFill>
+              </a:rPr>
               <a:t>Particle webhook connects to API endpoint</a:t>
             </a:r>
           </a:p>
@@ -7177,7 +7166,9 @@
           </a:prstGeom>
           <a:ln w="57150">
             <a:solidFill>
-              <a:srgbClr val="7030A0"/>
+              <a:schemeClr val="bg1">
+                <a:lumMod val="85000"/>
+              </a:schemeClr>
             </a:solidFill>
             <a:tailEnd type="triangle" w="lg" len="med"/>
           </a:ln>
@@ -7197,11 +7188,22 @@
           </a:fontRef>
         </p:style>
         <p:txBody>
-          <a:bodyPr rtlCol="0" anchor="ctr"/>
+          <a:bodyPr rot="0" spcFirstLastPara="0" vertOverflow="overflow" horzOverflow="overflow" vert="horz" wrap="square" lIns="91440" tIns="45720" rIns="91440" bIns="45720" numCol="1" spcCol="0" rtlCol="0" fromWordArt="0" anchor="ctr" anchorCtr="0" forceAA="0" compatLnSpc="1">
+            <a:prstTxWarp prst="textNoShape">
+              <a:avLst/>
+            </a:prstTxWarp>
+            <a:noAutofit/>
+          </a:bodyPr>
           <a:lstStyle/>
           <a:p>
             <a:pPr algn="ctr"/>
-            <a:endParaRPr lang="en-US"/>
+            <a:endParaRPr lang="en-US">
+              <a:solidFill>
+                <a:schemeClr val="bg2">
+                  <a:lumMod val="75000"/>
+                </a:schemeClr>
+              </a:solidFill>
+            </a:endParaRPr>
           </a:p>
         </p:txBody>
       </p:sp>
@@ -7260,10 +7262,492 @@
       </p:sp>
       <p:sp>
         <p:nvSpPr>
-          <p:cNvPr id="25" name="Arc 24">
-            <a:extLst>
-              <a:ext uri="{FF2B5EF4-FFF2-40B4-BE49-F238E27FC236}">
-                <a16:creationId xmlns:a16="http://schemas.microsoft.com/office/drawing/2014/main" id="{B02ACC8B-4F90-4DA9-BA13-551E4DFE3C35}"/>
+          <p:cNvPr id="26" name="TextBox 25">
+            <a:extLst>
+              <a:ext uri="{FF2B5EF4-FFF2-40B4-BE49-F238E27FC236}">
+                <a16:creationId xmlns:a16="http://schemas.microsoft.com/office/drawing/2014/main" id="{C616FBDC-574E-4D29-B3F3-541CF31BB759}"/>
+              </a:ext>
+            </a:extLst>
+          </p:cNvPr>
+          <p:cNvSpPr txBox="1"/>
+          <p:nvPr/>
+        </p:nvSpPr>
+        <p:spPr>
+          <a:xfrm>
+            <a:off x="6132035" y="2863548"/>
+            <a:ext cx="2261373" cy="923330"/>
+          </a:xfrm>
+          <a:prstGeom prst="rect">
+            <a:avLst/>
+          </a:prstGeom>
+          <a:noFill/>
+        </p:spPr>
+        <p:txBody>
+          <a:bodyPr wrap="square" rtlCol="0">
+            <a:spAutoFit/>
+          </a:bodyPr>
+          <a:lstStyle/>
+          <a:p>
+            <a:pPr algn="ctr"/>
+            <a:r>
+              <a:rPr lang="en-US" b="1" dirty="0"/>
+              <a:t>API responds with request JSON-formatted data</a:t>
+            </a:r>
+          </a:p>
+        </p:txBody>
+      </p:sp>
+    </p:spTree>
+    <p:extLst>
+      <p:ext uri="{BB962C8B-B14F-4D97-AF65-F5344CB8AC3E}">
+        <p14:creationId xmlns:p14="http://schemas.microsoft.com/office/powerpoint/2010/main" val="3893865506"/>
+      </p:ext>
+    </p:extLst>
+  </p:cSld>
+  <p:clrMapOvr>
+    <a:masterClrMapping/>
+  </p:clrMapOvr>
+</p:sld>
+</file>
+
+<file path=ppt/slides/slide5.xml><?xml version="1.0" encoding="utf-8"?>
+<p:sld xmlns:a="http://schemas.openxmlformats.org/drawingml/2006/main" xmlns:r="http://schemas.openxmlformats.org/officeDocument/2006/relationships" xmlns:p="http://schemas.openxmlformats.org/presentationml/2006/main">
+  <p:cSld>
+    <p:spTree>
+      <p:nvGrpSpPr>
+        <p:cNvPr id="1" name=""/>
+        <p:cNvGrpSpPr/>
+        <p:nvPr/>
+      </p:nvGrpSpPr>
+      <p:grpSpPr>
+        <a:xfrm>
+          <a:off x="0" y="0"/>
+          <a:ext cx="0" cy="0"/>
+          <a:chOff x="0" y="0"/>
+          <a:chExt cx="0" cy="0"/>
+        </a:xfrm>
+      </p:grpSpPr>
+      <p:pic>
+        <p:nvPicPr>
+          <p:cNvPr id="5" name="Picture 4" descr="Qr code&#10;&#10;Description automatically generated">
+            <a:extLst>
+              <a:ext uri="{FF2B5EF4-FFF2-40B4-BE49-F238E27FC236}">
+                <a16:creationId xmlns:a16="http://schemas.microsoft.com/office/drawing/2014/main" id="{C04133BD-C7DA-4A5B-86FC-4CD20E82A00C}"/>
+              </a:ext>
+            </a:extLst>
+          </p:cNvPr>
+          <p:cNvPicPr>
+            <a:picLocks noChangeAspect="1"/>
+          </p:cNvPicPr>
+          <p:nvPr/>
+        </p:nvPicPr>
+        <p:blipFill>
+          <a:blip r:embed="rId2">
+            <a:extLst>
+              <a:ext uri="{28A0092B-C50C-407E-A947-70E740481C1C}">
+                <a14:useLocalDpi xmlns:a14="http://schemas.microsoft.com/office/drawing/2010/main" val="0"/>
+              </a:ext>
+            </a:extLst>
+          </a:blip>
+          <a:stretch>
+            <a:fillRect/>
+          </a:stretch>
+        </p:blipFill>
+        <p:spPr>
+          <a:xfrm>
+            <a:off x="867820" y="2324796"/>
+            <a:ext cx="1189579" cy="2691972"/>
+          </a:xfrm>
+          <a:prstGeom prst="rect">
+            <a:avLst/>
+          </a:prstGeom>
+        </p:spPr>
+      </p:pic>
+      <p:pic>
+        <p:nvPicPr>
+          <p:cNvPr id="7" name="Graphic 6" descr="Cloud">
+            <a:extLst>
+              <a:ext uri="{FF2B5EF4-FFF2-40B4-BE49-F238E27FC236}">
+                <a16:creationId xmlns:a16="http://schemas.microsoft.com/office/drawing/2014/main" id="{3A87124C-1FD9-4AE0-A262-F1564B6C0154}"/>
+              </a:ext>
+            </a:extLst>
+          </p:cNvPr>
+          <p:cNvPicPr>
+            <a:picLocks noChangeAspect="1"/>
+          </p:cNvPicPr>
+          <p:nvPr/>
+        </p:nvPicPr>
+        <p:blipFill>
+          <a:blip r:embed="rId3">
+            <a:extLst>
+              <a:ext uri="{28A0092B-C50C-407E-A947-70E740481C1C}">
+                <a14:useLocalDpi xmlns:a14="http://schemas.microsoft.com/office/drawing/2010/main" val="0"/>
+              </a:ext>
+              <a:ext uri="{96DAC541-7B7A-43D3-8B79-37D633B846F1}">
+                <asvg:svgBlip xmlns:asvg="http://schemas.microsoft.com/office/drawing/2016/SVG/main" r:embed="rId4"/>
+              </a:ext>
+            </a:extLst>
+          </a:blip>
+          <a:stretch>
+            <a:fillRect/>
+          </a:stretch>
+        </p:blipFill>
+        <p:spPr>
+          <a:xfrm>
+            <a:off x="4181462" y="-138063"/>
+            <a:ext cx="2868079" cy="2868079"/>
+          </a:xfrm>
+          <a:prstGeom prst="rect">
+            <a:avLst/>
+          </a:prstGeom>
+        </p:spPr>
+      </p:pic>
+      <p:grpSp>
+        <p:nvGrpSpPr>
+          <p:cNvPr id="15" name="Group 14">
+            <a:extLst>
+              <a:ext uri="{FF2B5EF4-FFF2-40B4-BE49-F238E27FC236}">
+                <a16:creationId xmlns:a16="http://schemas.microsoft.com/office/drawing/2014/main" id="{40C5B209-4AA9-4DED-8227-297A42EC8449}"/>
+              </a:ext>
+            </a:extLst>
+          </p:cNvPr>
+          <p:cNvGrpSpPr/>
+          <p:nvPr/>
+        </p:nvGrpSpPr>
+        <p:grpSpPr>
+          <a:xfrm>
+            <a:off x="8810605" y="2058065"/>
+            <a:ext cx="2915728" cy="2551953"/>
+            <a:chOff x="6109739" y="2155513"/>
+            <a:chExt cx="2915728" cy="2551953"/>
+          </a:xfrm>
+        </p:grpSpPr>
+        <p:sp>
+          <p:nvSpPr>
+            <p:cNvPr id="14" name="Rectangle: Rounded Corners 13">
+              <a:extLst>
+                <a:ext uri="{FF2B5EF4-FFF2-40B4-BE49-F238E27FC236}">
+                  <a16:creationId xmlns:a16="http://schemas.microsoft.com/office/drawing/2014/main" id="{2EEE5A17-A7AE-42DB-AC77-31B86878D050}"/>
+                </a:ext>
+              </a:extLst>
+            </p:cNvPr>
+            <p:cNvSpPr/>
+            <p:nvPr/>
+          </p:nvSpPr>
+          <p:spPr>
+            <a:xfrm>
+              <a:off x="6109739" y="2215165"/>
+              <a:ext cx="2915728" cy="2492301"/>
+            </a:xfrm>
+            <a:prstGeom prst="roundRect">
+              <a:avLst/>
+            </a:prstGeom>
+            <a:solidFill>
+              <a:schemeClr val="accent2">
+                <a:lumMod val="40000"/>
+                <a:lumOff val="60000"/>
+                <a:alpha val="50000"/>
+              </a:schemeClr>
+            </a:solidFill>
+            <a:ln>
+              <a:solidFill>
+                <a:schemeClr val="tx1"/>
+              </a:solidFill>
+            </a:ln>
+          </p:spPr>
+          <p:style>
+            <a:lnRef idx="0">
+              <a:scrgbClr r="0" g="0" b="0"/>
+            </a:lnRef>
+            <a:fillRef idx="0">
+              <a:scrgbClr r="0" g="0" b="0"/>
+            </a:fillRef>
+            <a:effectRef idx="0">
+              <a:scrgbClr r="0" g="0" b="0"/>
+            </a:effectRef>
+            <a:fontRef idx="minor">
+              <a:schemeClr val="lt1"/>
+            </a:fontRef>
+          </p:style>
+          <p:txBody>
+            <a:bodyPr rtlCol="0" anchor="ctr"/>
+            <a:lstStyle/>
+            <a:p>
+              <a:pPr algn="ctr"/>
+              <a:endParaRPr lang="en-US" dirty="0"/>
+            </a:p>
+          </p:txBody>
+        </p:sp>
+        <p:pic>
+          <p:nvPicPr>
+            <p:cNvPr id="9" name="Graphic 8" descr="Snowflake">
+              <a:extLst>
+                <a:ext uri="{FF2B5EF4-FFF2-40B4-BE49-F238E27FC236}">
+                  <a16:creationId xmlns:a16="http://schemas.microsoft.com/office/drawing/2014/main" id="{FC727A84-CBF2-49F0-9E8E-1B2922386E78}"/>
+                </a:ext>
+              </a:extLst>
+            </p:cNvPr>
+            <p:cNvPicPr>
+              <a:picLocks noChangeAspect="1"/>
+            </p:cNvPicPr>
+            <p:nvPr/>
+          </p:nvPicPr>
+          <p:blipFill>
+            <a:blip r:embed="rId5">
+              <a:extLst>
+                <a:ext uri="{28A0092B-C50C-407E-A947-70E740481C1C}">
+                  <a14:useLocalDpi xmlns:a14="http://schemas.microsoft.com/office/drawing/2010/main" val="0"/>
+                </a:ext>
+                <a:ext uri="{96DAC541-7B7A-43D3-8B79-37D633B846F1}">
+                  <asvg:svgBlip xmlns:asvg="http://schemas.microsoft.com/office/drawing/2016/SVG/main" r:embed="rId6"/>
+                </a:ext>
+              </a:extLst>
+            </a:blip>
+            <a:stretch>
+              <a:fillRect/>
+            </a:stretch>
+          </p:blipFill>
+          <p:spPr>
+            <a:xfrm>
+              <a:off x="6267446" y="2155513"/>
+              <a:ext cx="1384727" cy="1384727"/>
+            </a:xfrm>
+            <a:prstGeom prst="rect">
+              <a:avLst/>
+            </a:prstGeom>
+          </p:spPr>
+        </p:pic>
+        <p:pic>
+          <p:nvPicPr>
+            <p:cNvPr id="11" name="Graphic 10" descr="Sun">
+              <a:extLst>
+                <a:ext uri="{FF2B5EF4-FFF2-40B4-BE49-F238E27FC236}">
+                  <a16:creationId xmlns:a16="http://schemas.microsoft.com/office/drawing/2014/main" id="{B8B76924-6095-48AC-ADE0-2531BF0FB1B7}"/>
+                </a:ext>
+              </a:extLst>
+            </p:cNvPr>
+            <p:cNvPicPr>
+              <a:picLocks noChangeAspect="1"/>
+            </p:cNvPicPr>
+            <p:nvPr/>
+          </p:nvPicPr>
+          <p:blipFill>
+            <a:blip r:embed="rId7">
+              <a:extLst>
+                <a:ext uri="{28A0092B-C50C-407E-A947-70E740481C1C}">
+                  <a14:useLocalDpi xmlns:a14="http://schemas.microsoft.com/office/drawing/2010/main" val="0"/>
+                </a:ext>
+                <a:ext uri="{96DAC541-7B7A-43D3-8B79-37D633B846F1}">
+                  <asvg:svgBlip xmlns:asvg="http://schemas.microsoft.com/office/drawing/2016/SVG/main" r:embed="rId8"/>
+                </a:ext>
+              </a:extLst>
+            </a:blip>
+            <a:stretch>
+              <a:fillRect/>
+            </a:stretch>
+          </p:blipFill>
+          <p:spPr>
+            <a:xfrm>
+              <a:off x="6736918" y="3234662"/>
+              <a:ext cx="1384727" cy="1384727"/>
+            </a:xfrm>
+            <a:prstGeom prst="rect">
+              <a:avLst/>
+            </a:prstGeom>
+          </p:spPr>
+        </p:pic>
+        <p:pic>
+          <p:nvPicPr>
+            <p:cNvPr id="13" name="Graphic 12" descr="Thermometer">
+              <a:extLst>
+                <a:ext uri="{FF2B5EF4-FFF2-40B4-BE49-F238E27FC236}">
+                  <a16:creationId xmlns:a16="http://schemas.microsoft.com/office/drawing/2014/main" id="{1D866872-9456-46EB-A190-D86AE4E3D0E3}"/>
+                </a:ext>
+              </a:extLst>
+            </p:cNvPr>
+            <p:cNvPicPr>
+              <a:picLocks noChangeAspect="1"/>
+            </p:cNvPicPr>
+            <p:nvPr/>
+          </p:nvPicPr>
+          <p:blipFill>
+            <a:blip r:embed="rId9">
+              <a:extLst>
+                <a:ext uri="{28A0092B-C50C-407E-A947-70E740481C1C}">
+                  <a14:useLocalDpi xmlns:a14="http://schemas.microsoft.com/office/drawing/2010/main" val="0"/>
+                </a:ext>
+                <a:ext uri="{96DAC541-7B7A-43D3-8B79-37D633B846F1}">
+                  <asvg:svgBlip xmlns:asvg="http://schemas.microsoft.com/office/drawing/2016/SVG/main" r:embed="rId10"/>
+                </a:ext>
+              </a:extLst>
+            </a:blip>
+            <a:stretch>
+              <a:fillRect/>
+            </a:stretch>
+          </p:blipFill>
+          <p:spPr>
+            <a:xfrm>
+              <a:off x="7571312" y="2378732"/>
+              <a:ext cx="1384727" cy="1384727"/>
+            </a:xfrm>
+            <a:prstGeom prst="rect">
+              <a:avLst/>
+            </a:prstGeom>
+          </p:spPr>
+        </p:pic>
+      </p:grpSp>
+      <p:sp>
+        <p:nvSpPr>
+          <p:cNvPr id="16" name="TextBox 15">
+            <a:extLst>
+              <a:ext uri="{FF2B5EF4-FFF2-40B4-BE49-F238E27FC236}">
+                <a16:creationId xmlns:a16="http://schemas.microsoft.com/office/drawing/2014/main" id="{7F3F1ED2-9593-4327-A919-6F94842E9FF0}"/>
+              </a:ext>
+            </a:extLst>
+          </p:cNvPr>
+          <p:cNvSpPr txBox="1"/>
+          <p:nvPr/>
+        </p:nvSpPr>
+        <p:spPr>
+          <a:xfrm>
+            <a:off x="883592" y="5690975"/>
+            <a:ext cx="1158034" cy="461665"/>
+          </a:xfrm>
+          <a:prstGeom prst="rect">
+            <a:avLst/>
+          </a:prstGeom>
+        </p:spPr>
+        <p:style>
+          <a:lnRef idx="2">
+            <a:schemeClr val="dk1"/>
+          </a:lnRef>
+          <a:fillRef idx="1">
+            <a:schemeClr val="lt1"/>
+          </a:fillRef>
+          <a:effectRef idx="0">
+            <a:schemeClr val="dk1"/>
+          </a:effectRef>
+          <a:fontRef idx="minor">
+            <a:schemeClr val="dk1"/>
+          </a:fontRef>
+        </p:style>
+        <p:txBody>
+          <a:bodyPr wrap="square" rtlCol="0">
+            <a:spAutoFit/>
+          </a:bodyPr>
+          <a:lstStyle/>
+          <a:p>
+            <a:pPr algn="ctr"/>
+            <a:r>
+              <a:rPr lang="en-US" sz="2400" b="1" dirty="0"/>
+              <a:t>Argon</a:t>
+            </a:r>
+          </a:p>
+        </p:txBody>
+      </p:sp>
+      <p:sp>
+        <p:nvSpPr>
+          <p:cNvPr id="17" name="TextBox 16">
+            <a:extLst>
+              <a:ext uri="{FF2B5EF4-FFF2-40B4-BE49-F238E27FC236}">
+                <a16:creationId xmlns:a16="http://schemas.microsoft.com/office/drawing/2014/main" id="{C3CD7E23-4859-4854-85A9-32CCFD2CBFB4}"/>
+              </a:ext>
+            </a:extLst>
+          </p:cNvPr>
+          <p:cNvSpPr txBox="1"/>
+          <p:nvPr/>
+        </p:nvSpPr>
+        <p:spPr>
+          <a:xfrm>
+            <a:off x="4489117" y="5690975"/>
+            <a:ext cx="2252770" cy="461665"/>
+          </a:xfrm>
+          <a:prstGeom prst="rect">
+            <a:avLst/>
+          </a:prstGeom>
+        </p:spPr>
+        <p:style>
+          <a:lnRef idx="2">
+            <a:schemeClr val="dk1"/>
+          </a:lnRef>
+          <a:fillRef idx="1">
+            <a:schemeClr val="lt1"/>
+          </a:fillRef>
+          <a:effectRef idx="0">
+            <a:schemeClr val="dk1"/>
+          </a:effectRef>
+          <a:fontRef idx="minor">
+            <a:schemeClr val="dk1"/>
+          </a:fontRef>
+        </p:style>
+        <p:txBody>
+          <a:bodyPr wrap="square" rtlCol="0">
+            <a:spAutoFit/>
+          </a:bodyPr>
+          <a:lstStyle/>
+          <a:p>
+            <a:pPr algn="ctr"/>
+            <a:r>
+              <a:rPr lang="en-US" sz="2400" b="1" dirty="0"/>
+              <a:t>Particle Cloud</a:t>
+            </a:r>
+          </a:p>
+        </p:txBody>
+      </p:sp>
+      <p:sp>
+        <p:nvSpPr>
+          <p:cNvPr id="18" name="TextBox 17">
+            <a:extLst>
+              <a:ext uri="{FF2B5EF4-FFF2-40B4-BE49-F238E27FC236}">
+                <a16:creationId xmlns:a16="http://schemas.microsoft.com/office/drawing/2014/main" id="{78DF10E0-2FF4-4ACD-B086-F78C18167F2A}"/>
+              </a:ext>
+            </a:extLst>
+          </p:cNvPr>
+          <p:cNvSpPr txBox="1"/>
+          <p:nvPr/>
+        </p:nvSpPr>
+        <p:spPr>
+          <a:xfrm>
+            <a:off x="9142085" y="5690975"/>
+            <a:ext cx="2252770" cy="461665"/>
+          </a:xfrm>
+          <a:prstGeom prst="rect">
+            <a:avLst/>
+          </a:prstGeom>
+        </p:spPr>
+        <p:style>
+          <a:lnRef idx="2">
+            <a:schemeClr val="dk1"/>
+          </a:lnRef>
+          <a:fillRef idx="1">
+            <a:schemeClr val="lt1"/>
+          </a:fillRef>
+          <a:effectRef idx="0">
+            <a:schemeClr val="dk1"/>
+          </a:effectRef>
+          <a:fontRef idx="minor">
+            <a:schemeClr val="dk1"/>
+          </a:fontRef>
+        </p:style>
+        <p:txBody>
+          <a:bodyPr wrap="square" rtlCol="0">
+            <a:spAutoFit/>
+          </a:bodyPr>
+          <a:lstStyle/>
+          <a:p>
+            <a:pPr algn="ctr"/>
+            <a:r>
+              <a:rPr lang="en-US" sz="2400" b="1" dirty="0"/>
+              <a:t>Weather API</a:t>
+            </a:r>
+          </a:p>
+        </p:txBody>
+      </p:sp>
+      <p:sp>
+        <p:nvSpPr>
+          <p:cNvPr id="4" name="Arc 3">
+            <a:extLst>
+              <a:ext uri="{FF2B5EF4-FFF2-40B4-BE49-F238E27FC236}">
+                <a16:creationId xmlns:a16="http://schemas.microsoft.com/office/drawing/2014/main" id="{BD1EE0FC-033B-42EB-BD4E-A75E1076F0C6}"/>
               </a:ext>
             </a:extLst>
           </p:cNvPr>
@@ -7272,18 +7756,20 @@
         </p:nvSpPr>
         <p:spPr>
           <a:xfrm>
-            <a:off x="447681" y="1343880"/>
+            <a:off x="1602481" y="1277055"/>
             <a:ext cx="4595119" cy="1646003"/>
           </a:xfrm>
           <a:prstGeom prst="arc">
             <a:avLst>
-              <a:gd name="adj1" fmla="val 93392"/>
-              <a:gd name="adj2" fmla="val 7647074"/>
+              <a:gd name="adj1" fmla="val 11292682"/>
+              <a:gd name="adj2" fmla="val 16981830"/>
             </a:avLst>
           </a:prstGeom>
           <a:ln w="57150">
             <a:solidFill>
-              <a:srgbClr val="FF0000"/>
+              <a:schemeClr val="bg1">
+                <a:lumMod val="85000"/>
+              </a:schemeClr>
             </a:solidFill>
             <a:tailEnd type="triangle" w="lg" len="med"/>
           </a:ln>
@@ -7303,20 +7789,31 @@
           </a:fontRef>
         </p:style>
         <p:txBody>
-          <a:bodyPr rtlCol="0" anchor="ctr"/>
+          <a:bodyPr rot="0" spcFirstLastPara="0" vertOverflow="overflow" horzOverflow="overflow" vert="horz" wrap="square" lIns="91440" tIns="45720" rIns="91440" bIns="45720" numCol="1" spcCol="0" rtlCol="0" fromWordArt="0" anchor="ctr" anchorCtr="0" forceAA="0" compatLnSpc="1">
+            <a:prstTxWarp prst="textNoShape">
+              <a:avLst/>
+            </a:prstTxWarp>
+            <a:noAutofit/>
+          </a:bodyPr>
           <a:lstStyle/>
           <a:p>
             <a:pPr algn="ctr"/>
-            <a:endParaRPr lang="en-US"/>
-          </a:p>
-        </p:txBody>
-      </p:sp>
-      <p:sp>
-        <p:nvSpPr>
-          <p:cNvPr id="26" name="TextBox 25">
-            <a:extLst>
-              <a:ext uri="{FF2B5EF4-FFF2-40B4-BE49-F238E27FC236}">
-                <a16:creationId xmlns:a16="http://schemas.microsoft.com/office/drawing/2014/main" id="{C616FBDC-574E-4D29-B3F3-541CF31BB759}"/>
+            <a:endParaRPr lang="en-US">
+              <a:solidFill>
+                <a:schemeClr val="bg2">
+                  <a:lumMod val="75000"/>
+                </a:schemeClr>
+              </a:solidFill>
+            </a:endParaRPr>
+          </a:p>
+        </p:txBody>
+      </p:sp>
+      <p:sp>
+        <p:nvSpPr>
+          <p:cNvPr id="19" name="TextBox 18">
+            <a:extLst>
+              <a:ext uri="{FF2B5EF4-FFF2-40B4-BE49-F238E27FC236}">
+                <a16:creationId xmlns:a16="http://schemas.microsoft.com/office/drawing/2014/main" id="{2D4149D2-611E-4090-B69A-E92276D44F48}"/>
               </a:ext>
             </a:extLst>
           </p:cNvPr>
@@ -7325,8 +7822,8 @@
         </p:nvSpPr>
         <p:spPr>
           <a:xfrm>
-            <a:off x="6132035" y="2863548"/>
-            <a:ext cx="2261373" cy="923330"/>
+            <a:off x="1872254" y="243695"/>
+            <a:ext cx="2027786" cy="923330"/>
           </a:xfrm>
           <a:prstGeom prst="rect">
             <a:avLst/>
@@ -7337,22 +7834,42 @@
           <a:bodyPr wrap="square" rtlCol="0">
             <a:spAutoFit/>
           </a:bodyPr>
-          <a:lstStyle/>
-          <a:p>
-            <a:pPr algn="ctr"/>
-            <a:r>
-              <a:rPr lang="en-US" b="1" dirty="0"/>
-              <a:t>API responds with request JSON-formatted data</a:t>
-            </a:r>
-          </a:p>
-        </p:txBody>
-      </p:sp>
-      <p:sp>
-        <p:nvSpPr>
-          <p:cNvPr id="27" name="TextBox 26">
-            <a:extLst>
-              <a:ext uri="{FF2B5EF4-FFF2-40B4-BE49-F238E27FC236}">
-                <a16:creationId xmlns:a16="http://schemas.microsoft.com/office/drawing/2014/main" id="{E567FEA7-6394-4FC3-ABC5-0DE1D3832F99}"/>
+          <a:lstStyle>
+            <a:defPPr>
+              <a:defRPr lang="en-US"/>
+            </a:defPPr>
+            <a:lvl1pPr algn="ctr">
+              <a:defRPr b="1">
+                <a:solidFill>
+                  <a:schemeClr val="bg1">
+                    <a:lumMod val="85000"/>
+                  </a:schemeClr>
+                </a:solidFill>
+              </a:defRPr>
+            </a:lvl1pPr>
+          </a:lstStyle>
+          <a:p>
+            <a:r>
+              <a:rPr lang="en-US" dirty="0"/>
+              <a:t>Send request via </a:t>
+            </a:r>
+            <a:r>
+              <a:rPr lang="en-US" dirty="0" err="1"/>
+              <a:t>Particle.publish</a:t>
+            </a:r>
+            <a:r>
+              <a:rPr lang="en-US" dirty="0"/>
+              <a:t>() to webhook</a:t>
+            </a:r>
+          </a:p>
+        </p:txBody>
+      </p:sp>
+      <p:sp>
+        <p:nvSpPr>
+          <p:cNvPr id="20" name="TextBox 19">
+            <a:extLst>
+              <a:ext uri="{FF2B5EF4-FFF2-40B4-BE49-F238E27FC236}">
+                <a16:creationId xmlns:a16="http://schemas.microsoft.com/office/drawing/2014/main" id="{181926D2-6827-4E7F-87F9-59F421A23196}"/>
               </a:ext>
             </a:extLst>
           </p:cNvPr>
@@ -7361,7 +7878,7 @@
         </p:nvSpPr>
         <p:spPr>
           <a:xfrm>
-            <a:off x="2441190" y="3079995"/>
+            <a:off x="7761587" y="520694"/>
             <a:ext cx="2261373" cy="923330"/>
           </a:xfrm>
           <a:prstGeom prst="rect">
@@ -7373,6 +7890,287 @@
           <a:bodyPr wrap="square" rtlCol="0">
             <a:spAutoFit/>
           </a:bodyPr>
+          <a:lstStyle>
+            <a:defPPr>
+              <a:defRPr lang="en-US"/>
+            </a:defPPr>
+            <a:lvl1pPr algn="ctr">
+              <a:defRPr b="1">
+                <a:solidFill>
+                  <a:schemeClr val="bg1">
+                    <a:lumMod val="85000"/>
+                  </a:schemeClr>
+                </a:solidFill>
+              </a:defRPr>
+            </a:lvl1pPr>
+          </a:lstStyle>
+          <a:p>
+            <a:r>
+              <a:rPr lang="en-US" dirty="0"/>
+              <a:t>Particle webhook connects to API endpoint</a:t>
+            </a:r>
+          </a:p>
+        </p:txBody>
+      </p:sp>
+      <p:sp>
+        <p:nvSpPr>
+          <p:cNvPr id="22" name="Arc 21">
+            <a:extLst>
+              <a:ext uri="{FF2B5EF4-FFF2-40B4-BE49-F238E27FC236}">
+                <a16:creationId xmlns:a16="http://schemas.microsoft.com/office/drawing/2014/main" id="{53158D47-55D2-4762-A3BA-61D655491B12}"/>
+              </a:ext>
+            </a:extLst>
+          </p:cNvPr>
+          <p:cNvSpPr/>
+          <p:nvPr/>
+        </p:nvSpPr>
+        <p:spPr>
+          <a:xfrm>
+            <a:off x="4751981" y="1277055"/>
+            <a:ext cx="4595119" cy="1646003"/>
+          </a:xfrm>
+          <a:prstGeom prst="arc">
+            <a:avLst>
+              <a:gd name="adj1" fmla="val 15081720"/>
+              <a:gd name="adj2" fmla="val 21236164"/>
+            </a:avLst>
+          </a:prstGeom>
+          <a:ln w="57150">
+            <a:solidFill>
+              <a:schemeClr val="bg1">
+                <a:lumMod val="85000"/>
+              </a:schemeClr>
+            </a:solidFill>
+            <a:tailEnd type="triangle" w="lg" len="med"/>
+          </a:ln>
+        </p:spPr>
+        <p:style>
+          <a:lnRef idx="1">
+            <a:schemeClr val="accent1"/>
+          </a:lnRef>
+          <a:fillRef idx="0">
+            <a:schemeClr val="accent1"/>
+          </a:fillRef>
+          <a:effectRef idx="0">
+            <a:schemeClr val="accent1"/>
+          </a:effectRef>
+          <a:fontRef idx="minor">
+            <a:schemeClr val="tx1"/>
+          </a:fontRef>
+        </p:style>
+        <p:txBody>
+          <a:bodyPr rot="0" spcFirstLastPara="0" vertOverflow="overflow" horzOverflow="overflow" vert="horz" wrap="square" lIns="91440" tIns="45720" rIns="91440" bIns="45720" numCol="1" spcCol="0" rtlCol="0" fromWordArt="0" anchor="ctr" anchorCtr="0" forceAA="0" compatLnSpc="1">
+            <a:prstTxWarp prst="textNoShape">
+              <a:avLst/>
+            </a:prstTxWarp>
+            <a:noAutofit/>
+          </a:bodyPr>
+          <a:lstStyle/>
+          <a:p>
+            <a:pPr algn="ctr"/>
+            <a:endParaRPr lang="en-US">
+              <a:solidFill>
+                <a:schemeClr val="bg2">
+                  <a:lumMod val="75000"/>
+                </a:schemeClr>
+              </a:solidFill>
+            </a:endParaRPr>
+          </a:p>
+        </p:txBody>
+      </p:sp>
+      <p:sp>
+        <p:nvSpPr>
+          <p:cNvPr id="24" name="Arc 23">
+            <a:extLst>
+              <a:ext uri="{FF2B5EF4-FFF2-40B4-BE49-F238E27FC236}">
+                <a16:creationId xmlns:a16="http://schemas.microsoft.com/office/drawing/2014/main" id="{B94720B2-15C5-4040-BBAB-CEF7AF33872D}"/>
+              </a:ext>
+            </a:extLst>
+          </p:cNvPr>
+          <p:cNvSpPr/>
+          <p:nvPr/>
+        </p:nvSpPr>
+        <p:spPr>
+          <a:xfrm>
+            <a:off x="6055847" y="1037667"/>
+            <a:ext cx="4595119" cy="1646003"/>
+          </a:xfrm>
+          <a:prstGeom prst="arc">
+            <a:avLst>
+              <a:gd name="adj1" fmla="val 4386021"/>
+              <a:gd name="adj2" fmla="val 10484368"/>
+            </a:avLst>
+          </a:prstGeom>
+          <a:ln w="57150">
+            <a:solidFill>
+              <a:schemeClr val="bg1">
+                <a:lumMod val="85000"/>
+              </a:schemeClr>
+            </a:solidFill>
+            <a:tailEnd type="triangle" w="lg" len="med"/>
+          </a:ln>
+        </p:spPr>
+        <p:style>
+          <a:lnRef idx="1">
+            <a:schemeClr val="accent1"/>
+          </a:lnRef>
+          <a:fillRef idx="0">
+            <a:schemeClr val="accent1"/>
+          </a:fillRef>
+          <a:effectRef idx="0">
+            <a:schemeClr val="accent1"/>
+          </a:effectRef>
+          <a:fontRef idx="minor">
+            <a:schemeClr val="tx1"/>
+          </a:fontRef>
+        </p:style>
+        <p:txBody>
+          <a:bodyPr rot="0" spcFirstLastPara="0" vertOverflow="overflow" horzOverflow="overflow" vert="horz" wrap="square" lIns="91440" tIns="45720" rIns="91440" bIns="45720" numCol="1" spcCol="0" rtlCol="0" fromWordArt="0" anchor="ctr" anchorCtr="0" forceAA="0" compatLnSpc="1">
+            <a:prstTxWarp prst="textNoShape">
+              <a:avLst/>
+            </a:prstTxWarp>
+            <a:noAutofit/>
+          </a:bodyPr>
+          <a:lstStyle/>
+          <a:p>
+            <a:pPr algn="ctr"/>
+            <a:endParaRPr lang="en-US">
+              <a:solidFill>
+                <a:schemeClr val="bg2">
+                  <a:lumMod val="75000"/>
+                </a:schemeClr>
+              </a:solidFill>
+            </a:endParaRPr>
+          </a:p>
+        </p:txBody>
+      </p:sp>
+      <p:sp>
+        <p:nvSpPr>
+          <p:cNvPr id="25" name="Arc 24">
+            <a:extLst>
+              <a:ext uri="{FF2B5EF4-FFF2-40B4-BE49-F238E27FC236}">
+                <a16:creationId xmlns:a16="http://schemas.microsoft.com/office/drawing/2014/main" id="{B02ACC8B-4F90-4DA9-BA13-551E4DFE3C35}"/>
+              </a:ext>
+            </a:extLst>
+          </p:cNvPr>
+          <p:cNvSpPr/>
+          <p:nvPr/>
+        </p:nvSpPr>
+        <p:spPr>
+          <a:xfrm>
+            <a:off x="447681" y="1343880"/>
+            <a:ext cx="4595119" cy="1646003"/>
+          </a:xfrm>
+          <a:prstGeom prst="arc">
+            <a:avLst>
+              <a:gd name="adj1" fmla="val 93392"/>
+              <a:gd name="adj2" fmla="val 7647074"/>
+            </a:avLst>
+          </a:prstGeom>
+          <a:ln w="57150">
+            <a:solidFill>
+              <a:srgbClr val="FF0000"/>
+            </a:solidFill>
+            <a:tailEnd type="triangle" w="lg" len="med"/>
+          </a:ln>
+        </p:spPr>
+        <p:style>
+          <a:lnRef idx="1">
+            <a:schemeClr val="accent1"/>
+          </a:lnRef>
+          <a:fillRef idx="0">
+            <a:schemeClr val="accent1"/>
+          </a:fillRef>
+          <a:effectRef idx="0">
+            <a:schemeClr val="accent1"/>
+          </a:effectRef>
+          <a:fontRef idx="minor">
+            <a:schemeClr val="tx1"/>
+          </a:fontRef>
+        </p:style>
+        <p:txBody>
+          <a:bodyPr rtlCol="0" anchor="ctr"/>
+          <a:lstStyle/>
+          <a:p>
+            <a:pPr algn="ctr"/>
+            <a:endParaRPr lang="en-US"/>
+          </a:p>
+        </p:txBody>
+      </p:sp>
+      <p:sp>
+        <p:nvSpPr>
+          <p:cNvPr id="26" name="TextBox 25">
+            <a:extLst>
+              <a:ext uri="{FF2B5EF4-FFF2-40B4-BE49-F238E27FC236}">
+                <a16:creationId xmlns:a16="http://schemas.microsoft.com/office/drawing/2014/main" id="{C616FBDC-574E-4D29-B3F3-541CF31BB759}"/>
+              </a:ext>
+            </a:extLst>
+          </p:cNvPr>
+          <p:cNvSpPr txBox="1"/>
+          <p:nvPr/>
+        </p:nvSpPr>
+        <p:spPr>
+          <a:xfrm>
+            <a:off x="6132035" y="2863548"/>
+            <a:ext cx="2261373" cy="923330"/>
+          </a:xfrm>
+          <a:prstGeom prst="rect">
+            <a:avLst/>
+          </a:prstGeom>
+          <a:noFill/>
+        </p:spPr>
+        <p:txBody>
+          <a:bodyPr wrap="square" rtlCol="0">
+            <a:spAutoFit/>
+          </a:bodyPr>
+          <a:lstStyle>
+            <a:defPPr>
+              <a:defRPr lang="en-US"/>
+            </a:defPPr>
+            <a:lvl1pPr algn="ctr">
+              <a:defRPr b="1">
+                <a:solidFill>
+                  <a:schemeClr val="bg1">
+                    <a:lumMod val="85000"/>
+                  </a:schemeClr>
+                </a:solidFill>
+              </a:defRPr>
+            </a:lvl1pPr>
+          </a:lstStyle>
+          <a:p>
+            <a:r>
+              <a:rPr lang="en-US" dirty="0"/>
+              <a:t>API responds with request JSON-formatted data</a:t>
+            </a:r>
+          </a:p>
+        </p:txBody>
+      </p:sp>
+      <p:sp>
+        <p:nvSpPr>
+          <p:cNvPr id="27" name="TextBox 26">
+            <a:extLst>
+              <a:ext uri="{FF2B5EF4-FFF2-40B4-BE49-F238E27FC236}">
+                <a16:creationId xmlns:a16="http://schemas.microsoft.com/office/drawing/2014/main" id="{E567FEA7-6394-4FC3-ABC5-0DE1D3832F99}"/>
+              </a:ext>
+            </a:extLst>
+          </p:cNvPr>
+          <p:cNvSpPr txBox="1"/>
+          <p:nvPr/>
+        </p:nvSpPr>
+        <p:spPr>
+          <a:xfrm>
+            <a:off x="2441190" y="3079995"/>
+            <a:ext cx="2261373" cy="923330"/>
+          </a:xfrm>
+          <a:prstGeom prst="rect">
+            <a:avLst/>
+          </a:prstGeom>
+          <a:noFill/>
+        </p:spPr>
+        <p:txBody>
+          <a:bodyPr wrap="square" rtlCol="0">
+            <a:spAutoFit/>
+          </a:bodyPr>
           <a:lstStyle/>
           <a:p>
             <a:pPr algn="ctr"/>
@@ -7394,7 +8192,3099 @@
     </p:spTree>
     <p:extLst>
       <p:ext uri="{BB962C8B-B14F-4D97-AF65-F5344CB8AC3E}">
-        <p14:creationId xmlns:p14="http://schemas.microsoft.com/office/powerpoint/2010/main" val="1119803911"/>
+        <p14:creationId xmlns:p14="http://schemas.microsoft.com/office/powerpoint/2010/main" val="2343210125"/>
+      </p:ext>
+    </p:extLst>
+  </p:cSld>
+  <p:clrMapOvr>
+    <a:masterClrMapping/>
+  </p:clrMapOvr>
+</p:sld>
+</file>
+
+<file path=ppt/slides/slide6.xml><?xml version="1.0" encoding="utf-8"?>
+<p:sld xmlns:a="http://schemas.openxmlformats.org/drawingml/2006/main" xmlns:r="http://schemas.openxmlformats.org/officeDocument/2006/relationships" xmlns:p="http://schemas.openxmlformats.org/presentationml/2006/main">
+  <p:cSld>
+    <p:spTree>
+      <p:nvGrpSpPr>
+        <p:cNvPr id="1" name=""/>
+        <p:cNvGrpSpPr/>
+        <p:nvPr/>
+      </p:nvGrpSpPr>
+      <p:grpSpPr>
+        <a:xfrm>
+          <a:off x="0" y="0"/>
+          <a:ext cx="0" cy="0"/>
+          <a:chOff x="0" y="0"/>
+          <a:chExt cx="0" cy="0"/>
+        </a:xfrm>
+      </p:grpSpPr>
+      <p:sp>
+        <p:nvSpPr>
+          <p:cNvPr id="2" name="Arc 1">
+            <a:extLst>
+              <a:ext uri="{FF2B5EF4-FFF2-40B4-BE49-F238E27FC236}">
+                <a16:creationId xmlns:a16="http://schemas.microsoft.com/office/drawing/2014/main" id="{80E83714-5AE0-E3B8-0107-83270B8B924C}"/>
+              </a:ext>
+            </a:extLst>
+          </p:cNvPr>
+          <p:cNvSpPr/>
+          <p:nvPr/>
+        </p:nvSpPr>
+        <p:spPr>
+          <a:xfrm>
+            <a:off x="6055847" y="1021467"/>
+            <a:ext cx="4595119" cy="1646003"/>
+          </a:xfrm>
+          <a:prstGeom prst="arc">
+            <a:avLst>
+              <a:gd name="adj1" fmla="val 4386021"/>
+              <a:gd name="adj2" fmla="val 10484368"/>
+            </a:avLst>
+          </a:prstGeom>
+          <a:ln w="57150">
+            <a:solidFill>
+              <a:srgbClr val="FF0000"/>
+            </a:solidFill>
+            <a:tailEnd type="triangle" w="lg" len="med"/>
+          </a:ln>
+        </p:spPr>
+        <p:style>
+          <a:lnRef idx="1">
+            <a:schemeClr val="accent1"/>
+          </a:lnRef>
+          <a:fillRef idx="0">
+            <a:schemeClr val="accent1"/>
+          </a:fillRef>
+          <a:effectRef idx="0">
+            <a:schemeClr val="accent1"/>
+          </a:effectRef>
+          <a:fontRef idx="minor">
+            <a:schemeClr val="tx1"/>
+          </a:fontRef>
+        </p:style>
+        <p:txBody>
+          <a:bodyPr rtlCol="0" anchor="ctr"/>
+          <a:lstStyle/>
+          <a:p>
+            <a:pPr algn="ctr"/>
+            <a:endParaRPr lang="en-US"/>
+          </a:p>
+        </p:txBody>
+      </p:sp>
+      <p:sp>
+        <p:nvSpPr>
+          <p:cNvPr id="3" name="TextBox 2">
+            <a:extLst>
+              <a:ext uri="{FF2B5EF4-FFF2-40B4-BE49-F238E27FC236}">
+                <a16:creationId xmlns:a16="http://schemas.microsoft.com/office/drawing/2014/main" id="{32DAA9E4-7585-8159-1AE0-C269A4333A5E}"/>
+              </a:ext>
+            </a:extLst>
+          </p:cNvPr>
+          <p:cNvSpPr txBox="1"/>
+          <p:nvPr/>
+        </p:nvSpPr>
+        <p:spPr>
+          <a:xfrm>
+            <a:off x="6132035" y="2847348"/>
+            <a:ext cx="2261373" cy="923330"/>
+          </a:xfrm>
+          <a:prstGeom prst="rect">
+            <a:avLst/>
+          </a:prstGeom>
+          <a:noFill/>
+        </p:spPr>
+        <p:txBody>
+          <a:bodyPr wrap="square" rtlCol="0">
+            <a:spAutoFit/>
+          </a:bodyPr>
+          <a:lstStyle/>
+          <a:p>
+            <a:pPr algn="ctr"/>
+            <a:r>
+              <a:rPr lang="en-US" b="1" dirty="0"/>
+              <a:t>API responds with request JSON-formatted data</a:t>
+            </a:r>
+          </a:p>
+        </p:txBody>
+      </p:sp>
+      <p:pic>
+        <p:nvPicPr>
+          <p:cNvPr id="5" name="Picture 4" descr="Qr code&#10;&#10;Description automatically generated">
+            <a:extLst>
+              <a:ext uri="{FF2B5EF4-FFF2-40B4-BE49-F238E27FC236}">
+                <a16:creationId xmlns:a16="http://schemas.microsoft.com/office/drawing/2014/main" id="{C04133BD-C7DA-4A5B-86FC-4CD20E82A00C}"/>
+              </a:ext>
+            </a:extLst>
+          </p:cNvPr>
+          <p:cNvPicPr>
+            <a:picLocks noChangeAspect="1"/>
+          </p:cNvPicPr>
+          <p:nvPr/>
+        </p:nvPicPr>
+        <p:blipFill>
+          <a:blip r:embed="rId2">
+            <a:lum bright="70000" contrast="-70000"/>
+            <a:extLst>
+              <a:ext uri="{28A0092B-C50C-407E-A947-70E740481C1C}">
+                <a14:useLocalDpi xmlns:a14="http://schemas.microsoft.com/office/drawing/2010/main" val="0"/>
+              </a:ext>
+            </a:extLst>
+          </a:blip>
+          <a:stretch>
+            <a:fillRect/>
+          </a:stretch>
+        </p:blipFill>
+        <p:spPr>
+          <a:xfrm>
+            <a:off x="867820" y="2324796"/>
+            <a:ext cx="1189579" cy="2691972"/>
+          </a:xfrm>
+          <a:prstGeom prst="rect">
+            <a:avLst/>
+          </a:prstGeom>
+        </p:spPr>
+      </p:pic>
+      <p:pic>
+        <p:nvPicPr>
+          <p:cNvPr id="7" name="Graphic 6" descr="Cloud">
+            <a:extLst>
+              <a:ext uri="{FF2B5EF4-FFF2-40B4-BE49-F238E27FC236}">
+                <a16:creationId xmlns:a16="http://schemas.microsoft.com/office/drawing/2014/main" id="{3A87124C-1FD9-4AE0-A262-F1564B6C0154}"/>
+              </a:ext>
+            </a:extLst>
+          </p:cNvPr>
+          <p:cNvPicPr>
+            <a:picLocks noChangeAspect="1"/>
+          </p:cNvPicPr>
+          <p:nvPr/>
+        </p:nvPicPr>
+        <p:blipFill>
+          <a:blip r:embed="rId3">
+            <a:lum bright="70000" contrast="-70000"/>
+            <a:extLst>
+              <a:ext uri="{28A0092B-C50C-407E-A947-70E740481C1C}">
+                <a14:useLocalDpi xmlns:a14="http://schemas.microsoft.com/office/drawing/2010/main" val="0"/>
+              </a:ext>
+              <a:ext uri="{96DAC541-7B7A-43D3-8B79-37D633B846F1}">
+                <asvg:svgBlip xmlns:asvg="http://schemas.microsoft.com/office/drawing/2016/SVG/main" r:embed="rId4"/>
+              </a:ext>
+            </a:extLst>
+          </a:blip>
+          <a:stretch>
+            <a:fillRect/>
+          </a:stretch>
+        </p:blipFill>
+        <p:spPr>
+          <a:xfrm>
+            <a:off x="4181462" y="-138063"/>
+            <a:ext cx="2868079" cy="2868079"/>
+          </a:xfrm>
+          <a:prstGeom prst="rect">
+            <a:avLst/>
+          </a:prstGeom>
+        </p:spPr>
+      </p:pic>
+      <p:grpSp>
+        <p:nvGrpSpPr>
+          <p:cNvPr id="15" name="Group 14">
+            <a:extLst>
+              <a:ext uri="{FF2B5EF4-FFF2-40B4-BE49-F238E27FC236}">
+                <a16:creationId xmlns:a16="http://schemas.microsoft.com/office/drawing/2014/main" id="{40C5B209-4AA9-4DED-8227-297A42EC8449}"/>
+              </a:ext>
+            </a:extLst>
+          </p:cNvPr>
+          <p:cNvGrpSpPr/>
+          <p:nvPr/>
+        </p:nvGrpSpPr>
+        <p:grpSpPr>
+          <a:xfrm>
+            <a:off x="8810605" y="2058065"/>
+            <a:ext cx="2915728" cy="2551953"/>
+            <a:chOff x="6109739" y="2155513"/>
+            <a:chExt cx="2915728" cy="2551953"/>
+          </a:xfrm>
+        </p:grpSpPr>
+        <p:sp>
+          <p:nvSpPr>
+            <p:cNvPr id="14" name="Rectangle: Rounded Corners 13">
+              <a:extLst>
+                <a:ext uri="{FF2B5EF4-FFF2-40B4-BE49-F238E27FC236}">
+                  <a16:creationId xmlns:a16="http://schemas.microsoft.com/office/drawing/2014/main" id="{2EEE5A17-A7AE-42DB-AC77-31B86878D050}"/>
+                </a:ext>
+              </a:extLst>
+            </p:cNvPr>
+            <p:cNvSpPr/>
+            <p:nvPr/>
+          </p:nvSpPr>
+          <p:spPr>
+            <a:xfrm>
+              <a:off x="6109739" y="2215165"/>
+              <a:ext cx="2915728" cy="2492301"/>
+            </a:xfrm>
+            <a:prstGeom prst="roundRect">
+              <a:avLst/>
+            </a:prstGeom>
+            <a:solidFill>
+              <a:schemeClr val="accent2">
+                <a:lumMod val="40000"/>
+                <a:lumOff val="60000"/>
+                <a:alpha val="50000"/>
+              </a:schemeClr>
+            </a:solidFill>
+            <a:ln>
+              <a:solidFill>
+                <a:schemeClr val="tx1"/>
+              </a:solidFill>
+            </a:ln>
+          </p:spPr>
+          <p:style>
+            <a:lnRef idx="0">
+              <a:scrgbClr r="0" g="0" b="0"/>
+            </a:lnRef>
+            <a:fillRef idx="0">
+              <a:scrgbClr r="0" g="0" b="0"/>
+            </a:fillRef>
+            <a:effectRef idx="0">
+              <a:scrgbClr r="0" g="0" b="0"/>
+            </a:effectRef>
+            <a:fontRef idx="minor">
+              <a:schemeClr val="lt1"/>
+            </a:fontRef>
+          </p:style>
+          <p:txBody>
+            <a:bodyPr rtlCol="0" anchor="ctr"/>
+            <a:lstStyle/>
+            <a:p>
+              <a:pPr algn="ctr"/>
+              <a:endParaRPr lang="en-US" dirty="0"/>
+            </a:p>
+          </p:txBody>
+        </p:sp>
+        <p:pic>
+          <p:nvPicPr>
+            <p:cNvPr id="9" name="Graphic 8" descr="Snowflake">
+              <a:extLst>
+                <a:ext uri="{FF2B5EF4-FFF2-40B4-BE49-F238E27FC236}">
+                  <a16:creationId xmlns:a16="http://schemas.microsoft.com/office/drawing/2014/main" id="{FC727A84-CBF2-49F0-9E8E-1B2922386E78}"/>
+                </a:ext>
+              </a:extLst>
+            </p:cNvPr>
+            <p:cNvPicPr>
+              <a:picLocks noChangeAspect="1"/>
+            </p:cNvPicPr>
+            <p:nvPr/>
+          </p:nvPicPr>
+          <p:blipFill>
+            <a:blip r:embed="rId5">
+              <a:lum bright="70000" contrast="-70000"/>
+              <a:extLst>
+                <a:ext uri="{28A0092B-C50C-407E-A947-70E740481C1C}">
+                  <a14:useLocalDpi xmlns:a14="http://schemas.microsoft.com/office/drawing/2010/main" val="0"/>
+                </a:ext>
+                <a:ext uri="{96DAC541-7B7A-43D3-8B79-37D633B846F1}">
+                  <asvg:svgBlip xmlns:asvg="http://schemas.microsoft.com/office/drawing/2016/SVG/main" r:embed="rId6"/>
+                </a:ext>
+              </a:extLst>
+            </a:blip>
+            <a:stretch>
+              <a:fillRect/>
+            </a:stretch>
+          </p:blipFill>
+          <p:spPr>
+            <a:xfrm>
+              <a:off x="6267446" y="2155513"/>
+              <a:ext cx="1384727" cy="1384727"/>
+            </a:xfrm>
+            <a:prstGeom prst="rect">
+              <a:avLst/>
+            </a:prstGeom>
+          </p:spPr>
+        </p:pic>
+        <p:pic>
+          <p:nvPicPr>
+            <p:cNvPr id="11" name="Graphic 10" descr="Sun">
+              <a:extLst>
+                <a:ext uri="{FF2B5EF4-FFF2-40B4-BE49-F238E27FC236}">
+                  <a16:creationId xmlns:a16="http://schemas.microsoft.com/office/drawing/2014/main" id="{B8B76924-6095-48AC-ADE0-2531BF0FB1B7}"/>
+                </a:ext>
+              </a:extLst>
+            </p:cNvPr>
+            <p:cNvPicPr>
+              <a:picLocks noChangeAspect="1"/>
+            </p:cNvPicPr>
+            <p:nvPr/>
+          </p:nvPicPr>
+          <p:blipFill>
+            <a:blip r:embed="rId7">
+              <a:lum bright="70000" contrast="-70000"/>
+              <a:extLst>
+                <a:ext uri="{28A0092B-C50C-407E-A947-70E740481C1C}">
+                  <a14:useLocalDpi xmlns:a14="http://schemas.microsoft.com/office/drawing/2010/main" val="0"/>
+                </a:ext>
+                <a:ext uri="{96DAC541-7B7A-43D3-8B79-37D633B846F1}">
+                  <asvg:svgBlip xmlns:asvg="http://schemas.microsoft.com/office/drawing/2016/SVG/main" r:embed="rId8"/>
+                </a:ext>
+              </a:extLst>
+            </a:blip>
+            <a:stretch>
+              <a:fillRect/>
+            </a:stretch>
+          </p:blipFill>
+          <p:spPr>
+            <a:xfrm>
+              <a:off x="6736918" y="3234662"/>
+              <a:ext cx="1384727" cy="1384727"/>
+            </a:xfrm>
+            <a:prstGeom prst="rect">
+              <a:avLst/>
+            </a:prstGeom>
+          </p:spPr>
+        </p:pic>
+        <p:pic>
+          <p:nvPicPr>
+            <p:cNvPr id="13" name="Graphic 12" descr="Thermometer">
+              <a:extLst>
+                <a:ext uri="{FF2B5EF4-FFF2-40B4-BE49-F238E27FC236}">
+                  <a16:creationId xmlns:a16="http://schemas.microsoft.com/office/drawing/2014/main" id="{1D866872-9456-46EB-A190-D86AE4E3D0E3}"/>
+                </a:ext>
+              </a:extLst>
+            </p:cNvPr>
+            <p:cNvPicPr>
+              <a:picLocks noChangeAspect="1"/>
+            </p:cNvPicPr>
+            <p:nvPr/>
+          </p:nvPicPr>
+          <p:blipFill>
+            <a:blip r:embed="rId9">
+              <a:lum bright="70000" contrast="-70000"/>
+              <a:extLst>
+                <a:ext uri="{28A0092B-C50C-407E-A947-70E740481C1C}">
+                  <a14:useLocalDpi xmlns:a14="http://schemas.microsoft.com/office/drawing/2010/main" val="0"/>
+                </a:ext>
+                <a:ext uri="{96DAC541-7B7A-43D3-8B79-37D633B846F1}">
+                  <asvg:svgBlip xmlns:asvg="http://schemas.microsoft.com/office/drawing/2016/SVG/main" r:embed="rId10"/>
+                </a:ext>
+              </a:extLst>
+            </a:blip>
+            <a:stretch>
+              <a:fillRect/>
+            </a:stretch>
+          </p:blipFill>
+          <p:spPr>
+            <a:xfrm>
+              <a:off x="7571312" y="2378732"/>
+              <a:ext cx="1384727" cy="1384727"/>
+            </a:xfrm>
+            <a:prstGeom prst="rect">
+              <a:avLst/>
+            </a:prstGeom>
+          </p:spPr>
+        </p:pic>
+      </p:grpSp>
+      <p:sp>
+        <p:nvSpPr>
+          <p:cNvPr id="16" name="TextBox 15">
+            <a:extLst>
+              <a:ext uri="{FF2B5EF4-FFF2-40B4-BE49-F238E27FC236}">
+                <a16:creationId xmlns:a16="http://schemas.microsoft.com/office/drawing/2014/main" id="{7F3F1ED2-9593-4327-A919-6F94842E9FF0}"/>
+              </a:ext>
+            </a:extLst>
+          </p:cNvPr>
+          <p:cNvSpPr txBox="1"/>
+          <p:nvPr/>
+        </p:nvSpPr>
+        <p:spPr>
+          <a:xfrm>
+            <a:off x="883592" y="5690975"/>
+            <a:ext cx="1158034" cy="461665"/>
+          </a:xfrm>
+          <a:prstGeom prst="rect">
+            <a:avLst/>
+          </a:prstGeom>
+          <a:ln>
+            <a:solidFill>
+              <a:schemeClr val="bg1">
+                <a:lumMod val="75000"/>
+              </a:schemeClr>
+            </a:solidFill>
+          </a:ln>
+        </p:spPr>
+        <p:style>
+          <a:lnRef idx="2">
+            <a:schemeClr val="dk1"/>
+          </a:lnRef>
+          <a:fillRef idx="1">
+            <a:schemeClr val="lt1"/>
+          </a:fillRef>
+          <a:effectRef idx="0">
+            <a:schemeClr val="dk1"/>
+          </a:effectRef>
+          <a:fontRef idx="minor">
+            <a:schemeClr val="dk1"/>
+          </a:fontRef>
+        </p:style>
+        <p:txBody>
+          <a:bodyPr wrap="square" rtlCol="0">
+            <a:spAutoFit/>
+          </a:bodyPr>
+          <a:lstStyle/>
+          <a:p>
+            <a:pPr algn="ctr"/>
+            <a:r>
+              <a:rPr lang="en-US" sz="2400" b="1" dirty="0">
+                <a:solidFill>
+                  <a:schemeClr val="bg1">
+                    <a:lumMod val="85000"/>
+                  </a:schemeClr>
+                </a:solidFill>
+              </a:rPr>
+              <a:t>Argon</a:t>
+            </a:r>
+          </a:p>
+        </p:txBody>
+      </p:sp>
+      <p:sp>
+        <p:nvSpPr>
+          <p:cNvPr id="17" name="TextBox 16">
+            <a:extLst>
+              <a:ext uri="{FF2B5EF4-FFF2-40B4-BE49-F238E27FC236}">
+                <a16:creationId xmlns:a16="http://schemas.microsoft.com/office/drawing/2014/main" id="{C3CD7E23-4859-4854-85A9-32CCFD2CBFB4}"/>
+              </a:ext>
+            </a:extLst>
+          </p:cNvPr>
+          <p:cNvSpPr txBox="1"/>
+          <p:nvPr/>
+        </p:nvSpPr>
+        <p:spPr>
+          <a:xfrm>
+            <a:off x="4489117" y="5690975"/>
+            <a:ext cx="2252770" cy="461665"/>
+          </a:xfrm>
+          <a:prstGeom prst="rect">
+            <a:avLst/>
+          </a:prstGeom>
+          <a:ln>
+            <a:solidFill>
+              <a:schemeClr val="bg1">
+                <a:lumMod val="75000"/>
+              </a:schemeClr>
+            </a:solidFill>
+          </a:ln>
+        </p:spPr>
+        <p:style>
+          <a:lnRef idx="2">
+            <a:schemeClr val="dk1"/>
+          </a:lnRef>
+          <a:fillRef idx="1">
+            <a:schemeClr val="lt1"/>
+          </a:fillRef>
+          <a:effectRef idx="0">
+            <a:schemeClr val="dk1"/>
+          </a:effectRef>
+          <a:fontRef idx="minor">
+            <a:schemeClr val="dk1"/>
+          </a:fontRef>
+        </p:style>
+        <p:txBody>
+          <a:bodyPr wrap="square" rtlCol="0">
+            <a:spAutoFit/>
+          </a:bodyPr>
+          <a:lstStyle/>
+          <a:p>
+            <a:pPr algn="ctr"/>
+            <a:r>
+              <a:rPr lang="en-US" sz="2400" b="1" dirty="0">
+                <a:solidFill>
+                  <a:schemeClr val="bg1">
+                    <a:lumMod val="85000"/>
+                  </a:schemeClr>
+                </a:solidFill>
+              </a:rPr>
+              <a:t>Particle Cloud</a:t>
+            </a:r>
+          </a:p>
+        </p:txBody>
+      </p:sp>
+      <p:sp>
+        <p:nvSpPr>
+          <p:cNvPr id="18" name="TextBox 17">
+            <a:extLst>
+              <a:ext uri="{FF2B5EF4-FFF2-40B4-BE49-F238E27FC236}">
+                <a16:creationId xmlns:a16="http://schemas.microsoft.com/office/drawing/2014/main" id="{78DF10E0-2FF4-4ACD-B086-F78C18167F2A}"/>
+              </a:ext>
+            </a:extLst>
+          </p:cNvPr>
+          <p:cNvSpPr txBox="1"/>
+          <p:nvPr/>
+        </p:nvSpPr>
+        <p:spPr>
+          <a:xfrm>
+            <a:off x="9142085" y="5690975"/>
+            <a:ext cx="2252770" cy="461665"/>
+          </a:xfrm>
+          <a:prstGeom prst="rect">
+            <a:avLst/>
+          </a:prstGeom>
+          <a:ln>
+            <a:solidFill>
+              <a:schemeClr val="bg1">
+                <a:lumMod val="75000"/>
+              </a:schemeClr>
+            </a:solidFill>
+          </a:ln>
+        </p:spPr>
+        <p:style>
+          <a:lnRef idx="2">
+            <a:schemeClr val="dk1"/>
+          </a:lnRef>
+          <a:fillRef idx="1">
+            <a:schemeClr val="lt1"/>
+          </a:fillRef>
+          <a:effectRef idx="0">
+            <a:schemeClr val="dk1"/>
+          </a:effectRef>
+          <a:fontRef idx="minor">
+            <a:schemeClr val="dk1"/>
+          </a:fontRef>
+        </p:style>
+        <p:txBody>
+          <a:bodyPr wrap="square" rtlCol="0">
+            <a:spAutoFit/>
+          </a:bodyPr>
+          <a:lstStyle/>
+          <a:p>
+            <a:pPr algn="ctr"/>
+            <a:r>
+              <a:rPr lang="en-US" sz="2400" b="1" dirty="0">
+                <a:solidFill>
+                  <a:schemeClr val="bg1">
+                    <a:lumMod val="85000"/>
+                  </a:schemeClr>
+                </a:solidFill>
+              </a:rPr>
+              <a:t>Weather API</a:t>
+            </a:r>
+          </a:p>
+        </p:txBody>
+      </p:sp>
+      <p:sp>
+        <p:nvSpPr>
+          <p:cNvPr id="4" name="Arc 3">
+            <a:extLst>
+              <a:ext uri="{FF2B5EF4-FFF2-40B4-BE49-F238E27FC236}">
+                <a16:creationId xmlns:a16="http://schemas.microsoft.com/office/drawing/2014/main" id="{BD1EE0FC-033B-42EB-BD4E-A75E1076F0C6}"/>
+              </a:ext>
+            </a:extLst>
+          </p:cNvPr>
+          <p:cNvSpPr/>
+          <p:nvPr/>
+        </p:nvSpPr>
+        <p:spPr>
+          <a:xfrm>
+            <a:off x="1602481" y="1277055"/>
+            <a:ext cx="4595119" cy="1646003"/>
+          </a:xfrm>
+          <a:prstGeom prst="arc">
+            <a:avLst>
+              <a:gd name="adj1" fmla="val 11292682"/>
+              <a:gd name="adj2" fmla="val 16981830"/>
+            </a:avLst>
+          </a:prstGeom>
+          <a:ln w="57150">
+            <a:solidFill>
+              <a:schemeClr val="bg1">
+                <a:lumMod val="85000"/>
+              </a:schemeClr>
+            </a:solidFill>
+            <a:tailEnd type="triangle" w="lg" len="med"/>
+          </a:ln>
+        </p:spPr>
+        <p:style>
+          <a:lnRef idx="1">
+            <a:schemeClr val="accent1"/>
+          </a:lnRef>
+          <a:fillRef idx="0">
+            <a:schemeClr val="accent1"/>
+          </a:fillRef>
+          <a:effectRef idx="0">
+            <a:schemeClr val="accent1"/>
+          </a:effectRef>
+          <a:fontRef idx="minor">
+            <a:schemeClr val="tx1"/>
+          </a:fontRef>
+        </p:style>
+        <p:txBody>
+          <a:bodyPr rot="0" spcFirstLastPara="0" vertOverflow="overflow" horzOverflow="overflow" vert="horz" wrap="square" lIns="91440" tIns="45720" rIns="91440" bIns="45720" numCol="1" spcCol="0" rtlCol="0" fromWordArt="0" anchor="ctr" anchorCtr="0" forceAA="0" compatLnSpc="1">
+            <a:prstTxWarp prst="textNoShape">
+              <a:avLst/>
+            </a:prstTxWarp>
+            <a:noAutofit/>
+          </a:bodyPr>
+          <a:lstStyle/>
+          <a:p>
+            <a:pPr algn="ctr"/>
+            <a:endParaRPr lang="en-US">
+              <a:solidFill>
+                <a:schemeClr val="bg2">
+                  <a:lumMod val="75000"/>
+                </a:schemeClr>
+              </a:solidFill>
+            </a:endParaRPr>
+          </a:p>
+        </p:txBody>
+      </p:sp>
+      <p:sp>
+        <p:nvSpPr>
+          <p:cNvPr id="19" name="TextBox 18">
+            <a:extLst>
+              <a:ext uri="{FF2B5EF4-FFF2-40B4-BE49-F238E27FC236}">
+                <a16:creationId xmlns:a16="http://schemas.microsoft.com/office/drawing/2014/main" id="{2D4149D2-611E-4090-B69A-E92276D44F48}"/>
+              </a:ext>
+            </a:extLst>
+          </p:cNvPr>
+          <p:cNvSpPr txBox="1"/>
+          <p:nvPr/>
+        </p:nvSpPr>
+        <p:spPr>
+          <a:xfrm>
+            <a:off x="1872254" y="243695"/>
+            <a:ext cx="2027786" cy="923330"/>
+          </a:xfrm>
+          <a:prstGeom prst="rect">
+            <a:avLst/>
+          </a:prstGeom>
+          <a:noFill/>
+        </p:spPr>
+        <p:txBody>
+          <a:bodyPr wrap="square" rtlCol="0">
+            <a:spAutoFit/>
+          </a:bodyPr>
+          <a:lstStyle>
+            <a:defPPr>
+              <a:defRPr lang="en-US"/>
+            </a:defPPr>
+            <a:lvl1pPr algn="ctr">
+              <a:defRPr b="1">
+                <a:solidFill>
+                  <a:schemeClr val="bg1">
+                    <a:lumMod val="85000"/>
+                  </a:schemeClr>
+                </a:solidFill>
+              </a:defRPr>
+            </a:lvl1pPr>
+          </a:lstStyle>
+          <a:p>
+            <a:r>
+              <a:rPr lang="en-US" dirty="0"/>
+              <a:t>Send request via </a:t>
+            </a:r>
+            <a:r>
+              <a:rPr lang="en-US" dirty="0" err="1"/>
+              <a:t>Particle.publish</a:t>
+            </a:r>
+            <a:r>
+              <a:rPr lang="en-US" dirty="0"/>
+              <a:t>() to webhook</a:t>
+            </a:r>
+          </a:p>
+        </p:txBody>
+      </p:sp>
+      <p:sp>
+        <p:nvSpPr>
+          <p:cNvPr id="20" name="TextBox 19">
+            <a:extLst>
+              <a:ext uri="{FF2B5EF4-FFF2-40B4-BE49-F238E27FC236}">
+                <a16:creationId xmlns:a16="http://schemas.microsoft.com/office/drawing/2014/main" id="{181926D2-6827-4E7F-87F9-59F421A23196}"/>
+              </a:ext>
+            </a:extLst>
+          </p:cNvPr>
+          <p:cNvSpPr txBox="1"/>
+          <p:nvPr/>
+        </p:nvSpPr>
+        <p:spPr>
+          <a:xfrm>
+            <a:off x="7761587" y="520694"/>
+            <a:ext cx="2261373" cy="923330"/>
+          </a:xfrm>
+          <a:prstGeom prst="rect">
+            <a:avLst/>
+          </a:prstGeom>
+          <a:noFill/>
+        </p:spPr>
+        <p:txBody>
+          <a:bodyPr wrap="square" rtlCol="0">
+            <a:spAutoFit/>
+          </a:bodyPr>
+          <a:lstStyle>
+            <a:defPPr>
+              <a:defRPr lang="en-US"/>
+            </a:defPPr>
+            <a:lvl1pPr algn="ctr">
+              <a:defRPr b="1">
+                <a:solidFill>
+                  <a:schemeClr val="bg1">
+                    <a:lumMod val="85000"/>
+                  </a:schemeClr>
+                </a:solidFill>
+              </a:defRPr>
+            </a:lvl1pPr>
+          </a:lstStyle>
+          <a:p>
+            <a:r>
+              <a:rPr lang="en-US" dirty="0"/>
+              <a:t>Particle webhook connects to API endpoint</a:t>
+            </a:r>
+          </a:p>
+        </p:txBody>
+      </p:sp>
+      <p:sp>
+        <p:nvSpPr>
+          <p:cNvPr id="22" name="Arc 21">
+            <a:extLst>
+              <a:ext uri="{FF2B5EF4-FFF2-40B4-BE49-F238E27FC236}">
+                <a16:creationId xmlns:a16="http://schemas.microsoft.com/office/drawing/2014/main" id="{53158D47-55D2-4762-A3BA-61D655491B12}"/>
+              </a:ext>
+            </a:extLst>
+          </p:cNvPr>
+          <p:cNvSpPr/>
+          <p:nvPr/>
+        </p:nvSpPr>
+        <p:spPr>
+          <a:xfrm>
+            <a:off x="4751981" y="1277055"/>
+            <a:ext cx="4595119" cy="1646003"/>
+          </a:xfrm>
+          <a:prstGeom prst="arc">
+            <a:avLst>
+              <a:gd name="adj1" fmla="val 15081720"/>
+              <a:gd name="adj2" fmla="val 21236164"/>
+            </a:avLst>
+          </a:prstGeom>
+          <a:ln w="57150">
+            <a:solidFill>
+              <a:schemeClr val="bg1">
+                <a:lumMod val="85000"/>
+              </a:schemeClr>
+            </a:solidFill>
+            <a:tailEnd type="triangle" w="lg" len="med"/>
+          </a:ln>
+        </p:spPr>
+        <p:style>
+          <a:lnRef idx="1">
+            <a:schemeClr val="accent1"/>
+          </a:lnRef>
+          <a:fillRef idx="0">
+            <a:schemeClr val="accent1"/>
+          </a:fillRef>
+          <a:effectRef idx="0">
+            <a:schemeClr val="accent1"/>
+          </a:effectRef>
+          <a:fontRef idx="minor">
+            <a:schemeClr val="tx1"/>
+          </a:fontRef>
+        </p:style>
+        <p:txBody>
+          <a:bodyPr rot="0" spcFirstLastPara="0" vertOverflow="overflow" horzOverflow="overflow" vert="horz" wrap="square" lIns="91440" tIns="45720" rIns="91440" bIns="45720" numCol="1" spcCol="0" rtlCol="0" fromWordArt="0" anchor="ctr" anchorCtr="0" forceAA="0" compatLnSpc="1">
+            <a:prstTxWarp prst="textNoShape">
+              <a:avLst/>
+            </a:prstTxWarp>
+            <a:noAutofit/>
+          </a:bodyPr>
+          <a:lstStyle/>
+          <a:p>
+            <a:pPr algn="ctr"/>
+            <a:endParaRPr lang="en-US">
+              <a:solidFill>
+                <a:schemeClr val="bg2">
+                  <a:lumMod val="75000"/>
+                </a:schemeClr>
+              </a:solidFill>
+            </a:endParaRPr>
+          </a:p>
+        </p:txBody>
+      </p:sp>
+      <p:sp>
+        <p:nvSpPr>
+          <p:cNvPr id="25" name="Arc 24">
+            <a:extLst>
+              <a:ext uri="{FF2B5EF4-FFF2-40B4-BE49-F238E27FC236}">
+                <a16:creationId xmlns:a16="http://schemas.microsoft.com/office/drawing/2014/main" id="{B02ACC8B-4F90-4DA9-BA13-551E4DFE3C35}"/>
+              </a:ext>
+            </a:extLst>
+          </p:cNvPr>
+          <p:cNvSpPr/>
+          <p:nvPr/>
+        </p:nvSpPr>
+        <p:spPr>
+          <a:xfrm>
+            <a:off x="447681" y="1343880"/>
+            <a:ext cx="4595119" cy="1646003"/>
+          </a:xfrm>
+          <a:prstGeom prst="arc">
+            <a:avLst>
+              <a:gd name="adj1" fmla="val 93392"/>
+              <a:gd name="adj2" fmla="val 7647074"/>
+            </a:avLst>
+          </a:prstGeom>
+          <a:ln w="57150">
+            <a:solidFill>
+              <a:srgbClr val="FF0000"/>
+            </a:solidFill>
+            <a:tailEnd type="triangle" w="lg" len="med"/>
+          </a:ln>
+        </p:spPr>
+        <p:style>
+          <a:lnRef idx="1">
+            <a:schemeClr val="accent1"/>
+          </a:lnRef>
+          <a:fillRef idx="0">
+            <a:schemeClr val="accent1"/>
+          </a:fillRef>
+          <a:effectRef idx="0">
+            <a:schemeClr val="accent1"/>
+          </a:effectRef>
+          <a:fontRef idx="minor">
+            <a:schemeClr val="tx1"/>
+          </a:fontRef>
+        </p:style>
+        <p:txBody>
+          <a:bodyPr rtlCol="0" anchor="ctr"/>
+          <a:lstStyle/>
+          <a:p>
+            <a:pPr algn="ctr"/>
+            <a:endParaRPr lang="en-US"/>
+          </a:p>
+        </p:txBody>
+      </p:sp>
+      <p:sp>
+        <p:nvSpPr>
+          <p:cNvPr id="27" name="TextBox 26">
+            <a:extLst>
+              <a:ext uri="{FF2B5EF4-FFF2-40B4-BE49-F238E27FC236}">
+                <a16:creationId xmlns:a16="http://schemas.microsoft.com/office/drawing/2014/main" id="{E567FEA7-6394-4FC3-ABC5-0DE1D3832F99}"/>
+              </a:ext>
+            </a:extLst>
+          </p:cNvPr>
+          <p:cNvSpPr txBox="1"/>
+          <p:nvPr/>
+        </p:nvSpPr>
+        <p:spPr>
+          <a:xfrm>
+            <a:off x="2441190" y="3079995"/>
+            <a:ext cx="2261373" cy="923330"/>
+          </a:xfrm>
+          <a:prstGeom prst="rect">
+            <a:avLst/>
+          </a:prstGeom>
+          <a:noFill/>
+        </p:spPr>
+        <p:txBody>
+          <a:bodyPr wrap="square" rtlCol="0">
+            <a:spAutoFit/>
+          </a:bodyPr>
+          <a:lstStyle/>
+          <a:p>
+            <a:pPr algn="ctr"/>
+            <a:r>
+              <a:rPr lang="en-US" b="1" dirty="0"/>
+              <a:t>Argon receives JSON data via </a:t>
+            </a:r>
+            <a:r>
+              <a:rPr lang="en-US" b="1" dirty="0" err="1"/>
+              <a:t>Particle.subscribe</a:t>
+            </a:r>
+            <a:r>
+              <a:rPr lang="en-US" b="1" dirty="0"/>
+              <a:t>()</a:t>
+            </a:r>
+          </a:p>
+        </p:txBody>
+      </p:sp>
+      <p:sp>
+        <p:nvSpPr>
+          <p:cNvPr id="6" name="Oval 5">
+            <a:extLst>
+              <a:ext uri="{FF2B5EF4-FFF2-40B4-BE49-F238E27FC236}">
+                <a16:creationId xmlns:a16="http://schemas.microsoft.com/office/drawing/2014/main" id="{D91E4784-DE9F-9C8E-D186-1036F03036DB}"/>
+              </a:ext>
+            </a:extLst>
+          </p:cNvPr>
+          <p:cNvSpPr/>
+          <p:nvPr/>
+        </p:nvSpPr>
+        <p:spPr>
+          <a:xfrm>
+            <a:off x="1084668" y="1021467"/>
+            <a:ext cx="9504851" cy="3758638"/>
+          </a:xfrm>
+          <a:prstGeom prst="ellipse">
+            <a:avLst/>
+          </a:prstGeom>
+          <a:solidFill>
+            <a:srgbClr val="FFFF00">
+              <a:alpha val="10196"/>
+            </a:srgbClr>
+          </a:solidFill>
+          <a:ln w="76200">
+            <a:solidFill>
+              <a:srgbClr val="FFFF00"/>
+            </a:solidFill>
+          </a:ln>
+        </p:spPr>
+        <p:style>
+          <a:lnRef idx="2">
+            <a:schemeClr val="accent1">
+              <a:shade val="15000"/>
+            </a:schemeClr>
+          </a:lnRef>
+          <a:fillRef idx="1">
+            <a:schemeClr val="accent1"/>
+          </a:fillRef>
+          <a:effectRef idx="0">
+            <a:schemeClr val="accent1"/>
+          </a:effectRef>
+          <a:fontRef idx="minor">
+            <a:schemeClr val="lt1"/>
+          </a:fontRef>
+        </p:style>
+        <p:txBody>
+          <a:bodyPr rtlCol="0" anchor="ctr"/>
+          <a:lstStyle/>
+          <a:p>
+            <a:pPr algn="ctr"/>
+            <a:endParaRPr lang="en-US"/>
+          </a:p>
+        </p:txBody>
+      </p:sp>
+      <p:sp>
+        <p:nvSpPr>
+          <p:cNvPr id="8" name="TextBox 7">
+            <a:extLst>
+              <a:ext uri="{FF2B5EF4-FFF2-40B4-BE49-F238E27FC236}">
+                <a16:creationId xmlns:a16="http://schemas.microsoft.com/office/drawing/2014/main" id="{47EA6F69-29F8-5E54-5036-F8244A720338}"/>
+              </a:ext>
+            </a:extLst>
+          </p:cNvPr>
+          <p:cNvSpPr txBox="1"/>
+          <p:nvPr/>
+        </p:nvSpPr>
+        <p:spPr>
+          <a:xfrm>
+            <a:off x="3875699" y="412471"/>
+            <a:ext cx="3652896" cy="461665"/>
+          </a:xfrm>
+          <a:prstGeom prst="rect">
+            <a:avLst/>
+          </a:prstGeom>
+          <a:solidFill>
+            <a:srgbClr val="FFFF00"/>
+          </a:solidFill>
+          <a:ln>
+            <a:noFill/>
+          </a:ln>
+        </p:spPr>
+        <p:style>
+          <a:lnRef idx="2">
+            <a:schemeClr val="dk1"/>
+          </a:lnRef>
+          <a:fillRef idx="1">
+            <a:schemeClr val="lt1"/>
+          </a:fillRef>
+          <a:effectRef idx="0">
+            <a:schemeClr val="dk1"/>
+          </a:effectRef>
+          <a:fontRef idx="minor">
+            <a:schemeClr val="dk1"/>
+          </a:fontRef>
+        </p:style>
+        <p:txBody>
+          <a:bodyPr wrap="square" rtlCol="0">
+            <a:spAutoFit/>
+          </a:bodyPr>
+          <a:lstStyle/>
+          <a:p>
+            <a:pPr algn="ctr"/>
+            <a:r>
+              <a:rPr lang="en-US" sz="2400" b="1" dirty="0"/>
+              <a:t>Let's focus in on the JSON</a:t>
+            </a:r>
+          </a:p>
+        </p:txBody>
+      </p:sp>
+    </p:spTree>
+    <p:extLst>
+      <p:ext uri="{BB962C8B-B14F-4D97-AF65-F5344CB8AC3E}">
+        <p14:creationId xmlns:p14="http://schemas.microsoft.com/office/powerpoint/2010/main" val="4158077721"/>
+      </p:ext>
+    </p:extLst>
+  </p:cSld>
+  <p:clrMapOvr>
+    <a:masterClrMapping/>
+  </p:clrMapOvr>
+</p:sld>
+</file>
+
+<file path=ppt/slides/slide7.xml><?xml version="1.0" encoding="utf-8"?>
+<p:sld xmlns:a="http://schemas.openxmlformats.org/drawingml/2006/main" xmlns:r="http://schemas.openxmlformats.org/officeDocument/2006/relationships" xmlns:p="http://schemas.openxmlformats.org/presentationml/2006/main">
+  <p:cSld>
+    <p:spTree>
+      <p:nvGrpSpPr>
+        <p:cNvPr id="1" name=""/>
+        <p:cNvGrpSpPr/>
+        <p:nvPr/>
+      </p:nvGrpSpPr>
+      <p:grpSpPr>
+        <a:xfrm>
+          <a:off x="0" y="0"/>
+          <a:ext cx="0" cy="0"/>
+          <a:chOff x="0" y="0"/>
+          <a:chExt cx="0" cy="0"/>
+        </a:xfrm>
+      </p:grpSpPr>
+      <p:pic>
+        <p:nvPicPr>
+          <p:cNvPr id="5" name="Picture 4" descr="Qr code&#10;&#10;Description automatically generated">
+            <a:extLst>
+              <a:ext uri="{FF2B5EF4-FFF2-40B4-BE49-F238E27FC236}">
+                <a16:creationId xmlns:a16="http://schemas.microsoft.com/office/drawing/2014/main" id="{C04133BD-C7DA-4A5B-86FC-4CD20E82A00C}"/>
+              </a:ext>
+            </a:extLst>
+          </p:cNvPr>
+          <p:cNvPicPr>
+            <a:picLocks noChangeAspect="1"/>
+          </p:cNvPicPr>
+          <p:nvPr/>
+        </p:nvPicPr>
+        <p:blipFill>
+          <a:blip r:embed="rId2">
+            <a:extLst>
+              <a:ext uri="{28A0092B-C50C-407E-A947-70E740481C1C}">
+                <a14:useLocalDpi xmlns:a14="http://schemas.microsoft.com/office/drawing/2010/main" val="0"/>
+              </a:ext>
+            </a:extLst>
+          </a:blip>
+          <a:stretch>
+            <a:fillRect/>
+          </a:stretch>
+        </p:blipFill>
+        <p:spPr>
+          <a:xfrm>
+            <a:off x="867820" y="2324796"/>
+            <a:ext cx="1189579" cy="2691972"/>
+          </a:xfrm>
+          <a:prstGeom prst="rect">
+            <a:avLst/>
+          </a:prstGeom>
+        </p:spPr>
+      </p:pic>
+      <p:pic>
+        <p:nvPicPr>
+          <p:cNvPr id="7" name="Graphic 6" descr="Cloud">
+            <a:extLst>
+              <a:ext uri="{FF2B5EF4-FFF2-40B4-BE49-F238E27FC236}">
+                <a16:creationId xmlns:a16="http://schemas.microsoft.com/office/drawing/2014/main" id="{3A87124C-1FD9-4AE0-A262-F1564B6C0154}"/>
+              </a:ext>
+            </a:extLst>
+          </p:cNvPr>
+          <p:cNvPicPr>
+            <a:picLocks noChangeAspect="1"/>
+          </p:cNvPicPr>
+          <p:nvPr/>
+        </p:nvPicPr>
+        <p:blipFill>
+          <a:blip r:embed="rId3">
+            <a:extLst>
+              <a:ext uri="{28A0092B-C50C-407E-A947-70E740481C1C}">
+                <a14:useLocalDpi xmlns:a14="http://schemas.microsoft.com/office/drawing/2010/main" val="0"/>
+              </a:ext>
+              <a:ext uri="{96DAC541-7B7A-43D3-8B79-37D633B846F1}">
+                <asvg:svgBlip xmlns:asvg="http://schemas.microsoft.com/office/drawing/2016/SVG/main" r:embed="rId4"/>
+              </a:ext>
+            </a:extLst>
+          </a:blip>
+          <a:stretch>
+            <a:fillRect/>
+          </a:stretch>
+        </p:blipFill>
+        <p:spPr>
+          <a:xfrm>
+            <a:off x="4181462" y="-138063"/>
+            <a:ext cx="2868079" cy="2868079"/>
+          </a:xfrm>
+          <a:prstGeom prst="rect">
+            <a:avLst/>
+          </a:prstGeom>
+        </p:spPr>
+      </p:pic>
+      <p:grpSp>
+        <p:nvGrpSpPr>
+          <p:cNvPr id="15" name="Group 14">
+            <a:extLst>
+              <a:ext uri="{FF2B5EF4-FFF2-40B4-BE49-F238E27FC236}">
+                <a16:creationId xmlns:a16="http://schemas.microsoft.com/office/drawing/2014/main" id="{40C5B209-4AA9-4DED-8227-297A42EC8449}"/>
+              </a:ext>
+            </a:extLst>
+          </p:cNvPr>
+          <p:cNvGrpSpPr/>
+          <p:nvPr/>
+        </p:nvGrpSpPr>
+        <p:grpSpPr>
+          <a:xfrm>
+            <a:off x="8810605" y="2058065"/>
+            <a:ext cx="2915728" cy="2551953"/>
+            <a:chOff x="6109739" y="2155513"/>
+            <a:chExt cx="2915728" cy="2551953"/>
+          </a:xfrm>
+        </p:grpSpPr>
+        <p:sp>
+          <p:nvSpPr>
+            <p:cNvPr id="14" name="Rectangle: Rounded Corners 13">
+              <a:extLst>
+                <a:ext uri="{FF2B5EF4-FFF2-40B4-BE49-F238E27FC236}">
+                  <a16:creationId xmlns:a16="http://schemas.microsoft.com/office/drawing/2014/main" id="{2EEE5A17-A7AE-42DB-AC77-31B86878D050}"/>
+                </a:ext>
+              </a:extLst>
+            </p:cNvPr>
+            <p:cNvSpPr/>
+            <p:nvPr/>
+          </p:nvSpPr>
+          <p:spPr>
+            <a:xfrm>
+              <a:off x="6109739" y="2215165"/>
+              <a:ext cx="2915728" cy="2492301"/>
+            </a:xfrm>
+            <a:prstGeom prst="roundRect">
+              <a:avLst/>
+            </a:prstGeom>
+            <a:solidFill>
+              <a:schemeClr val="accent2">
+                <a:lumMod val="40000"/>
+                <a:lumOff val="60000"/>
+                <a:alpha val="50000"/>
+              </a:schemeClr>
+            </a:solidFill>
+            <a:ln>
+              <a:solidFill>
+                <a:schemeClr val="tx1"/>
+              </a:solidFill>
+            </a:ln>
+          </p:spPr>
+          <p:style>
+            <a:lnRef idx="0">
+              <a:scrgbClr r="0" g="0" b="0"/>
+            </a:lnRef>
+            <a:fillRef idx="0">
+              <a:scrgbClr r="0" g="0" b="0"/>
+            </a:fillRef>
+            <a:effectRef idx="0">
+              <a:scrgbClr r="0" g="0" b="0"/>
+            </a:effectRef>
+            <a:fontRef idx="minor">
+              <a:schemeClr val="lt1"/>
+            </a:fontRef>
+          </p:style>
+          <p:txBody>
+            <a:bodyPr rtlCol="0" anchor="ctr"/>
+            <a:lstStyle/>
+            <a:p>
+              <a:pPr algn="ctr"/>
+              <a:endParaRPr lang="en-US" dirty="0"/>
+            </a:p>
+          </p:txBody>
+        </p:sp>
+        <p:pic>
+          <p:nvPicPr>
+            <p:cNvPr id="9" name="Graphic 8" descr="Snowflake">
+              <a:extLst>
+                <a:ext uri="{FF2B5EF4-FFF2-40B4-BE49-F238E27FC236}">
+                  <a16:creationId xmlns:a16="http://schemas.microsoft.com/office/drawing/2014/main" id="{FC727A84-CBF2-49F0-9E8E-1B2922386E78}"/>
+                </a:ext>
+              </a:extLst>
+            </p:cNvPr>
+            <p:cNvPicPr>
+              <a:picLocks noChangeAspect="1"/>
+            </p:cNvPicPr>
+            <p:nvPr/>
+          </p:nvPicPr>
+          <p:blipFill>
+            <a:blip r:embed="rId5">
+              <a:extLst>
+                <a:ext uri="{28A0092B-C50C-407E-A947-70E740481C1C}">
+                  <a14:useLocalDpi xmlns:a14="http://schemas.microsoft.com/office/drawing/2010/main" val="0"/>
+                </a:ext>
+                <a:ext uri="{96DAC541-7B7A-43D3-8B79-37D633B846F1}">
+                  <asvg:svgBlip xmlns:asvg="http://schemas.microsoft.com/office/drawing/2016/SVG/main" r:embed="rId6"/>
+                </a:ext>
+              </a:extLst>
+            </a:blip>
+            <a:stretch>
+              <a:fillRect/>
+            </a:stretch>
+          </p:blipFill>
+          <p:spPr>
+            <a:xfrm>
+              <a:off x="6267446" y="2155513"/>
+              <a:ext cx="1384727" cy="1384727"/>
+            </a:xfrm>
+            <a:prstGeom prst="rect">
+              <a:avLst/>
+            </a:prstGeom>
+          </p:spPr>
+        </p:pic>
+        <p:pic>
+          <p:nvPicPr>
+            <p:cNvPr id="11" name="Graphic 10" descr="Sun">
+              <a:extLst>
+                <a:ext uri="{FF2B5EF4-FFF2-40B4-BE49-F238E27FC236}">
+                  <a16:creationId xmlns:a16="http://schemas.microsoft.com/office/drawing/2014/main" id="{B8B76924-6095-48AC-ADE0-2531BF0FB1B7}"/>
+                </a:ext>
+              </a:extLst>
+            </p:cNvPr>
+            <p:cNvPicPr>
+              <a:picLocks noChangeAspect="1"/>
+            </p:cNvPicPr>
+            <p:nvPr/>
+          </p:nvPicPr>
+          <p:blipFill>
+            <a:blip r:embed="rId7">
+              <a:extLst>
+                <a:ext uri="{28A0092B-C50C-407E-A947-70E740481C1C}">
+                  <a14:useLocalDpi xmlns:a14="http://schemas.microsoft.com/office/drawing/2010/main" val="0"/>
+                </a:ext>
+                <a:ext uri="{96DAC541-7B7A-43D3-8B79-37D633B846F1}">
+                  <asvg:svgBlip xmlns:asvg="http://schemas.microsoft.com/office/drawing/2016/SVG/main" r:embed="rId8"/>
+                </a:ext>
+              </a:extLst>
+            </a:blip>
+            <a:stretch>
+              <a:fillRect/>
+            </a:stretch>
+          </p:blipFill>
+          <p:spPr>
+            <a:xfrm>
+              <a:off x="6736918" y="3234662"/>
+              <a:ext cx="1384727" cy="1384727"/>
+            </a:xfrm>
+            <a:prstGeom prst="rect">
+              <a:avLst/>
+            </a:prstGeom>
+          </p:spPr>
+        </p:pic>
+        <p:pic>
+          <p:nvPicPr>
+            <p:cNvPr id="13" name="Graphic 12" descr="Thermometer">
+              <a:extLst>
+                <a:ext uri="{FF2B5EF4-FFF2-40B4-BE49-F238E27FC236}">
+                  <a16:creationId xmlns:a16="http://schemas.microsoft.com/office/drawing/2014/main" id="{1D866872-9456-46EB-A190-D86AE4E3D0E3}"/>
+                </a:ext>
+              </a:extLst>
+            </p:cNvPr>
+            <p:cNvPicPr>
+              <a:picLocks noChangeAspect="1"/>
+            </p:cNvPicPr>
+            <p:nvPr/>
+          </p:nvPicPr>
+          <p:blipFill>
+            <a:blip r:embed="rId9">
+              <a:extLst>
+                <a:ext uri="{28A0092B-C50C-407E-A947-70E740481C1C}">
+                  <a14:useLocalDpi xmlns:a14="http://schemas.microsoft.com/office/drawing/2010/main" val="0"/>
+                </a:ext>
+                <a:ext uri="{96DAC541-7B7A-43D3-8B79-37D633B846F1}">
+                  <asvg:svgBlip xmlns:asvg="http://schemas.microsoft.com/office/drawing/2016/SVG/main" r:embed="rId10"/>
+                </a:ext>
+              </a:extLst>
+            </a:blip>
+            <a:stretch>
+              <a:fillRect/>
+            </a:stretch>
+          </p:blipFill>
+          <p:spPr>
+            <a:xfrm>
+              <a:off x="7571312" y="2378732"/>
+              <a:ext cx="1384727" cy="1384727"/>
+            </a:xfrm>
+            <a:prstGeom prst="rect">
+              <a:avLst/>
+            </a:prstGeom>
+          </p:spPr>
+        </p:pic>
+      </p:grpSp>
+      <p:sp>
+        <p:nvSpPr>
+          <p:cNvPr id="16" name="TextBox 15">
+            <a:extLst>
+              <a:ext uri="{FF2B5EF4-FFF2-40B4-BE49-F238E27FC236}">
+                <a16:creationId xmlns:a16="http://schemas.microsoft.com/office/drawing/2014/main" id="{7F3F1ED2-9593-4327-A919-6F94842E9FF0}"/>
+              </a:ext>
+            </a:extLst>
+          </p:cNvPr>
+          <p:cNvSpPr txBox="1"/>
+          <p:nvPr/>
+        </p:nvSpPr>
+        <p:spPr>
+          <a:xfrm>
+            <a:off x="883592" y="5690975"/>
+            <a:ext cx="1158034" cy="461665"/>
+          </a:xfrm>
+          <a:prstGeom prst="rect">
+            <a:avLst/>
+          </a:prstGeom>
+        </p:spPr>
+        <p:style>
+          <a:lnRef idx="2">
+            <a:schemeClr val="dk1"/>
+          </a:lnRef>
+          <a:fillRef idx="1">
+            <a:schemeClr val="lt1"/>
+          </a:fillRef>
+          <a:effectRef idx="0">
+            <a:schemeClr val="dk1"/>
+          </a:effectRef>
+          <a:fontRef idx="minor">
+            <a:schemeClr val="dk1"/>
+          </a:fontRef>
+        </p:style>
+        <p:txBody>
+          <a:bodyPr wrap="square" rtlCol="0">
+            <a:spAutoFit/>
+          </a:bodyPr>
+          <a:lstStyle/>
+          <a:p>
+            <a:pPr algn="ctr"/>
+            <a:r>
+              <a:rPr lang="en-US" sz="2400" b="1" dirty="0"/>
+              <a:t>Argon</a:t>
+            </a:r>
+          </a:p>
+        </p:txBody>
+      </p:sp>
+      <p:sp>
+        <p:nvSpPr>
+          <p:cNvPr id="17" name="TextBox 16">
+            <a:extLst>
+              <a:ext uri="{FF2B5EF4-FFF2-40B4-BE49-F238E27FC236}">
+                <a16:creationId xmlns:a16="http://schemas.microsoft.com/office/drawing/2014/main" id="{C3CD7E23-4859-4854-85A9-32CCFD2CBFB4}"/>
+              </a:ext>
+            </a:extLst>
+          </p:cNvPr>
+          <p:cNvSpPr txBox="1"/>
+          <p:nvPr/>
+        </p:nvSpPr>
+        <p:spPr>
+          <a:xfrm>
+            <a:off x="4489117" y="5690975"/>
+            <a:ext cx="2252770" cy="461665"/>
+          </a:xfrm>
+          <a:prstGeom prst="rect">
+            <a:avLst/>
+          </a:prstGeom>
+        </p:spPr>
+        <p:style>
+          <a:lnRef idx="2">
+            <a:schemeClr val="dk1"/>
+          </a:lnRef>
+          <a:fillRef idx="1">
+            <a:schemeClr val="lt1"/>
+          </a:fillRef>
+          <a:effectRef idx="0">
+            <a:schemeClr val="dk1"/>
+          </a:effectRef>
+          <a:fontRef idx="minor">
+            <a:schemeClr val="dk1"/>
+          </a:fontRef>
+        </p:style>
+        <p:txBody>
+          <a:bodyPr wrap="square" rtlCol="0">
+            <a:spAutoFit/>
+          </a:bodyPr>
+          <a:lstStyle/>
+          <a:p>
+            <a:pPr algn="ctr"/>
+            <a:r>
+              <a:rPr lang="en-US" sz="2400" b="1" dirty="0"/>
+              <a:t>Particle Cloud</a:t>
+            </a:r>
+          </a:p>
+        </p:txBody>
+      </p:sp>
+      <p:sp>
+        <p:nvSpPr>
+          <p:cNvPr id="18" name="TextBox 17">
+            <a:extLst>
+              <a:ext uri="{FF2B5EF4-FFF2-40B4-BE49-F238E27FC236}">
+                <a16:creationId xmlns:a16="http://schemas.microsoft.com/office/drawing/2014/main" id="{78DF10E0-2FF4-4ACD-B086-F78C18167F2A}"/>
+              </a:ext>
+            </a:extLst>
+          </p:cNvPr>
+          <p:cNvSpPr txBox="1"/>
+          <p:nvPr/>
+        </p:nvSpPr>
+        <p:spPr>
+          <a:xfrm>
+            <a:off x="9142085" y="5690975"/>
+            <a:ext cx="2252770" cy="461665"/>
+          </a:xfrm>
+          <a:prstGeom prst="rect">
+            <a:avLst/>
+          </a:prstGeom>
+        </p:spPr>
+        <p:style>
+          <a:lnRef idx="2">
+            <a:schemeClr val="dk1"/>
+          </a:lnRef>
+          <a:fillRef idx="1">
+            <a:schemeClr val="lt1"/>
+          </a:fillRef>
+          <a:effectRef idx="0">
+            <a:schemeClr val="dk1"/>
+          </a:effectRef>
+          <a:fontRef idx="minor">
+            <a:schemeClr val="dk1"/>
+          </a:fontRef>
+        </p:style>
+        <p:txBody>
+          <a:bodyPr wrap="square" rtlCol="0">
+            <a:spAutoFit/>
+          </a:bodyPr>
+          <a:lstStyle/>
+          <a:p>
+            <a:pPr algn="ctr"/>
+            <a:r>
+              <a:rPr lang="en-US" sz="2400" b="1" dirty="0"/>
+              <a:t>Weather API</a:t>
+            </a:r>
+          </a:p>
+        </p:txBody>
+      </p:sp>
+      <p:pic>
+        <p:nvPicPr>
+          <p:cNvPr id="23" name="Picture 22">
+            <a:extLst>
+              <a:ext uri="{FF2B5EF4-FFF2-40B4-BE49-F238E27FC236}">
+                <a16:creationId xmlns:a16="http://schemas.microsoft.com/office/drawing/2014/main" id="{38C53640-38BC-E79B-95A5-1DBCAEC17FF6}"/>
+              </a:ext>
+            </a:extLst>
+          </p:cNvPr>
+          <p:cNvPicPr>
+            <a:picLocks noChangeAspect="1"/>
+          </p:cNvPicPr>
+          <p:nvPr/>
+        </p:nvPicPr>
+        <p:blipFill>
+          <a:blip r:embed="rId11"/>
+          <a:stretch>
+            <a:fillRect/>
+          </a:stretch>
+        </p:blipFill>
+        <p:spPr>
+          <a:xfrm>
+            <a:off x="5614958" y="2324796"/>
+            <a:ext cx="3126219" cy="2339622"/>
+          </a:xfrm>
+          <a:prstGeom prst="rect">
+            <a:avLst/>
+          </a:prstGeom>
+          <a:ln>
+            <a:solidFill>
+              <a:schemeClr val="tx1"/>
+            </a:solidFill>
+          </a:ln>
+        </p:spPr>
+      </p:pic>
+      <p:sp>
+        <p:nvSpPr>
+          <p:cNvPr id="27" name="TextBox 26">
+            <a:extLst>
+              <a:ext uri="{FF2B5EF4-FFF2-40B4-BE49-F238E27FC236}">
+                <a16:creationId xmlns:a16="http://schemas.microsoft.com/office/drawing/2014/main" id="{E961D462-6816-1610-6058-DB481B52BA4A}"/>
+              </a:ext>
+            </a:extLst>
+          </p:cNvPr>
+          <p:cNvSpPr txBox="1"/>
+          <p:nvPr/>
+        </p:nvSpPr>
+        <p:spPr>
+          <a:xfrm>
+            <a:off x="6454376" y="1976082"/>
+            <a:ext cx="2277375" cy="307777"/>
+          </a:xfrm>
+          <a:prstGeom prst="rect">
+            <a:avLst/>
+          </a:prstGeom>
+          <a:solidFill>
+            <a:srgbClr val="FFFF00"/>
+          </a:solidFill>
+          <a:ln>
+            <a:noFill/>
+          </a:ln>
+        </p:spPr>
+        <p:style>
+          <a:lnRef idx="2">
+            <a:schemeClr val="dk1"/>
+          </a:lnRef>
+          <a:fillRef idx="1">
+            <a:schemeClr val="lt1"/>
+          </a:fillRef>
+          <a:effectRef idx="0">
+            <a:schemeClr val="dk1"/>
+          </a:effectRef>
+          <a:fontRef idx="minor">
+            <a:schemeClr val="dk1"/>
+          </a:fontRef>
+        </p:style>
+        <p:txBody>
+          <a:bodyPr wrap="square" rtlCol="0">
+            <a:spAutoFit/>
+          </a:bodyPr>
+          <a:lstStyle/>
+          <a:p>
+            <a:pPr algn="ctr"/>
+            <a:r>
+              <a:rPr lang="en-US" sz="1400" b="1" dirty="0"/>
+              <a:t>JSON from </a:t>
+            </a:r>
+            <a:r>
+              <a:rPr lang="en-US" sz="1400" b="1" dirty="0" err="1"/>
+              <a:t>Weatherstack</a:t>
+            </a:r>
+            <a:endParaRPr lang="en-US" sz="1400" b="1" dirty="0"/>
+          </a:p>
+        </p:txBody>
+      </p:sp>
+      <p:sp>
+        <p:nvSpPr>
+          <p:cNvPr id="24" name="Arc 23">
+            <a:extLst>
+              <a:ext uri="{FF2B5EF4-FFF2-40B4-BE49-F238E27FC236}">
+                <a16:creationId xmlns:a16="http://schemas.microsoft.com/office/drawing/2014/main" id="{B94720B2-15C5-4040-BBAB-CEF7AF33872D}"/>
+              </a:ext>
+            </a:extLst>
+          </p:cNvPr>
+          <p:cNvSpPr/>
+          <p:nvPr/>
+        </p:nvSpPr>
+        <p:spPr>
+          <a:xfrm>
+            <a:off x="6055847" y="1037667"/>
+            <a:ext cx="4595119" cy="1646003"/>
+          </a:xfrm>
+          <a:prstGeom prst="arc">
+            <a:avLst>
+              <a:gd name="adj1" fmla="val 4386021"/>
+              <a:gd name="adj2" fmla="val 10484368"/>
+            </a:avLst>
+          </a:prstGeom>
+          <a:ln w="57150">
+            <a:solidFill>
+              <a:srgbClr val="FF0000"/>
+            </a:solidFill>
+            <a:tailEnd type="triangle" w="lg" len="med"/>
+          </a:ln>
+        </p:spPr>
+        <p:style>
+          <a:lnRef idx="1">
+            <a:schemeClr val="accent1"/>
+          </a:lnRef>
+          <a:fillRef idx="0">
+            <a:schemeClr val="accent1"/>
+          </a:fillRef>
+          <a:effectRef idx="0">
+            <a:schemeClr val="accent1"/>
+          </a:effectRef>
+          <a:fontRef idx="minor">
+            <a:schemeClr val="tx1"/>
+          </a:fontRef>
+        </p:style>
+        <p:txBody>
+          <a:bodyPr rtlCol="0" anchor="ctr"/>
+          <a:lstStyle/>
+          <a:p>
+            <a:pPr algn="ctr"/>
+            <a:endParaRPr lang="en-US"/>
+          </a:p>
+        </p:txBody>
+      </p:sp>
+    </p:spTree>
+    <p:extLst>
+      <p:ext uri="{BB962C8B-B14F-4D97-AF65-F5344CB8AC3E}">
+        <p14:creationId xmlns:p14="http://schemas.microsoft.com/office/powerpoint/2010/main" val="978512930"/>
+      </p:ext>
+    </p:extLst>
+  </p:cSld>
+  <p:clrMapOvr>
+    <a:masterClrMapping/>
+  </p:clrMapOvr>
+</p:sld>
+</file>
+
+<file path=ppt/slides/slide8.xml><?xml version="1.0" encoding="utf-8"?>
+<p:sld xmlns:a="http://schemas.openxmlformats.org/drawingml/2006/main" xmlns:r="http://schemas.openxmlformats.org/officeDocument/2006/relationships" xmlns:p="http://schemas.openxmlformats.org/presentationml/2006/main">
+  <p:cSld>
+    <p:spTree>
+      <p:nvGrpSpPr>
+        <p:cNvPr id="1" name=""/>
+        <p:cNvGrpSpPr/>
+        <p:nvPr/>
+      </p:nvGrpSpPr>
+      <p:grpSpPr>
+        <a:xfrm>
+          <a:off x="0" y="0"/>
+          <a:ext cx="0" cy="0"/>
+          <a:chOff x="0" y="0"/>
+          <a:chExt cx="0" cy="0"/>
+        </a:xfrm>
+      </p:grpSpPr>
+      <p:pic>
+        <p:nvPicPr>
+          <p:cNvPr id="5" name="Picture 4" descr="Qr code&#10;&#10;Description automatically generated">
+            <a:extLst>
+              <a:ext uri="{FF2B5EF4-FFF2-40B4-BE49-F238E27FC236}">
+                <a16:creationId xmlns:a16="http://schemas.microsoft.com/office/drawing/2014/main" id="{C04133BD-C7DA-4A5B-86FC-4CD20E82A00C}"/>
+              </a:ext>
+            </a:extLst>
+          </p:cNvPr>
+          <p:cNvPicPr>
+            <a:picLocks noChangeAspect="1"/>
+          </p:cNvPicPr>
+          <p:nvPr/>
+        </p:nvPicPr>
+        <p:blipFill>
+          <a:blip r:embed="rId2">
+            <a:extLst>
+              <a:ext uri="{28A0092B-C50C-407E-A947-70E740481C1C}">
+                <a14:useLocalDpi xmlns:a14="http://schemas.microsoft.com/office/drawing/2010/main" val="0"/>
+              </a:ext>
+            </a:extLst>
+          </a:blip>
+          <a:stretch>
+            <a:fillRect/>
+          </a:stretch>
+        </p:blipFill>
+        <p:spPr>
+          <a:xfrm>
+            <a:off x="867820" y="2324796"/>
+            <a:ext cx="1189579" cy="2691972"/>
+          </a:xfrm>
+          <a:prstGeom prst="rect">
+            <a:avLst/>
+          </a:prstGeom>
+        </p:spPr>
+      </p:pic>
+      <p:pic>
+        <p:nvPicPr>
+          <p:cNvPr id="7" name="Graphic 6" descr="Cloud">
+            <a:extLst>
+              <a:ext uri="{FF2B5EF4-FFF2-40B4-BE49-F238E27FC236}">
+                <a16:creationId xmlns:a16="http://schemas.microsoft.com/office/drawing/2014/main" id="{3A87124C-1FD9-4AE0-A262-F1564B6C0154}"/>
+              </a:ext>
+            </a:extLst>
+          </p:cNvPr>
+          <p:cNvPicPr>
+            <a:picLocks noChangeAspect="1"/>
+          </p:cNvPicPr>
+          <p:nvPr/>
+        </p:nvPicPr>
+        <p:blipFill>
+          <a:blip r:embed="rId3">
+            <a:extLst>
+              <a:ext uri="{28A0092B-C50C-407E-A947-70E740481C1C}">
+                <a14:useLocalDpi xmlns:a14="http://schemas.microsoft.com/office/drawing/2010/main" val="0"/>
+              </a:ext>
+              <a:ext uri="{96DAC541-7B7A-43D3-8B79-37D633B846F1}">
+                <asvg:svgBlip xmlns:asvg="http://schemas.microsoft.com/office/drawing/2016/SVG/main" r:embed="rId4"/>
+              </a:ext>
+            </a:extLst>
+          </a:blip>
+          <a:stretch>
+            <a:fillRect/>
+          </a:stretch>
+        </p:blipFill>
+        <p:spPr>
+          <a:xfrm>
+            <a:off x="4181462" y="-138063"/>
+            <a:ext cx="2868079" cy="2868079"/>
+          </a:xfrm>
+          <a:prstGeom prst="rect">
+            <a:avLst/>
+          </a:prstGeom>
+        </p:spPr>
+      </p:pic>
+      <p:grpSp>
+        <p:nvGrpSpPr>
+          <p:cNvPr id="15" name="Group 14">
+            <a:extLst>
+              <a:ext uri="{FF2B5EF4-FFF2-40B4-BE49-F238E27FC236}">
+                <a16:creationId xmlns:a16="http://schemas.microsoft.com/office/drawing/2014/main" id="{40C5B209-4AA9-4DED-8227-297A42EC8449}"/>
+              </a:ext>
+            </a:extLst>
+          </p:cNvPr>
+          <p:cNvGrpSpPr/>
+          <p:nvPr/>
+        </p:nvGrpSpPr>
+        <p:grpSpPr>
+          <a:xfrm>
+            <a:off x="8810605" y="2058065"/>
+            <a:ext cx="2915728" cy="2551953"/>
+            <a:chOff x="6109739" y="2155513"/>
+            <a:chExt cx="2915728" cy="2551953"/>
+          </a:xfrm>
+        </p:grpSpPr>
+        <p:sp>
+          <p:nvSpPr>
+            <p:cNvPr id="14" name="Rectangle: Rounded Corners 13">
+              <a:extLst>
+                <a:ext uri="{FF2B5EF4-FFF2-40B4-BE49-F238E27FC236}">
+                  <a16:creationId xmlns:a16="http://schemas.microsoft.com/office/drawing/2014/main" id="{2EEE5A17-A7AE-42DB-AC77-31B86878D050}"/>
+                </a:ext>
+              </a:extLst>
+            </p:cNvPr>
+            <p:cNvSpPr/>
+            <p:nvPr/>
+          </p:nvSpPr>
+          <p:spPr>
+            <a:xfrm>
+              <a:off x="6109739" y="2215165"/>
+              <a:ext cx="2915728" cy="2492301"/>
+            </a:xfrm>
+            <a:prstGeom prst="roundRect">
+              <a:avLst/>
+            </a:prstGeom>
+            <a:solidFill>
+              <a:schemeClr val="accent2">
+                <a:lumMod val="40000"/>
+                <a:lumOff val="60000"/>
+                <a:alpha val="50000"/>
+              </a:schemeClr>
+            </a:solidFill>
+            <a:ln>
+              <a:solidFill>
+                <a:schemeClr val="tx1"/>
+              </a:solidFill>
+            </a:ln>
+          </p:spPr>
+          <p:style>
+            <a:lnRef idx="0">
+              <a:scrgbClr r="0" g="0" b="0"/>
+            </a:lnRef>
+            <a:fillRef idx="0">
+              <a:scrgbClr r="0" g="0" b="0"/>
+            </a:fillRef>
+            <a:effectRef idx="0">
+              <a:scrgbClr r="0" g="0" b="0"/>
+            </a:effectRef>
+            <a:fontRef idx="minor">
+              <a:schemeClr val="lt1"/>
+            </a:fontRef>
+          </p:style>
+          <p:txBody>
+            <a:bodyPr rtlCol="0" anchor="ctr"/>
+            <a:lstStyle/>
+            <a:p>
+              <a:pPr algn="ctr"/>
+              <a:endParaRPr lang="en-US" dirty="0"/>
+            </a:p>
+          </p:txBody>
+        </p:sp>
+        <p:pic>
+          <p:nvPicPr>
+            <p:cNvPr id="9" name="Graphic 8" descr="Snowflake">
+              <a:extLst>
+                <a:ext uri="{FF2B5EF4-FFF2-40B4-BE49-F238E27FC236}">
+                  <a16:creationId xmlns:a16="http://schemas.microsoft.com/office/drawing/2014/main" id="{FC727A84-CBF2-49F0-9E8E-1B2922386E78}"/>
+                </a:ext>
+              </a:extLst>
+            </p:cNvPr>
+            <p:cNvPicPr>
+              <a:picLocks noChangeAspect="1"/>
+            </p:cNvPicPr>
+            <p:nvPr/>
+          </p:nvPicPr>
+          <p:blipFill>
+            <a:blip r:embed="rId5">
+              <a:extLst>
+                <a:ext uri="{28A0092B-C50C-407E-A947-70E740481C1C}">
+                  <a14:useLocalDpi xmlns:a14="http://schemas.microsoft.com/office/drawing/2010/main" val="0"/>
+                </a:ext>
+                <a:ext uri="{96DAC541-7B7A-43D3-8B79-37D633B846F1}">
+                  <asvg:svgBlip xmlns:asvg="http://schemas.microsoft.com/office/drawing/2016/SVG/main" r:embed="rId6"/>
+                </a:ext>
+              </a:extLst>
+            </a:blip>
+            <a:stretch>
+              <a:fillRect/>
+            </a:stretch>
+          </p:blipFill>
+          <p:spPr>
+            <a:xfrm>
+              <a:off x="6267446" y="2155513"/>
+              <a:ext cx="1384727" cy="1384727"/>
+            </a:xfrm>
+            <a:prstGeom prst="rect">
+              <a:avLst/>
+            </a:prstGeom>
+          </p:spPr>
+        </p:pic>
+        <p:pic>
+          <p:nvPicPr>
+            <p:cNvPr id="11" name="Graphic 10" descr="Sun">
+              <a:extLst>
+                <a:ext uri="{FF2B5EF4-FFF2-40B4-BE49-F238E27FC236}">
+                  <a16:creationId xmlns:a16="http://schemas.microsoft.com/office/drawing/2014/main" id="{B8B76924-6095-48AC-ADE0-2531BF0FB1B7}"/>
+                </a:ext>
+              </a:extLst>
+            </p:cNvPr>
+            <p:cNvPicPr>
+              <a:picLocks noChangeAspect="1"/>
+            </p:cNvPicPr>
+            <p:nvPr/>
+          </p:nvPicPr>
+          <p:blipFill>
+            <a:blip r:embed="rId7">
+              <a:extLst>
+                <a:ext uri="{28A0092B-C50C-407E-A947-70E740481C1C}">
+                  <a14:useLocalDpi xmlns:a14="http://schemas.microsoft.com/office/drawing/2010/main" val="0"/>
+                </a:ext>
+                <a:ext uri="{96DAC541-7B7A-43D3-8B79-37D633B846F1}">
+                  <asvg:svgBlip xmlns:asvg="http://schemas.microsoft.com/office/drawing/2016/SVG/main" r:embed="rId8"/>
+                </a:ext>
+              </a:extLst>
+            </a:blip>
+            <a:stretch>
+              <a:fillRect/>
+            </a:stretch>
+          </p:blipFill>
+          <p:spPr>
+            <a:xfrm>
+              <a:off x="6736918" y="3234662"/>
+              <a:ext cx="1384727" cy="1384727"/>
+            </a:xfrm>
+            <a:prstGeom prst="rect">
+              <a:avLst/>
+            </a:prstGeom>
+          </p:spPr>
+        </p:pic>
+        <p:pic>
+          <p:nvPicPr>
+            <p:cNvPr id="13" name="Graphic 12" descr="Thermometer">
+              <a:extLst>
+                <a:ext uri="{FF2B5EF4-FFF2-40B4-BE49-F238E27FC236}">
+                  <a16:creationId xmlns:a16="http://schemas.microsoft.com/office/drawing/2014/main" id="{1D866872-9456-46EB-A190-D86AE4E3D0E3}"/>
+                </a:ext>
+              </a:extLst>
+            </p:cNvPr>
+            <p:cNvPicPr>
+              <a:picLocks noChangeAspect="1"/>
+            </p:cNvPicPr>
+            <p:nvPr/>
+          </p:nvPicPr>
+          <p:blipFill>
+            <a:blip r:embed="rId9">
+              <a:extLst>
+                <a:ext uri="{28A0092B-C50C-407E-A947-70E740481C1C}">
+                  <a14:useLocalDpi xmlns:a14="http://schemas.microsoft.com/office/drawing/2010/main" val="0"/>
+                </a:ext>
+                <a:ext uri="{96DAC541-7B7A-43D3-8B79-37D633B846F1}">
+                  <asvg:svgBlip xmlns:asvg="http://schemas.microsoft.com/office/drawing/2016/SVG/main" r:embed="rId10"/>
+                </a:ext>
+              </a:extLst>
+            </a:blip>
+            <a:stretch>
+              <a:fillRect/>
+            </a:stretch>
+          </p:blipFill>
+          <p:spPr>
+            <a:xfrm>
+              <a:off x="7571312" y="2378732"/>
+              <a:ext cx="1384727" cy="1384727"/>
+            </a:xfrm>
+            <a:prstGeom prst="rect">
+              <a:avLst/>
+            </a:prstGeom>
+          </p:spPr>
+        </p:pic>
+      </p:grpSp>
+      <p:sp>
+        <p:nvSpPr>
+          <p:cNvPr id="16" name="TextBox 15">
+            <a:extLst>
+              <a:ext uri="{FF2B5EF4-FFF2-40B4-BE49-F238E27FC236}">
+                <a16:creationId xmlns:a16="http://schemas.microsoft.com/office/drawing/2014/main" id="{7F3F1ED2-9593-4327-A919-6F94842E9FF0}"/>
+              </a:ext>
+            </a:extLst>
+          </p:cNvPr>
+          <p:cNvSpPr txBox="1"/>
+          <p:nvPr/>
+        </p:nvSpPr>
+        <p:spPr>
+          <a:xfrm>
+            <a:off x="883592" y="5690975"/>
+            <a:ext cx="1158034" cy="461665"/>
+          </a:xfrm>
+          <a:prstGeom prst="rect">
+            <a:avLst/>
+          </a:prstGeom>
+        </p:spPr>
+        <p:style>
+          <a:lnRef idx="2">
+            <a:schemeClr val="dk1"/>
+          </a:lnRef>
+          <a:fillRef idx="1">
+            <a:schemeClr val="lt1"/>
+          </a:fillRef>
+          <a:effectRef idx="0">
+            <a:schemeClr val="dk1"/>
+          </a:effectRef>
+          <a:fontRef idx="minor">
+            <a:schemeClr val="dk1"/>
+          </a:fontRef>
+        </p:style>
+        <p:txBody>
+          <a:bodyPr wrap="square" rtlCol="0">
+            <a:spAutoFit/>
+          </a:bodyPr>
+          <a:lstStyle/>
+          <a:p>
+            <a:pPr algn="ctr"/>
+            <a:r>
+              <a:rPr lang="en-US" sz="2400" b="1" dirty="0"/>
+              <a:t>Argon</a:t>
+            </a:r>
+          </a:p>
+        </p:txBody>
+      </p:sp>
+      <p:sp>
+        <p:nvSpPr>
+          <p:cNvPr id="17" name="TextBox 16">
+            <a:extLst>
+              <a:ext uri="{FF2B5EF4-FFF2-40B4-BE49-F238E27FC236}">
+                <a16:creationId xmlns:a16="http://schemas.microsoft.com/office/drawing/2014/main" id="{C3CD7E23-4859-4854-85A9-32CCFD2CBFB4}"/>
+              </a:ext>
+            </a:extLst>
+          </p:cNvPr>
+          <p:cNvSpPr txBox="1"/>
+          <p:nvPr/>
+        </p:nvSpPr>
+        <p:spPr>
+          <a:xfrm>
+            <a:off x="4489117" y="5690975"/>
+            <a:ext cx="2252770" cy="461665"/>
+          </a:xfrm>
+          <a:prstGeom prst="rect">
+            <a:avLst/>
+          </a:prstGeom>
+        </p:spPr>
+        <p:style>
+          <a:lnRef idx="2">
+            <a:schemeClr val="dk1"/>
+          </a:lnRef>
+          <a:fillRef idx="1">
+            <a:schemeClr val="lt1"/>
+          </a:fillRef>
+          <a:effectRef idx="0">
+            <a:schemeClr val="dk1"/>
+          </a:effectRef>
+          <a:fontRef idx="minor">
+            <a:schemeClr val="dk1"/>
+          </a:fontRef>
+        </p:style>
+        <p:txBody>
+          <a:bodyPr wrap="square" rtlCol="0">
+            <a:spAutoFit/>
+          </a:bodyPr>
+          <a:lstStyle/>
+          <a:p>
+            <a:pPr algn="ctr"/>
+            <a:r>
+              <a:rPr lang="en-US" sz="2400" b="1" dirty="0"/>
+              <a:t>Particle Cloud</a:t>
+            </a:r>
+          </a:p>
+        </p:txBody>
+      </p:sp>
+      <p:sp>
+        <p:nvSpPr>
+          <p:cNvPr id="18" name="TextBox 17">
+            <a:extLst>
+              <a:ext uri="{FF2B5EF4-FFF2-40B4-BE49-F238E27FC236}">
+                <a16:creationId xmlns:a16="http://schemas.microsoft.com/office/drawing/2014/main" id="{78DF10E0-2FF4-4ACD-B086-F78C18167F2A}"/>
+              </a:ext>
+            </a:extLst>
+          </p:cNvPr>
+          <p:cNvSpPr txBox="1"/>
+          <p:nvPr/>
+        </p:nvSpPr>
+        <p:spPr>
+          <a:xfrm>
+            <a:off x="9142085" y="5690975"/>
+            <a:ext cx="2252770" cy="461665"/>
+          </a:xfrm>
+          <a:prstGeom prst="rect">
+            <a:avLst/>
+          </a:prstGeom>
+        </p:spPr>
+        <p:style>
+          <a:lnRef idx="2">
+            <a:schemeClr val="dk1"/>
+          </a:lnRef>
+          <a:fillRef idx="1">
+            <a:schemeClr val="lt1"/>
+          </a:fillRef>
+          <a:effectRef idx="0">
+            <a:schemeClr val="dk1"/>
+          </a:effectRef>
+          <a:fontRef idx="minor">
+            <a:schemeClr val="dk1"/>
+          </a:fontRef>
+        </p:style>
+        <p:txBody>
+          <a:bodyPr wrap="square" rtlCol="0">
+            <a:spAutoFit/>
+          </a:bodyPr>
+          <a:lstStyle/>
+          <a:p>
+            <a:pPr algn="ctr"/>
+            <a:r>
+              <a:rPr lang="en-US" sz="2400" b="1" dirty="0"/>
+              <a:t>Weather API</a:t>
+            </a:r>
+          </a:p>
+        </p:txBody>
+      </p:sp>
+      <p:pic>
+        <p:nvPicPr>
+          <p:cNvPr id="10" name="Picture 9">
+            <a:extLst>
+              <a:ext uri="{FF2B5EF4-FFF2-40B4-BE49-F238E27FC236}">
+                <a16:creationId xmlns:a16="http://schemas.microsoft.com/office/drawing/2014/main" id="{4A8F89E5-579A-0B11-42E3-13C98A618436}"/>
+              </a:ext>
+            </a:extLst>
+          </p:cNvPr>
+          <p:cNvPicPr>
+            <a:picLocks noChangeAspect="1"/>
+          </p:cNvPicPr>
+          <p:nvPr/>
+        </p:nvPicPr>
+        <p:blipFill>
+          <a:blip r:embed="rId11"/>
+          <a:stretch>
+            <a:fillRect/>
+          </a:stretch>
+        </p:blipFill>
+        <p:spPr>
+          <a:xfrm>
+            <a:off x="5614958" y="2324796"/>
+            <a:ext cx="3126219" cy="2339622"/>
+          </a:xfrm>
+          <a:prstGeom prst="rect">
+            <a:avLst/>
+          </a:prstGeom>
+          <a:ln>
+            <a:solidFill>
+              <a:schemeClr val="tx1"/>
+            </a:solidFill>
+          </a:ln>
+        </p:spPr>
+      </p:pic>
+      <p:sp>
+        <p:nvSpPr>
+          <p:cNvPr id="24" name="Arc 23">
+            <a:extLst>
+              <a:ext uri="{FF2B5EF4-FFF2-40B4-BE49-F238E27FC236}">
+                <a16:creationId xmlns:a16="http://schemas.microsoft.com/office/drawing/2014/main" id="{B94720B2-15C5-4040-BBAB-CEF7AF33872D}"/>
+              </a:ext>
+            </a:extLst>
+          </p:cNvPr>
+          <p:cNvSpPr/>
+          <p:nvPr/>
+        </p:nvSpPr>
+        <p:spPr>
+          <a:xfrm>
+            <a:off x="6055847" y="1037667"/>
+            <a:ext cx="4595119" cy="1646003"/>
+          </a:xfrm>
+          <a:prstGeom prst="arc">
+            <a:avLst>
+              <a:gd name="adj1" fmla="val 4386021"/>
+              <a:gd name="adj2" fmla="val 10484368"/>
+            </a:avLst>
+          </a:prstGeom>
+          <a:ln w="57150">
+            <a:solidFill>
+              <a:srgbClr val="FF0000"/>
+            </a:solidFill>
+            <a:tailEnd type="triangle" w="lg" len="med"/>
+          </a:ln>
+        </p:spPr>
+        <p:style>
+          <a:lnRef idx="1">
+            <a:schemeClr val="accent1"/>
+          </a:lnRef>
+          <a:fillRef idx="0">
+            <a:schemeClr val="accent1"/>
+          </a:fillRef>
+          <a:effectRef idx="0">
+            <a:schemeClr val="accent1"/>
+          </a:effectRef>
+          <a:fontRef idx="minor">
+            <a:schemeClr val="tx1"/>
+          </a:fontRef>
+        </p:style>
+        <p:txBody>
+          <a:bodyPr rtlCol="0" anchor="ctr"/>
+          <a:lstStyle/>
+          <a:p>
+            <a:pPr algn="ctr"/>
+            <a:endParaRPr lang="en-US"/>
+          </a:p>
+        </p:txBody>
+      </p:sp>
+      <p:sp>
+        <p:nvSpPr>
+          <p:cNvPr id="2" name="TextBox 1">
+            <a:extLst>
+              <a:ext uri="{FF2B5EF4-FFF2-40B4-BE49-F238E27FC236}">
+                <a16:creationId xmlns:a16="http://schemas.microsoft.com/office/drawing/2014/main" id="{9ADB7FCA-21FA-3DAD-EC9E-76AC140DF670}"/>
+              </a:ext>
+            </a:extLst>
+          </p:cNvPr>
+          <p:cNvSpPr txBox="1"/>
+          <p:nvPr/>
+        </p:nvSpPr>
+        <p:spPr>
+          <a:xfrm>
+            <a:off x="3707126" y="2559444"/>
+            <a:ext cx="1879249" cy="584775"/>
+          </a:xfrm>
+          <a:prstGeom prst="rect">
+            <a:avLst/>
+          </a:prstGeom>
+          <a:solidFill>
+            <a:srgbClr val="FFFF00"/>
+          </a:solidFill>
+          <a:ln>
+            <a:noFill/>
+          </a:ln>
+        </p:spPr>
+        <p:style>
+          <a:lnRef idx="2">
+            <a:schemeClr val="dk1"/>
+          </a:lnRef>
+          <a:fillRef idx="1">
+            <a:schemeClr val="lt1"/>
+          </a:fillRef>
+          <a:effectRef idx="0">
+            <a:schemeClr val="dk1"/>
+          </a:effectRef>
+          <a:fontRef idx="minor">
+            <a:schemeClr val="dk1"/>
+          </a:fontRef>
+        </p:style>
+        <p:txBody>
+          <a:bodyPr wrap="square" rtlCol="0">
+            <a:spAutoFit/>
+          </a:bodyPr>
+          <a:lstStyle/>
+          <a:p>
+            <a:pPr algn="ctr"/>
+            <a:r>
+              <a:rPr lang="en-US" sz="1600" dirty="0"/>
+              <a:t>But we only want</a:t>
+            </a:r>
+            <a:br>
+              <a:rPr lang="en-US" sz="1600" dirty="0"/>
+            </a:br>
+            <a:r>
+              <a:rPr lang="en-US" sz="1600" dirty="0"/>
+              <a:t>some of the values…</a:t>
+            </a:r>
+          </a:p>
+        </p:txBody>
+      </p:sp>
+      <p:sp>
+        <p:nvSpPr>
+          <p:cNvPr id="4" name="Rectangle: Rounded Corners 3">
+            <a:extLst>
+              <a:ext uri="{FF2B5EF4-FFF2-40B4-BE49-F238E27FC236}">
+                <a16:creationId xmlns:a16="http://schemas.microsoft.com/office/drawing/2014/main" id="{716AC66A-CBCA-9965-42DB-8B177E4968F0}"/>
+              </a:ext>
+            </a:extLst>
+          </p:cNvPr>
+          <p:cNvSpPr/>
+          <p:nvPr/>
+        </p:nvSpPr>
+        <p:spPr>
+          <a:xfrm>
+            <a:off x="5824694" y="2588747"/>
+            <a:ext cx="2206426" cy="384900"/>
+          </a:xfrm>
+          <a:prstGeom prst="roundRect">
+            <a:avLst/>
+          </a:prstGeom>
+          <a:noFill/>
+          <a:ln w="57150">
+            <a:solidFill>
+              <a:srgbClr val="7030A0"/>
+            </a:solidFill>
+          </a:ln>
+        </p:spPr>
+        <p:style>
+          <a:lnRef idx="2">
+            <a:schemeClr val="accent1">
+              <a:shade val="15000"/>
+            </a:schemeClr>
+          </a:lnRef>
+          <a:fillRef idx="1">
+            <a:schemeClr val="accent1"/>
+          </a:fillRef>
+          <a:effectRef idx="0">
+            <a:schemeClr val="accent1"/>
+          </a:effectRef>
+          <a:fontRef idx="minor">
+            <a:schemeClr val="lt1"/>
+          </a:fontRef>
+        </p:style>
+        <p:txBody>
+          <a:bodyPr rtlCol="0" anchor="ctr"/>
+          <a:lstStyle/>
+          <a:p>
+            <a:pPr algn="ctr"/>
+            <a:endParaRPr lang="en-US"/>
+          </a:p>
+        </p:txBody>
+      </p:sp>
+      <p:sp>
+        <p:nvSpPr>
+          <p:cNvPr id="6" name="TextBox 5">
+            <a:extLst>
+              <a:ext uri="{FF2B5EF4-FFF2-40B4-BE49-F238E27FC236}">
+                <a16:creationId xmlns:a16="http://schemas.microsoft.com/office/drawing/2014/main" id="{1DFBFEDF-13AB-4098-42F8-4BA86CAE266A}"/>
+              </a:ext>
+            </a:extLst>
+          </p:cNvPr>
+          <p:cNvSpPr txBox="1"/>
+          <p:nvPr/>
+        </p:nvSpPr>
+        <p:spPr>
+          <a:xfrm>
+            <a:off x="6454376" y="1976082"/>
+            <a:ext cx="2277375" cy="307777"/>
+          </a:xfrm>
+          <a:prstGeom prst="rect">
+            <a:avLst/>
+          </a:prstGeom>
+          <a:solidFill>
+            <a:srgbClr val="FFFF00"/>
+          </a:solidFill>
+          <a:ln>
+            <a:noFill/>
+          </a:ln>
+        </p:spPr>
+        <p:style>
+          <a:lnRef idx="2">
+            <a:schemeClr val="dk1"/>
+          </a:lnRef>
+          <a:fillRef idx="1">
+            <a:schemeClr val="lt1"/>
+          </a:fillRef>
+          <a:effectRef idx="0">
+            <a:schemeClr val="dk1"/>
+          </a:effectRef>
+          <a:fontRef idx="minor">
+            <a:schemeClr val="dk1"/>
+          </a:fontRef>
+        </p:style>
+        <p:txBody>
+          <a:bodyPr wrap="square" rtlCol="0">
+            <a:spAutoFit/>
+          </a:bodyPr>
+          <a:lstStyle/>
+          <a:p>
+            <a:pPr algn="ctr"/>
+            <a:r>
+              <a:rPr lang="en-US" sz="1400" b="1" dirty="0"/>
+              <a:t>JSON from </a:t>
+            </a:r>
+            <a:r>
+              <a:rPr lang="en-US" sz="1400" b="1" dirty="0" err="1"/>
+              <a:t>Weatherstack</a:t>
+            </a:r>
+            <a:endParaRPr lang="en-US" sz="1400" b="1" dirty="0"/>
+          </a:p>
+        </p:txBody>
+      </p:sp>
+    </p:spTree>
+    <p:extLst>
+      <p:ext uri="{BB962C8B-B14F-4D97-AF65-F5344CB8AC3E}">
+        <p14:creationId xmlns:p14="http://schemas.microsoft.com/office/powerpoint/2010/main" val="889214243"/>
+      </p:ext>
+    </p:extLst>
+  </p:cSld>
+  <p:clrMapOvr>
+    <a:masterClrMapping/>
+  </p:clrMapOvr>
+</p:sld>
+</file>
+
+<file path=ppt/slides/slide9.xml><?xml version="1.0" encoding="utf-8"?>
+<p:sld xmlns:a="http://schemas.openxmlformats.org/drawingml/2006/main" xmlns:r="http://schemas.openxmlformats.org/officeDocument/2006/relationships" xmlns:p="http://schemas.openxmlformats.org/presentationml/2006/main">
+  <p:cSld>
+    <p:spTree>
+      <p:nvGrpSpPr>
+        <p:cNvPr id="1" name=""/>
+        <p:cNvGrpSpPr/>
+        <p:nvPr/>
+      </p:nvGrpSpPr>
+      <p:grpSpPr>
+        <a:xfrm>
+          <a:off x="0" y="0"/>
+          <a:ext cx="0" cy="0"/>
+          <a:chOff x="0" y="0"/>
+          <a:chExt cx="0" cy="0"/>
+        </a:xfrm>
+      </p:grpSpPr>
+      <p:pic>
+        <p:nvPicPr>
+          <p:cNvPr id="5" name="Picture 4" descr="Qr code&#10;&#10;Description automatically generated">
+            <a:extLst>
+              <a:ext uri="{FF2B5EF4-FFF2-40B4-BE49-F238E27FC236}">
+                <a16:creationId xmlns:a16="http://schemas.microsoft.com/office/drawing/2014/main" id="{C04133BD-C7DA-4A5B-86FC-4CD20E82A00C}"/>
+              </a:ext>
+            </a:extLst>
+          </p:cNvPr>
+          <p:cNvPicPr>
+            <a:picLocks noChangeAspect="1"/>
+          </p:cNvPicPr>
+          <p:nvPr/>
+        </p:nvPicPr>
+        <p:blipFill>
+          <a:blip r:embed="rId2">
+            <a:extLst>
+              <a:ext uri="{28A0092B-C50C-407E-A947-70E740481C1C}">
+                <a14:useLocalDpi xmlns:a14="http://schemas.microsoft.com/office/drawing/2010/main" val="0"/>
+              </a:ext>
+            </a:extLst>
+          </a:blip>
+          <a:stretch>
+            <a:fillRect/>
+          </a:stretch>
+        </p:blipFill>
+        <p:spPr>
+          <a:xfrm>
+            <a:off x="867820" y="2324796"/>
+            <a:ext cx="1189579" cy="2691972"/>
+          </a:xfrm>
+          <a:prstGeom prst="rect">
+            <a:avLst/>
+          </a:prstGeom>
+        </p:spPr>
+      </p:pic>
+      <p:pic>
+        <p:nvPicPr>
+          <p:cNvPr id="7" name="Graphic 6" descr="Cloud">
+            <a:extLst>
+              <a:ext uri="{FF2B5EF4-FFF2-40B4-BE49-F238E27FC236}">
+                <a16:creationId xmlns:a16="http://schemas.microsoft.com/office/drawing/2014/main" id="{3A87124C-1FD9-4AE0-A262-F1564B6C0154}"/>
+              </a:ext>
+            </a:extLst>
+          </p:cNvPr>
+          <p:cNvPicPr>
+            <a:picLocks noChangeAspect="1"/>
+          </p:cNvPicPr>
+          <p:nvPr/>
+        </p:nvPicPr>
+        <p:blipFill>
+          <a:blip r:embed="rId3">
+            <a:extLst>
+              <a:ext uri="{28A0092B-C50C-407E-A947-70E740481C1C}">
+                <a14:useLocalDpi xmlns:a14="http://schemas.microsoft.com/office/drawing/2010/main" val="0"/>
+              </a:ext>
+              <a:ext uri="{96DAC541-7B7A-43D3-8B79-37D633B846F1}">
+                <asvg:svgBlip xmlns:asvg="http://schemas.microsoft.com/office/drawing/2016/SVG/main" r:embed="rId4"/>
+              </a:ext>
+            </a:extLst>
+          </a:blip>
+          <a:stretch>
+            <a:fillRect/>
+          </a:stretch>
+        </p:blipFill>
+        <p:spPr>
+          <a:xfrm>
+            <a:off x="4181462" y="-138063"/>
+            <a:ext cx="2868079" cy="2868079"/>
+          </a:xfrm>
+          <a:prstGeom prst="rect">
+            <a:avLst/>
+          </a:prstGeom>
+        </p:spPr>
+      </p:pic>
+      <p:grpSp>
+        <p:nvGrpSpPr>
+          <p:cNvPr id="15" name="Group 14">
+            <a:extLst>
+              <a:ext uri="{FF2B5EF4-FFF2-40B4-BE49-F238E27FC236}">
+                <a16:creationId xmlns:a16="http://schemas.microsoft.com/office/drawing/2014/main" id="{40C5B209-4AA9-4DED-8227-297A42EC8449}"/>
+              </a:ext>
+            </a:extLst>
+          </p:cNvPr>
+          <p:cNvGrpSpPr/>
+          <p:nvPr/>
+        </p:nvGrpSpPr>
+        <p:grpSpPr>
+          <a:xfrm>
+            <a:off x="8810605" y="2058065"/>
+            <a:ext cx="2915728" cy="2551953"/>
+            <a:chOff x="6109739" y="2155513"/>
+            <a:chExt cx="2915728" cy="2551953"/>
+          </a:xfrm>
+        </p:grpSpPr>
+        <p:sp>
+          <p:nvSpPr>
+            <p:cNvPr id="14" name="Rectangle: Rounded Corners 13">
+              <a:extLst>
+                <a:ext uri="{FF2B5EF4-FFF2-40B4-BE49-F238E27FC236}">
+                  <a16:creationId xmlns:a16="http://schemas.microsoft.com/office/drawing/2014/main" id="{2EEE5A17-A7AE-42DB-AC77-31B86878D050}"/>
+                </a:ext>
+              </a:extLst>
+            </p:cNvPr>
+            <p:cNvSpPr/>
+            <p:nvPr/>
+          </p:nvSpPr>
+          <p:spPr>
+            <a:xfrm>
+              <a:off x="6109739" y="2215165"/>
+              <a:ext cx="2915728" cy="2492301"/>
+            </a:xfrm>
+            <a:prstGeom prst="roundRect">
+              <a:avLst/>
+            </a:prstGeom>
+            <a:solidFill>
+              <a:schemeClr val="accent2">
+                <a:lumMod val="40000"/>
+                <a:lumOff val="60000"/>
+                <a:alpha val="50000"/>
+              </a:schemeClr>
+            </a:solidFill>
+            <a:ln>
+              <a:solidFill>
+                <a:schemeClr val="tx1"/>
+              </a:solidFill>
+            </a:ln>
+          </p:spPr>
+          <p:style>
+            <a:lnRef idx="0">
+              <a:scrgbClr r="0" g="0" b="0"/>
+            </a:lnRef>
+            <a:fillRef idx="0">
+              <a:scrgbClr r="0" g="0" b="0"/>
+            </a:fillRef>
+            <a:effectRef idx="0">
+              <a:scrgbClr r="0" g="0" b="0"/>
+            </a:effectRef>
+            <a:fontRef idx="minor">
+              <a:schemeClr val="lt1"/>
+            </a:fontRef>
+          </p:style>
+          <p:txBody>
+            <a:bodyPr rtlCol="0" anchor="ctr"/>
+            <a:lstStyle/>
+            <a:p>
+              <a:pPr algn="ctr"/>
+              <a:endParaRPr lang="en-US" dirty="0"/>
+            </a:p>
+          </p:txBody>
+        </p:sp>
+        <p:pic>
+          <p:nvPicPr>
+            <p:cNvPr id="9" name="Graphic 8" descr="Snowflake">
+              <a:extLst>
+                <a:ext uri="{FF2B5EF4-FFF2-40B4-BE49-F238E27FC236}">
+                  <a16:creationId xmlns:a16="http://schemas.microsoft.com/office/drawing/2014/main" id="{FC727A84-CBF2-49F0-9E8E-1B2922386E78}"/>
+                </a:ext>
+              </a:extLst>
+            </p:cNvPr>
+            <p:cNvPicPr>
+              <a:picLocks noChangeAspect="1"/>
+            </p:cNvPicPr>
+            <p:nvPr/>
+          </p:nvPicPr>
+          <p:blipFill>
+            <a:blip r:embed="rId5">
+              <a:extLst>
+                <a:ext uri="{28A0092B-C50C-407E-A947-70E740481C1C}">
+                  <a14:useLocalDpi xmlns:a14="http://schemas.microsoft.com/office/drawing/2010/main" val="0"/>
+                </a:ext>
+                <a:ext uri="{96DAC541-7B7A-43D3-8B79-37D633B846F1}">
+                  <asvg:svgBlip xmlns:asvg="http://schemas.microsoft.com/office/drawing/2016/SVG/main" r:embed="rId6"/>
+                </a:ext>
+              </a:extLst>
+            </a:blip>
+            <a:stretch>
+              <a:fillRect/>
+            </a:stretch>
+          </p:blipFill>
+          <p:spPr>
+            <a:xfrm>
+              <a:off x="6267446" y="2155513"/>
+              <a:ext cx="1384727" cy="1384727"/>
+            </a:xfrm>
+            <a:prstGeom prst="rect">
+              <a:avLst/>
+            </a:prstGeom>
+          </p:spPr>
+        </p:pic>
+        <p:pic>
+          <p:nvPicPr>
+            <p:cNvPr id="11" name="Graphic 10" descr="Sun">
+              <a:extLst>
+                <a:ext uri="{FF2B5EF4-FFF2-40B4-BE49-F238E27FC236}">
+                  <a16:creationId xmlns:a16="http://schemas.microsoft.com/office/drawing/2014/main" id="{B8B76924-6095-48AC-ADE0-2531BF0FB1B7}"/>
+                </a:ext>
+              </a:extLst>
+            </p:cNvPr>
+            <p:cNvPicPr>
+              <a:picLocks noChangeAspect="1"/>
+            </p:cNvPicPr>
+            <p:nvPr/>
+          </p:nvPicPr>
+          <p:blipFill>
+            <a:blip r:embed="rId7">
+              <a:extLst>
+                <a:ext uri="{28A0092B-C50C-407E-A947-70E740481C1C}">
+                  <a14:useLocalDpi xmlns:a14="http://schemas.microsoft.com/office/drawing/2010/main" val="0"/>
+                </a:ext>
+                <a:ext uri="{96DAC541-7B7A-43D3-8B79-37D633B846F1}">
+                  <asvg:svgBlip xmlns:asvg="http://schemas.microsoft.com/office/drawing/2016/SVG/main" r:embed="rId8"/>
+                </a:ext>
+              </a:extLst>
+            </a:blip>
+            <a:stretch>
+              <a:fillRect/>
+            </a:stretch>
+          </p:blipFill>
+          <p:spPr>
+            <a:xfrm>
+              <a:off x="6736918" y="3234662"/>
+              <a:ext cx="1384727" cy="1384727"/>
+            </a:xfrm>
+            <a:prstGeom prst="rect">
+              <a:avLst/>
+            </a:prstGeom>
+          </p:spPr>
+        </p:pic>
+        <p:pic>
+          <p:nvPicPr>
+            <p:cNvPr id="13" name="Graphic 12" descr="Thermometer">
+              <a:extLst>
+                <a:ext uri="{FF2B5EF4-FFF2-40B4-BE49-F238E27FC236}">
+                  <a16:creationId xmlns:a16="http://schemas.microsoft.com/office/drawing/2014/main" id="{1D866872-9456-46EB-A190-D86AE4E3D0E3}"/>
+                </a:ext>
+              </a:extLst>
+            </p:cNvPr>
+            <p:cNvPicPr>
+              <a:picLocks noChangeAspect="1"/>
+            </p:cNvPicPr>
+            <p:nvPr/>
+          </p:nvPicPr>
+          <p:blipFill>
+            <a:blip r:embed="rId9">
+              <a:extLst>
+                <a:ext uri="{28A0092B-C50C-407E-A947-70E740481C1C}">
+                  <a14:useLocalDpi xmlns:a14="http://schemas.microsoft.com/office/drawing/2010/main" val="0"/>
+                </a:ext>
+                <a:ext uri="{96DAC541-7B7A-43D3-8B79-37D633B846F1}">
+                  <asvg:svgBlip xmlns:asvg="http://schemas.microsoft.com/office/drawing/2016/SVG/main" r:embed="rId10"/>
+                </a:ext>
+              </a:extLst>
+            </a:blip>
+            <a:stretch>
+              <a:fillRect/>
+            </a:stretch>
+          </p:blipFill>
+          <p:spPr>
+            <a:xfrm>
+              <a:off x="7571312" y="2378732"/>
+              <a:ext cx="1384727" cy="1384727"/>
+            </a:xfrm>
+            <a:prstGeom prst="rect">
+              <a:avLst/>
+            </a:prstGeom>
+          </p:spPr>
+        </p:pic>
+      </p:grpSp>
+      <p:sp>
+        <p:nvSpPr>
+          <p:cNvPr id="16" name="TextBox 15">
+            <a:extLst>
+              <a:ext uri="{FF2B5EF4-FFF2-40B4-BE49-F238E27FC236}">
+                <a16:creationId xmlns:a16="http://schemas.microsoft.com/office/drawing/2014/main" id="{7F3F1ED2-9593-4327-A919-6F94842E9FF0}"/>
+              </a:ext>
+            </a:extLst>
+          </p:cNvPr>
+          <p:cNvSpPr txBox="1"/>
+          <p:nvPr/>
+        </p:nvSpPr>
+        <p:spPr>
+          <a:xfrm>
+            <a:off x="883592" y="5690975"/>
+            <a:ext cx="1158034" cy="461665"/>
+          </a:xfrm>
+          <a:prstGeom prst="rect">
+            <a:avLst/>
+          </a:prstGeom>
+        </p:spPr>
+        <p:style>
+          <a:lnRef idx="2">
+            <a:schemeClr val="dk1"/>
+          </a:lnRef>
+          <a:fillRef idx="1">
+            <a:schemeClr val="lt1"/>
+          </a:fillRef>
+          <a:effectRef idx="0">
+            <a:schemeClr val="dk1"/>
+          </a:effectRef>
+          <a:fontRef idx="minor">
+            <a:schemeClr val="dk1"/>
+          </a:fontRef>
+        </p:style>
+        <p:txBody>
+          <a:bodyPr wrap="square" rtlCol="0">
+            <a:spAutoFit/>
+          </a:bodyPr>
+          <a:lstStyle/>
+          <a:p>
+            <a:pPr algn="ctr"/>
+            <a:r>
+              <a:rPr lang="en-US" sz="2400" b="1" dirty="0"/>
+              <a:t>Argon</a:t>
+            </a:r>
+          </a:p>
+        </p:txBody>
+      </p:sp>
+      <p:sp>
+        <p:nvSpPr>
+          <p:cNvPr id="17" name="TextBox 16">
+            <a:extLst>
+              <a:ext uri="{FF2B5EF4-FFF2-40B4-BE49-F238E27FC236}">
+                <a16:creationId xmlns:a16="http://schemas.microsoft.com/office/drawing/2014/main" id="{C3CD7E23-4859-4854-85A9-32CCFD2CBFB4}"/>
+              </a:ext>
+            </a:extLst>
+          </p:cNvPr>
+          <p:cNvSpPr txBox="1"/>
+          <p:nvPr/>
+        </p:nvSpPr>
+        <p:spPr>
+          <a:xfrm>
+            <a:off x="4489117" y="5690975"/>
+            <a:ext cx="2252770" cy="461665"/>
+          </a:xfrm>
+          <a:prstGeom prst="rect">
+            <a:avLst/>
+          </a:prstGeom>
+        </p:spPr>
+        <p:style>
+          <a:lnRef idx="2">
+            <a:schemeClr val="dk1"/>
+          </a:lnRef>
+          <a:fillRef idx="1">
+            <a:schemeClr val="lt1"/>
+          </a:fillRef>
+          <a:effectRef idx="0">
+            <a:schemeClr val="dk1"/>
+          </a:effectRef>
+          <a:fontRef idx="minor">
+            <a:schemeClr val="dk1"/>
+          </a:fontRef>
+        </p:style>
+        <p:txBody>
+          <a:bodyPr wrap="square" rtlCol="0">
+            <a:spAutoFit/>
+          </a:bodyPr>
+          <a:lstStyle/>
+          <a:p>
+            <a:pPr algn="ctr"/>
+            <a:r>
+              <a:rPr lang="en-US" sz="2400" b="1" dirty="0"/>
+              <a:t>Particle Cloud</a:t>
+            </a:r>
+          </a:p>
+        </p:txBody>
+      </p:sp>
+      <p:sp>
+        <p:nvSpPr>
+          <p:cNvPr id="18" name="TextBox 17">
+            <a:extLst>
+              <a:ext uri="{FF2B5EF4-FFF2-40B4-BE49-F238E27FC236}">
+                <a16:creationId xmlns:a16="http://schemas.microsoft.com/office/drawing/2014/main" id="{78DF10E0-2FF4-4ACD-B086-F78C18167F2A}"/>
+              </a:ext>
+            </a:extLst>
+          </p:cNvPr>
+          <p:cNvSpPr txBox="1"/>
+          <p:nvPr/>
+        </p:nvSpPr>
+        <p:spPr>
+          <a:xfrm>
+            <a:off x="9142085" y="5690975"/>
+            <a:ext cx="2252770" cy="461665"/>
+          </a:xfrm>
+          <a:prstGeom prst="rect">
+            <a:avLst/>
+          </a:prstGeom>
+        </p:spPr>
+        <p:style>
+          <a:lnRef idx="2">
+            <a:schemeClr val="dk1"/>
+          </a:lnRef>
+          <a:fillRef idx="1">
+            <a:schemeClr val="lt1"/>
+          </a:fillRef>
+          <a:effectRef idx="0">
+            <a:schemeClr val="dk1"/>
+          </a:effectRef>
+          <a:fontRef idx="minor">
+            <a:schemeClr val="dk1"/>
+          </a:fontRef>
+        </p:style>
+        <p:txBody>
+          <a:bodyPr wrap="square" rtlCol="0">
+            <a:spAutoFit/>
+          </a:bodyPr>
+          <a:lstStyle/>
+          <a:p>
+            <a:pPr algn="ctr"/>
+            <a:r>
+              <a:rPr lang="en-US" sz="2400" b="1" dirty="0"/>
+              <a:t>Weather API</a:t>
+            </a:r>
+          </a:p>
+        </p:txBody>
+      </p:sp>
+      <p:pic>
+        <p:nvPicPr>
+          <p:cNvPr id="6" name="Picture 5">
+            <a:extLst>
+              <a:ext uri="{FF2B5EF4-FFF2-40B4-BE49-F238E27FC236}">
+                <a16:creationId xmlns:a16="http://schemas.microsoft.com/office/drawing/2014/main" id="{11F63FB4-7BB7-5BCD-BD0A-4CA553AA8FF4}"/>
+              </a:ext>
+            </a:extLst>
+          </p:cNvPr>
+          <p:cNvPicPr>
+            <a:picLocks noChangeAspect="1"/>
+          </p:cNvPicPr>
+          <p:nvPr/>
+        </p:nvPicPr>
+        <p:blipFill>
+          <a:blip r:embed="rId11"/>
+          <a:stretch>
+            <a:fillRect/>
+          </a:stretch>
+        </p:blipFill>
+        <p:spPr>
+          <a:xfrm>
+            <a:off x="5614958" y="2324796"/>
+            <a:ext cx="3126219" cy="2339622"/>
+          </a:xfrm>
+          <a:prstGeom prst="rect">
+            <a:avLst/>
+          </a:prstGeom>
+          <a:ln>
+            <a:solidFill>
+              <a:schemeClr val="tx1"/>
+            </a:solidFill>
+          </a:ln>
+        </p:spPr>
+      </p:pic>
+      <p:sp>
+        <p:nvSpPr>
+          <p:cNvPr id="8" name="Rectangle: Rounded Corners 7">
+            <a:extLst>
+              <a:ext uri="{FF2B5EF4-FFF2-40B4-BE49-F238E27FC236}">
+                <a16:creationId xmlns:a16="http://schemas.microsoft.com/office/drawing/2014/main" id="{E3A9AEC4-F071-170A-E336-B8C83FA0EE31}"/>
+              </a:ext>
+            </a:extLst>
+          </p:cNvPr>
+          <p:cNvSpPr/>
+          <p:nvPr/>
+        </p:nvSpPr>
+        <p:spPr>
+          <a:xfrm>
+            <a:off x="5824694" y="2588747"/>
+            <a:ext cx="2206426" cy="384900"/>
+          </a:xfrm>
+          <a:prstGeom prst="roundRect">
+            <a:avLst/>
+          </a:prstGeom>
+          <a:noFill/>
+          <a:ln w="57150">
+            <a:solidFill>
+              <a:srgbClr val="7030A0"/>
+            </a:solidFill>
+          </a:ln>
+        </p:spPr>
+        <p:style>
+          <a:lnRef idx="2">
+            <a:schemeClr val="accent1">
+              <a:shade val="15000"/>
+            </a:schemeClr>
+          </a:lnRef>
+          <a:fillRef idx="1">
+            <a:schemeClr val="accent1"/>
+          </a:fillRef>
+          <a:effectRef idx="0">
+            <a:schemeClr val="accent1"/>
+          </a:effectRef>
+          <a:fontRef idx="minor">
+            <a:schemeClr val="lt1"/>
+          </a:fontRef>
+        </p:style>
+        <p:txBody>
+          <a:bodyPr rtlCol="0" anchor="ctr"/>
+          <a:lstStyle/>
+          <a:p>
+            <a:pPr algn="ctr"/>
+            <a:endParaRPr lang="en-US"/>
+          </a:p>
+        </p:txBody>
+      </p:sp>
+      <p:sp>
+        <p:nvSpPr>
+          <p:cNvPr id="19" name="TextBox 18">
+            <a:extLst>
+              <a:ext uri="{FF2B5EF4-FFF2-40B4-BE49-F238E27FC236}">
+                <a16:creationId xmlns:a16="http://schemas.microsoft.com/office/drawing/2014/main" id="{EFED0B18-36D5-04CE-05A5-A927FD9F98CA}"/>
+              </a:ext>
+            </a:extLst>
+          </p:cNvPr>
+          <p:cNvSpPr txBox="1"/>
+          <p:nvPr/>
+        </p:nvSpPr>
+        <p:spPr>
+          <a:xfrm>
+            <a:off x="6454376" y="1976082"/>
+            <a:ext cx="2277375" cy="307777"/>
+          </a:xfrm>
+          <a:prstGeom prst="rect">
+            <a:avLst/>
+          </a:prstGeom>
+          <a:solidFill>
+            <a:srgbClr val="FFFF00"/>
+          </a:solidFill>
+          <a:ln>
+            <a:noFill/>
+          </a:ln>
+        </p:spPr>
+        <p:style>
+          <a:lnRef idx="2">
+            <a:schemeClr val="dk1"/>
+          </a:lnRef>
+          <a:fillRef idx="1">
+            <a:schemeClr val="lt1"/>
+          </a:fillRef>
+          <a:effectRef idx="0">
+            <a:schemeClr val="dk1"/>
+          </a:effectRef>
+          <a:fontRef idx="minor">
+            <a:schemeClr val="dk1"/>
+          </a:fontRef>
+        </p:style>
+        <p:txBody>
+          <a:bodyPr wrap="square" rtlCol="0">
+            <a:spAutoFit/>
+          </a:bodyPr>
+          <a:lstStyle/>
+          <a:p>
+            <a:pPr algn="ctr"/>
+            <a:r>
+              <a:rPr lang="en-US" sz="1400" b="1" dirty="0"/>
+              <a:t>JSON from </a:t>
+            </a:r>
+            <a:r>
+              <a:rPr lang="en-US" sz="1400" b="1" dirty="0" err="1"/>
+              <a:t>Weatherstack</a:t>
+            </a:r>
+            <a:endParaRPr lang="en-US" sz="1400" b="1" dirty="0"/>
+          </a:p>
+        </p:txBody>
+      </p:sp>
+      <p:sp>
+        <p:nvSpPr>
+          <p:cNvPr id="24" name="Arc 23">
+            <a:extLst>
+              <a:ext uri="{FF2B5EF4-FFF2-40B4-BE49-F238E27FC236}">
+                <a16:creationId xmlns:a16="http://schemas.microsoft.com/office/drawing/2014/main" id="{B94720B2-15C5-4040-BBAB-CEF7AF33872D}"/>
+              </a:ext>
+            </a:extLst>
+          </p:cNvPr>
+          <p:cNvSpPr/>
+          <p:nvPr/>
+        </p:nvSpPr>
+        <p:spPr>
+          <a:xfrm>
+            <a:off x="6055847" y="1037667"/>
+            <a:ext cx="4595119" cy="1646003"/>
+          </a:xfrm>
+          <a:prstGeom prst="arc">
+            <a:avLst>
+              <a:gd name="adj1" fmla="val 4386021"/>
+              <a:gd name="adj2" fmla="val 10484368"/>
+            </a:avLst>
+          </a:prstGeom>
+          <a:ln w="57150">
+            <a:solidFill>
+              <a:srgbClr val="FF0000"/>
+            </a:solidFill>
+            <a:tailEnd type="triangle" w="lg" len="med"/>
+          </a:ln>
+        </p:spPr>
+        <p:style>
+          <a:lnRef idx="1">
+            <a:schemeClr val="accent1"/>
+          </a:lnRef>
+          <a:fillRef idx="0">
+            <a:schemeClr val="accent1"/>
+          </a:fillRef>
+          <a:effectRef idx="0">
+            <a:schemeClr val="accent1"/>
+          </a:effectRef>
+          <a:fontRef idx="minor">
+            <a:schemeClr val="tx1"/>
+          </a:fontRef>
+        </p:style>
+        <p:txBody>
+          <a:bodyPr rtlCol="0" anchor="ctr"/>
+          <a:lstStyle/>
+          <a:p>
+            <a:pPr algn="ctr"/>
+            <a:endParaRPr lang="en-US"/>
+          </a:p>
+        </p:txBody>
+      </p:sp>
+      <p:sp>
+        <p:nvSpPr>
+          <p:cNvPr id="21" name="TextBox 20">
+            <a:extLst>
+              <a:ext uri="{FF2B5EF4-FFF2-40B4-BE49-F238E27FC236}">
+                <a16:creationId xmlns:a16="http://schemas.microsoft.com/office/drawing/2014/main" id="{2531CD13-8903-A3FF-3B10-E97E781A0161}"/>
+              </a:ext>
+            </a:extLst>
+          </p:cNvPr>
+          <p:cNvSpPr txBox="1"/>
+          <p:nvPr/>
+        </p:nvSpPr>
+        <p:spPr>
+          <a:xfrm>
+            <a:off x="3707126" y="2559444"/>
+            <a:ext cx="1879249" cy="584775"/>
+          </a:xfrm>
+          <a:prstGeom prst="rect">
+            <a:avLst/>
+          </a:prstGeom>
+          <a:solidFill>
+            <a:srgbClr val="FFFF00"/>
+          </a:solidFill>
+          <a:ln>
+            <a:noFill/>
+          </a:ln>
+        </p:spPr>
+        <p:style>
+          <a:lnRef idx="2">
+            <a:schemeClr val="dk1"/>
+          </a:lnRef>
+          <a:fillRef idx="1">
+            <a:schemeClr val="lt1"/>
+          </a:fillRef>
+          <a:effectRef idx="0">
+            <a:schemeClr val="dk1"/>
+          </a:effectRef>
+          <a:fontRef idx="minor">
+            <a:schemeClr val="dk1"/>
+          </a:fontRef>
+        </p:style>
+        <p:txBody>
+          <a:bodyPr wrap="square" rtlCol="0">
+            <a:spAutoFit/>
+          </a:bodyPr>
+          <a:lstStyle/>
+          <a:p>
+            <a:pPr algn="ctr"/>
+            <a:r>
+              <a:rPr lang="en-US" sz="1600" dirty="0"/>
+              <a:t>But we only want</a:t>
+            </a:r>
+            <a:br>
+              <a:rPr lang="en-US" sz="1600" dirty="0"/>
+            </a:br>
+            <a:r>
+              <a:rPr lang="en-US" sz="1600" dirty="0"/>
+              <a:t>some of the values…</a:t>
+            </a:r>
+          </a:p>
+        </p:txBody>
+      </p:sp>
+      <p:sp>
+        <p:nvSpPr>
+          <p:cNvPr id="22" name="TextBox 21">
+            <a:extLst>
+              <a:ext uri="{FF2B5EF4-FFF2-40B4-BE49-F238E27FC236}">
+                <a16:creationId xmlns:a16="http://schemas.microsoft.com/office/drawing/2014/main" id="{DC02FD28-E615-98A9-97F0-CBFB9037E1CC}"/>
+              </a:ext>
+            </a:extLst>
+          </p:cNvPr>
+          <p:cNvSpPr txBox="1"/>
+          <p:nvPr/>
+        </p:nvSpPr>
+        <p:spPr>
+          <a:xfrm>
+            <a:off x="3721417" y="3494607"/>
+            <a:ext cx="1879249" cy="1077218"/>
+          </a:xfrm>
+          <a:prstGeom prst="rect">
+            <a:avLst/>
+          </a:prstGeom>
+          <a:solidFill>
+            <a:srgbClr val="FFFF00"/>
+          </a:solidFill>
+          <a:ln>
+            <a:noFill/>
+          </a:ln>
+        </p:spPr>
+        <p:style>
+          <a:lnRef idx="2">
+            <a:schemeClr val="dk1"/>
+          </a:lnRef>
+          <a:fillRef idx="1">
+            <a:schemeClr val="lt1"/>
+          </a:fillRef>
+          <a:effectRef idx="0">
+            <a:schemeClr val="dk1"/>
+          </a:effectRef>
+          <a:fontRef idx="minor">
+            <a:schemeClr val="dk1"/>
+          </a:fontRef>
+        </p:style>
+        <p:txBody>
+          <a:bodyPr wrap="square" rtlCol="0">
+            <a:spAutoFit/>
+          </a:bodyPr>
+          <a:lstStyle/>
+          <a:p>
+            <a:pPr algn="ctr"/>
+            <a:r>
+              <a:rPr lang="en-US" sz="1600" dirty="0"/>
+              <a:t>So we have the webhook only send us what we want using </a:t>
+            </a:r>
+            <a:r>
+              <a:rPr lang="en-US" sz="1600" b="1" dirty="0"/>
+              <a:t>Mustache</a:t>
+            </a:r>
+          </a:p>
+        </p:txBody>
+      </p:sp>
+    </p:spTree>
+    <p:extLst>
+      <p:ext uri="{BB962C8B-B14F-4D97-AF65-F5344CB8AC3E}">
+        <p14:creationId xmlns:p14="http://schemas.microsoft.com/office/powerpoint/2010/main" val="760260225"/>
       </p:ext>
     </p:extLst>
   </p:cSld>
